--- a/writing/figures/Graph Fig.pptx
+++ b/writing/figures/Graph Fig.pptx
@@ -6,7 +6,8 @@
   </p:sldMasterIdLst>
   <p:sldIdLst>
     <p:sldId id="256" r:id="rId2"/>
-    <p:sldId id="257" r:id="rId3"/>
+    <p:sldId id="258" r:id="rId3"/>
+    <p:sldId id="257" r:id="rId4"/>
   </p:sldIdLst>
   <p:sldSz cx="12192000" cy="6858000"/>
   <p:notesSz cx="6858000" cy="9144000"/>
@@ -105,6 +106,11 @@
       </a:defRPr>
     </a:lvl9pPr>
   </p:defaultTextStyle>
+  <p:extLst>
+    <p:ext uri="{EFAFB233-063F-42B5-8137-9DF3F51BA10A}">
+      <p15:sldGuideLst xmlns:p15="http://schemas.microsoft.com/office/powerpoint/2012/main"/>
+    </p:ext>
+  </p:extLst>
 </p:presentation>
 </file>
 
@@ -255,7 +261,7 @@
           <a:p>
             <a:fld id="{1BCAAC05-68B6-44CB-9F79-51A444119565}" type="datetimeFigureOut">
               <a:rPr lang="en-US" smtClean="0"/>
-              <a:t>5/24/2024</a:t>
+              <a:t>6/6/2024</a:t>
             </a:fld>
             <a:endParaRPr lang="en-US"/>
           </a:p>
@@ -453,7 +459,7 @@
           <a:p>
             <a:fld id="{1BCAAC05-68B6-44CB-9F79-51A444119565}" type="datetimeFigureOut">
               <a:rPr lang="en-US" smtClean="0"/>
-              <a:t>5/24/2024</a:t>
+              <a:t>6/6/2024</a:t>
             </a:fld>
             <a:endParaRPr lang="en-US"/>
           </a:p>
@@ -661,7 +667,7 @@
           <a:p>
             <a:fld id="{1BCAAC05-68B6-44CB-9F79-51A444119565}" type="datetimeFigureOut">
               <a:rPr lang="en-US" smtClean="0"/>
-              <a:t>5/24/2024</a:t>
+              <a:t>6/6/2024</a:t>
             </a:fld>
             <a:endParaRPr lang="en-US"/>
           </a:p>
@@ -859,7 +865,7 @@
           <a:p>
             <a:fld id="{1BCAAC05-68B6-44CB-9F79-51A444119565}" type="datetimeFigureOut">
               <a:rPr lang="en-US" smtClean="0"/>
-              <a:t>5/24/2024</a:t>
+              <a:t>6/6/2024</a:t>
             </a:fld>
             <a:endParaRPr lang="en-US"/>
           </a:p>
@@ -1134,7 +1140,7 @@
           <a:p>
             <a:fld id="{1BCAAC05-68B6-44CB-9F79-51A444119565}" type="datetimeFigureOut">
               <a:rPr lang="en-US" smtClean="0"/>
-              <a:t>5/24/2024</a:t>
+              <a:t>6/6/2024</a:t>
             </a:fld>
             <a:endParaRPr lang="en-US"/>
           </a:p>
@@ -1399,7 +1405,7 @@
           <a:p>
             <a:fld id="{1BCAAC05-68B6-44CB-9F79-51A444119565}" type="datetimeFigureOut">
               <a:rPr lang="en-US" smtClean="0"/>
-              <a:t>5/24/2024</a:t>
+              <a:t>6/6/2024</a:t>
             </a:fld>
             <a:endParaRPr lang="en-US"/>
           </a:p>
@@ -1811,7 +1817,7 @@
           <a:p>
             <a:fld id="{1BCAAC05-68B6-44CB-9F79-51A444119565}" type="datetimeFigureOut">
               <a:rPr lang="en-US" smtClean="0"/>
-              <a:t>5/24/2024</a:t>
+              <a:t>6/6/2024</a:t>
             </a:fld>
             <a:endParaRPr lang="en-US"/>
           </a:p>
@@ -1952,7 +1958,7 @@
           <a:p>
             <a:fld id="{1BCAAC05-68B6-44CB-9F79-51A444119565}" type="datetimeFigureOut">
               <a:rPr lang="en-US" smtClean="0"/>
-              <a:t>5/24/2024</a:t>
+              <a:t>6/6/2024</a:t>
             </a:fld>
             <a:endParaRPr lang="en-US"/>
           </a:p>
@@ -2065,7 +2071,7 @@
           <a:p>
             <a:fld id="{1BCAAC05-68B6-44CB-9F79-51A444119565}" type="datetimeFigureOut">
               <a:rPr lang="en-US" smtClean="0"/>
-              <a:t>5/24/2024</a:t>
+              <a:t>6/6/2024</a:t>
             </a:fld>
             <a:endParaRPr lang="en-US"/>
           </a:p>
@@ -2376,7 +2382,7 @@
           <a:p>
             <a:fld id="{1BCAAC05-68B6-44CB-9F79-51A444119565}" type="datetimeFigureOut">
               <a:rPr lang="en-US" smtClean="0"/>
-              <a:t>5/24/2024</a:t>
+              <a:t>6/6/2024</a:t>
             </a:fld>
             <a:endParaRPr lang="en-US"/>
           </a:p>
@@ -2664,7 +2670,7 @@
           <a:p>
             <a:fld id="{1BCAAC05-68B6-44CB-9F79-51A444119565}" type="datetimeFigureOut">
               <a:rPr lang="en-US" smtClean="0"/>
-              <a:t>5/24/2024</a:t>
+              <a:t>6/6/2024</a:t>
             </a:fld>
             <a:endParaRPr lang="en-US"/>
           </a:p>
@@ -2905,7 +2911,7 @@
           <a:p>
             <a:fld id="{1BCAAC05-68B6-44CB-9F79-51A444119565}" type="datetimeFigureOut">
               <a:rPr lang="en-US" smtClean="0"/>
-              <a:t>5/24/2024</a:t>
+              <a:t>6/6/2024</a:t>
             </a:fld>
             <a:endParaRPr lang="en-US"/>
           </a:p>
@@ -3386,6 +3392,8322 @@
 </file>
 
 <file path=ppt/slides/slide2.xml><?xml version="1.0" encoding="utf-8"?>
+<p:sld xmlns:a="http://schemas.openxmlformats.org/drawingml/2006/main" xmlns:r="http://schemas.openxmlformats.org/officeDocument/2006/relationships" xmlns:p="http://schemas.openxmlformats.org/presentationml/2006/main">
+  <p:cSld>
+    <p:spTree>
+      <p:nvGrpSpPr>
+        <p:cNvPr id="1" name=""/>
+        <p:cNvGrpSpPr/>
+        <p:nvPr/>
+      </p:nvGrpSpPr>
+      <p:grpSpPr>
+        <a:xfrm>
+          <a:off x="0" y="0"/>
+          <a:ext cx="0" cy="0"/>
+          <a:chOff x="0" y="0"/>
+          <a:chExt cx="0" cy="0"/>
+        </a:xfrm>
+      </p:grpSpPr>
+      <p:sp>
+        <p:nvSpPr>
+          <p:cNvPr id="4" name="Rectangle 3">
+            <a:extLst>
+              <a:ext uri="{FF2B5EF4-FFF2-40B4-BE49-F238E27FC236}">
+                <a16:creationId xmlns:a16="http://schemas.microsoft.com/office/drawing/2014/main" id="{C95353D2-68FD-6928-6494-19B008A8B5E9}"/>
+              </a:ext>
+            </a:extLst>
+          </p:cNvPr>
+          <p:cNvSpPr/>
+          <p:nvPr/>
+        </p:nvSpPr>
+        <p:spPr>
+          <a:xfrm>
+            <a:off x="25655" y="33607"/>
+            <a:ext cx="1335302" cy="3776523"/>
+          </a:xfrm>
+          <a:prstGeom prst="rect">
+            <a:avLst/>
+          </a:prstGeom>
+          <a:noFill/>
+        </p:spPr>
+        <p:style>
+          <a:lnRef idx="2">
+            <a:schemeClr val="accent1">
+              <a:shade val="15000"/>
+            </a:schemeClr>
+          </a:lnRef>
+          <a:fillRef idx="1">
+            <a:schemeClr val="accent1"/>
+          </a:fillRef>
+          <a:effectRef idx="0">
+            <a:schemeClr val="accent1"/>
+          </a:effectRef>
+          <a:fontRef idx="minor">
+            <a:schemeClr val="lt1"/>
+          </a:fontRef>
+        </p:style>
+        <p:txBody>
+          <a:bodyPr rtlCol="0" anchor="t"/>
+          <a:lstStyle/>
+          <a:p>
+            <a:pPr algn="ctr"/>
+            <a:r>
+              <a:rPr lang="en-US" sz="1100" dirty="0">
+                <a:solidFill>
+                  <a:schemeClr val="tx1"/>
+                </a:solidFill>
+                <a:latin typeface="Times New Roman" panose="02020603050405020304" pitchFamily="18" charset="0"/>
+                <a:cs typeface="Times New Roman" panose="02020603050405020304" pitchFamily="18" charset="0"/>
+              </a:rPr>
+              <a:t>Input Graph</a:t>
+            </a:r>
+          </a:p>
+        </p:txBody>
+      </p:sp>
+      <p:grpSp>
+        <p:nvGrpSpPr>
+          <p:cNvPr id="30" name="Group 29">
+            <a:extLst>
+              <a:ext uri="{FF2B5EF4-FFF2-40B4-BE49-F238E27FC236}">
+                <a16:creationId xmlns:a16="http://schemas.microsoft.com/office/drawing/2014/main" id="{D2D4ED11-3580-14A4-CBB8-DE7A1584ED34}"/>
+              </a:ext>
+            </a:extLst>
+          </p:cNvPr>
+          <p:cNvGrpSpPr/>
+          <p:nvPr/>
+        </p:nvGrpSpPr>
+        <p:grpSpPr>
+          <a:xfrm>
+            <a:off x="148311" y="691125"/>
+            <a:ext cx="1085851" cy="2535382"/>
+            <a:chOff x="1059873" y="1264227"/>
+            <a:chExt cx="1085851" cy="2535382"/>
+          </a:xfrm>
+        </p:grpSpPr>
+        <p:sp>
+          <p:nvSpPr>
+            <p:cNvPr id="6" name="Oval 5">
+              <a:extLst>
+                <a:ext uri="{FF2B5EF4-FFF2-40B4-BE49-F238E27FC236}">
+                  <a16:creationId xmlns:a16="http://schemas.microsoft.com/office/drawing/2014/main" id="{DEB5D62D-AE86-30FC-36AA-1BACE3C37A3D}"/>
+                </a:ext>
+              </a:extLst>
+            </p:cNvPr>
+            <p:cNvSpPr/>
+            <p:nvPr/>
+          </p:nvSpPr>
+          <p:spPr>
+            <a:xfrm>
+              <a:off x="1059873" y="2005445"/>
+              <a:ext cx="228600" cy="228600"/>
+            </a:xfrm>
+            <a:prstGeom prst="ellipse">
+              <a:avLst/>
+            </a:prstGeom>
+          </p:spPr>
+          <p:style>
+            <a:lnRef idx="2">
+              <a:schemeClr val="accent1">
+                <a:shade val="15000"/>
+              </a:schemeClr>
+            </a:lnRef>
+            <a:fillRef idx="1">
+              <a:schemeClr val="accent1"/>
+            </a:fillRef>
+            <a:effectRef idx="0">
+              <a:schemeClr val="accent1"/>
+            </a:effectRef>
+            <a:fontRef idx="minor">
+              <a:schemeClr val="lt1"/>
+            </a:fontRef>
+          </p:style>
+          <p:txBody>
+            <a:bodyPr rtlCol="0" anchor="ctr"/>
+            <a:lstStyle/>
+            <a:p>
+              <a:pPr algn="ctr"/>
+              <a:endParaRPr lang="en-US"/>
+            </a:p>
+          </p:txBody>
+        </p:sp>
+        <p:sp>
+          <p:nvSpPr>
+            <p:cNvPr id="7" name="Oval 6">
+              <a:extLst>
+                <a:ext uri="{FF2B5EF4-FFF2-40B4-BE49-F238E27FC236}">
+                  <a16:creationId xmlns:a16="http://schemas.microsoft.com/office/drawing/2014/main" id="{A24BA2A5-4851-B04E-8A4D-C54BA9C80776}"/>
+                </a:ext>
+              </a:extLst>
+            </p:cNvPr>
+            <p:cNvSpPr/>
+            <p:nvPr/>
+          </p:nvSpPr>
+          <p:spPr>
+            <a:xfrm>
+              <a:off x="1059873" y="3200399"/>
+              <a:ext cx="228600" cy="228600"/>
+            </a:xfrm>
+            <a:prstGeom prst="ellipse">
+              <a:avLst/>
+            </a:prstGeom>
+          </p:spPr>
+          <p:style>
+            <a:lnRef idx="2">
+              <a:schemeClr val="accent1">
+                <a:shade val="15000"/>
+              </a:schemeClr>
+            </a:lnRef>
+            <a:fillRef idx="1">
+              <a:schemeClr val="accent1"/>
+            </a:fillRef>
+            <a:effectRef idx="0">
+              <a:schemeClr val="accent1"/>
+            </a:effectRef>
+            <a:fontRef idx="minor">
+              <a:schemeClr val="lt1"/>
+            </a:fontRef>
+          </p:style>
+          <p:txBody>
+            <a:bodyPr rtlCol="0" anchor="ctr"/>
+            <a:lstStyle/>
+            <a:p>
+              <a:pPr algn="ctr"/>
+              <a:endParaRPr lang="en-US"/>
+            </a:p>
+          </p:txBody>
+        </p:sp>
+        <p:sp>
+          <p:nvSpPr>
+            <p:cNvPr id="8" name="Oval 7">
+              <a:extLst>
+                <a:ext uri="{FF2B5EF4-FFF2-40B4-BE49-F238E27FC236}">
+                  <a16:creationId xmlns:a16="http://schemas.microsoft.com/office/drawing/2014/main" id="{B608F8D8-221E-0FE6-FDCD-CF885EFB0BAC}"/>
+                </a:ext>
+              </a:extLst>
+            </p:cNvPr>
+            <p:cNvSpPr/>
+            <p:nvPr/>
+          </p:nvSpPr>
+          <p:spPr>
+            <a:xfrm>
+              <a:off x="1917124" y="2005445"/>
+              <a:ext cx="228600" cy="228600"/>
+            </a:xfrm>
+            <a:prstGeom prst="ellipse">
+              <a:avLst/>
+            </a:prstGeom>
+          </p:spPr>
+          <p:style>
+            <a:lnRef idx="2">
+              <a:schemeClr val="accent1">
+                <a:shade val="15000"/>
+              </a:schemeClr>
+            </a:lnRef>
+            <a:fillRef idx="1">
+              <a:schemeClr val="accent1"/>
+            </a:fillRef>
+            <a:effectRef idx="0">
+              <a:schemeClr val="accent1"/>
+            </a:effectRef>
+            <a:fontRef idx="minor">
+              <a:schemeClr val="lt1"/>
+            </a:fontRef>
+          </p:style>
+          <p:txBody>
+            <a:bodyPr rtlCol="0" anchor="ctr"/>
+            <a:lstStyle/>
+            <a:p>
+              <a:pPr algn="ctr"/>
+              <a:endParaRPr lang="en-US"/>
+            </a:p>
+          </p:txBody>
+        </p:sp>
+        <p:sp>
+          <p:nvSpPr>
+            <p:cNvPr id="9" name="Oval 8">
+              <a:extLst>
+                <a:ext uri="{FF2B5EF4-FFF2-40B4-BE49-F238E27FC236}">
+                  <a16:creationId xmlns:a16="http://schemas.microsoft.com/office/drawing/2014/main" id="{8624D58D-F52B-383E-A072-BCB36A6BA3F8}"/>
+                </a:ext>
+              </a:extLst>
+            </p:cNvPr>
+            <p:cNvSpPr/>
+            <p:nvPr/>
+          </p:nvSpPr>
+          <p:spPr>
+            <a:xfrm>
+              <a:off x="1498890" y="1264227"/>
+              <a:ext cx="228600" cy="228600"/>
+            </a:xfrm>
+            <a:prstGeom prst="ellipse">
+              <a:avLst/>
+            </a:prstGeom>
+          </p:spPr>
+          <p:style>
+            <a:lnRef idx="2">
+              <a:schemeClr val="accent1">
+                <a:shade val="15000"/>
+              </a:schemeClr>
+            </a:lnRef>
+            <a:fillRef idx="1">
+              <a:schemeClr val="accent1"/>
+            </a:fillRef>
+            <a:effectRef idx="0">
+              <a:schemeClr val="accent1"/>
+            </a:effectRef>
+            <a:fontRef idx="minor">
+              <a:schemeClr val="lt1"/>
+            </a:fontRef>
+          </p:style>
+          <p:txBody>
+            <a:bodyPr rtlCol="0" anchor="ctr"/>
+            <a:lstStyle/>
+            <a:p>
+              <a:pPr algn="ctr"/>
+              <a:endParaRPr lang="en-US"/>
+            </a:p>
+          </p:txBody>
+        </p:sp>
+        <p:sp>
+          <p:nvSpPr>
+            <p:cNvPr id="10" name="Oval 9">
+              <a:extLst>
+                <a:ext uri="{FF2B5EF4-FFF2-40B4-BE49-F238E27FC236}">
+                  <a16:creationId xmlns:a16="http://schemas.microsoft.com/office/drawing/2014/main" id="{5F595998-371C-B4FD-2DD9-0A9B362D2BE2}"/>
+                </a:ext>
+              </a:extLst>
+            </p:cNvPr>
+            <p:cNvSpPr/>
+            <p:nvPr/>
+          </p:nvSpPr>
+          <p:spPr>
+            <a:xfrm>
+              <a:off x="1846987" y="3571009"/>
+              <a:ext cx="228600" cy="228600"/>
+            </a:xfrm>
+            <a:prstGeom prst="ellipse">
+              <a:avLst/>
+            </a:prstGeom>
+          </p:spPr>
+          <p:style>
+            <a:lnRef idx="2">
+              <a:schemeClr val="accent1">
+                <a:shade val="15000"/>
+              </a:schemeClr>
+            </a:lnRef>
+            <a:fillRef idx="1">
+              <a:schemeClr val="accent1"/>
+            </a:fillRef>
+            <a:effectRef idx="0">
+              <a:schemeClr val="accent1"/>
+            </a:effectRef>
+            <a:fontRef idx="minor">
+              <a:schemeClr val="lt1"/>
+            </a:fontRef>
+          </p:style>
+          <p:txBody>
+            <a:bodyPr rtlCol="0" anchor="ctr"/>
+            <a:lstStyle/>
+            <a:p>
+              <a:pPr algn="ctr"/>
+              <a:endParaRPr lang="en-US"/>
+            </a:p>
+          </p:txBody>
+        </p:sp>
+        <p:cxnSp>
+          <p:nvCxnSpPr>
+            <p:cNvPr id="12" name="Straight Connector 11">
+              <a:extLst>
+                <a:ext uri="{FF2B5EF4-FFF2-40B4-BE49-F238E27FC236}">
+                  <a16:creationId xmlns:a16="http://schemas.microsoft.com/office/drawing/2014/main" id="{915DE70D-1C2A-C939-0081-8A2AB368CBC4}"/>
+                </a:ext>
+              </a:extLst>
+            </p:cNvPr>
+            <p:cNvCxnSpPr>
+              <a:cxnSpLocks/>
+              <a:stCxn id="9" idx="3"/>
+              <a:endCxn id="6" idx="7"/>
+            </p:cNvCxnSpPr>
+            <p:nvPr/>
+          </p:nvCxnSpPr>
+          <p:spPr>
+            <a:xfrm flipH="1">
+              <a:off x="1254995" y="1459349"/>
+              <a:ext cx="277373" cy="579574"/>
+            </a:xfrm>
+            <a:prstGeom prst="line">
+              <a:avLst/>
+            </a:prstGeom>
+          </p:spPr>
+          <p:style>
+            <a:lnRef idx="2">
+              <a:schemeClr val="dk1"/>
+            </a:lnRef>
+            <a:fillRef idx="0">
+              <a:schemeClr val="dk1"/>
+            </a:fillRef>
+            <a:effectRef idx="1">
+              <a:schemeClr val="dk1"/>
+            </a:effectRef>
+            <a:fontRef idx="minor">
+              <a:schemeClr val="tx1"/>
+            </a:fontRef>
+          </p:style>
+        </p:cxnSp>
+        <p:cxnSp>
+          <p:nvCxnSpPr>
+            <p:cNvPr id="17" name="Straight Connector 16">
+              <a:extLst>
+                <a:ext uri="{FF2B5EF4-FFF2-40B4-BE49-F238E27FC236}">
+                  <a16:creationId xmlns:a16="http://schemas.microsoft.com/office/drawing/2014/main" id="{1F39E4CA-2508-48CF-872F-2110957EA43D}"/>
+                </a:ext>
+              </a:extLst>
+            </p:cNvPr>
+            <p:cNvCxnSpPr>
+              <a:stCxn id="9" idx="5"/>
+              <a:endCxn id="8" idx="1"/>
+            </p:cNvCxnSpPr>
+            <p:nvPr/>
+          </p:nvCxnSpPr>
+          <p:spPr>
+            <a:xfrm>
+              <a:off x="1694012" y="1459349"/>
+              <a:ext cx="256590" cy="579574"/>
+            </a:xfrm>
+            <a:prstGeom prst="line">
+              <a:avLst/>
+            </a:prstGeom>
+          </p:spPr>
+          <p:style>
+            <a:lnRef idx="2">
+              <a:schemeClr val="dk1"/>
+            </a:lnRef>
+            <a:fillRef idx="0">
+              <a:schemeClr val="dk1"/>
+            </a:fillRef>
+            <a:effectRef idx="1">
+              <a:schemeClr val="dk1"/>
+            </a:effectRef>
+            <a:fontRef idx="minor">
+              <a:schemeClr val="tx1"/>
+            </a:fontRef>
+          </p:style>
+        </p:cxnSp>
+        <p:cxnSp>
+          <p:nvCxnSpPr>
+            <p:cNvPr id="18" name="Straight Connector 17">
+              <a:extLst>
+                <a:ext uri="{FF2B5EF4-FFF2-40B4-BE49-F238E27FC236}">
+                  <a16:creationId xmlns:a16="http://schemas.microsoft.com/office/drawing/2014/main" id="{3B42957D-6AA1-6FF4-C1F8-35D932CC76E6}"/>
+                </a:ext>
+              </a:extLst>
+            </p:cNvPr>
+            <p:cNvCxnSpPr>
+              <a:cxnSpLocks/>
+              <a:stCxn id="6" idx="4"/>
+              <a:endCxn id="7" idx="0"/>
+            </p:cNvCxnSpPr>
+            <p:nvPr/>
+          </p:nvCxnSpPr>
+          <p:spPr>
+            <a:xfrm>
+              <a:off x="1174173" y="2234045"/>
+              <a:ext cx="0" cy="966354"/>
+            </a:xfrm>
+            <a:prstGeom prst="line">
+              <a:avLst/>
+            </a:prstGeom>
+          </p:spPr>
+          <p:style>
+            <a:lnRef idx="2">
+              <a:schemeClr val="dk1"/>
+            </a:lnRef>
+            <a:fillRef idx="0">
+              <a:schemeClr val="dk1"/>
+            </a:fillRef>
+            <a:effectRef idx="1">
+              <a:schemeClr val="dk1"/>
+            </a:effectRef>
+            <a:fontRef idx="minor">
+              <a:schemeClr val="tx1"/>
+            </a:fontRef>
+          </p:style>
+        </p:cxnSp>
+        <p:cxnSp>
+          <p:nvCxnSpPr>
+            <p:cNvPr id="21" name="Straight Connector 20">
+              <a:extLst>
+                <a:ext uri="{FF2B5EF4-FFF2-40B4-BE49-F238E27FC236}">
+                  <a16:creationId xmlns:a16="http://schemas.microsoft.com/office/drawing/2014/main" id="{348C36F4-B6C3-4E83-1E3E-9A893BF8559D}"/>
+                </a:ext>
+              </a:extLst>
+            </p:cNvPr>
+            <p:cNvCxnSpPr>
+              <a:cxnSpLocks/>
+              <a:stCxn id="6" idx="6"/>
+              <a:endCxn id="8" idx="2"/>
+            </p:cNvCxnSpPr>
+            <p:nvPr/>
+          </p:nvCxnSpPr>
+          <p:spPr>
+            <a:xfrm>
+              <a:off x="1288473" y="2119745"/>
+              <a:ext cx="628651" cy="0"/>
+            </a:xfrm>
+            <a:prstGeom prst="line">
+              <a:avLst/>
+            </a:prstGeom>
+          </p:spPr>
+          <p:style>
+            <a:lnRef idx="2">
+              <a:schemeClr val="dk1"/>
+            </a:lnRef>
+            <a:fillRef idx="0">
+              <a:schemeClr val="dk1"/>
+            </a:fillRef>
+            <a:effectRef idx="1">
+              <a:schemeClr val="dk1"/>
+            </a:effectRef>
+            <a:fontRef idx="minor">
+              <a:schemeClr val="tx1"/>
+            </a:fontRef>
+          </p:style>
+        </p:cxnSp>
+        <p:cxnSp>
+          <p:nvCxnSpPr>
+            <p:cNvPr id="24" name="Straight Connector 23">
+              <a:extLst>
+                <a:ext uri="{FF2B5EF4-FFF2-40B4-BE49-F238E27FC236}">
+                  <a16:creationId xmlns:a16="http://schemas.microsoft.com/office/drawing/2014/main" id="{BD561CFF-B91A-C2D7-51F1-0C05A9ED0C3F}"/>
+                </a:ext>
+              </a:extLst>
+            </p:cNvPr>
+            <p:cNvCxnSpPr>
+              <a:cxnSpLocks/>
+              <a:stCxn id="7" idx="6"/>
+              <a:endCxn id="10" idx="1"/>
+            </p:cNvCxnSpPr>
+            <p:nvPr/>
+          </p:nvCxnSpPr>
+          <p:spPr>
+            <a:xfrm>
+              <a:off x="1288473" y="3314699"/>
+              <a:ext cx="591992" cy="289788"/>
+            </a:xfrm>
+            <a:prstGeom prst="line">
+              <a:avLst/>
+            </a:prstGeom>
+          </p:spPr>
+          <p:style>
+            <a:lnRef idx="2">
+              <a:schemeClr val="dk1"/>
+            </a:lnRef>
+            <a:fillRef idx="0">
+              <a:schemeClr val="dk1"/>
+            </a:fillRef>
+            <a:effectRef idx="1">
+              <a:schemeClr val="dk1"/>
+            </a:effectRef>
+            <a:fontRef idx="minor">
+              <a:schemeClr val="tx1"/>
+            </a:fontRef>
+          </p:style>
+        </p:cxnSp>
+        <p:cxnSp>
+          <p:nvCxnSpPr>
+            <p:cNvPr id="27" name="Straight Connector 26">
+              <a:extLst>
+                <a:ext uri="{FF2B5EF4-FFF2-40B4-BE49-F238E27FC236}">
+                  <a16:creationId xmlns:a16="http://schemas.microsoft.com/office/drawing/2014/main" id="{06A9ED96-AC1E-017C-C28B-0B33E62C63BA}"/>
+                </a:ext>
+              </a:extLst>
+            </p:cNvPr>
+            <p:cNvCxnSpPr>
+              <a:cxnSpLocks/>
+              <a:stCxn id="8" idx="3"/>
+              <a:endCxn id="7" idx="7"/>
+            </p:cNvCxnSpPr>
+            <p:nvPr/>
+          </p:nvCxnSpPr>
+          <p:spPr>
+            <a:xfrm flipH="1">
+              <a:off x="1254995" y="2200567"/>
+              <a:ext cx="695607" cy="1033310"/>
+            </a:xfrm>
+            <a:prstGeom prst="line">
+              <a:avLst/>
+            </a:prstGeom>
+          </p:spPr>
+          <p:style>
+            <a:lnRef idx="2">
+              <a:schemeClr val="dk1"/>
+            </a:lnRef>
+            <a:fillRef idx="0">
+              <a:schemeClr val="dk1"/>
+            </a:fillRef>
+            <a:effectRef idx="1">
+              <a:schemeClr val="dk1"/>
+            </a:effectRef>
+            <a:fontRef idx="minor">
+              <a:schemeClr val="tx1"/>
+            </a:fontRef>
+          </p:style>
+        </p:cxnSp>
+      </p:grpSp>
+      <p:sp>
+        <p:nvSpPr>
+          <p:cNvPr id="31" name="Arrow: Right 30">
+            <a:extLst>
+              <a:ext uri="{FF2B5EF4-FFF2-40B4-BE49-F238E27FC236}">
+                <a16:creationId xmlns:a16="http://schemas.microsoft.com/office/drawing/2014/main" id="{466D66D0-3D45-F36E-6E77-1D4F2668852A}"/>
+              </a:ext>
+            </a:extLst>
+          </p:cNvPr>
+          <p:cNvSpPr/>
+          <p:nvPr/>
+        </p:nvSpPr>
+        <p:spPr>
+          <a:xfrm>
+            <a:off x="1530948" y="163494"/>
+            <a:ext cx="228600" cy="228600"/>
+          </a:xfrm>
+          <a:prstGeom prst="rightArrow">
+            <a:avLst/>
+          </a:prstGeom>
+        </p:spPr>
+        <p:style>
+          <a:lnRef idx="2">
+            <a:schemeClr val="accent6">
+              <a:shade val="15000"/>
+            </a:schemeClr>
+          </a:lnRef>
+          <a:fillRef idx="1">
+            <a:schemeClr val="accent6"/>
+          </a:fillRef>
+          <a:effectRef idx="0">
+            <a:schemeClr val="accent6"/>
+          </a:effectRef>
+          <a:fontRef idx="minor">
+            <a:schemeClr val="lt1"/>
+          </a:fontRef>
+        </p:style>
+        <p:txBody>
+          <a:bodyPr rtlCol="0" anchor="ctr"/>
+          <a:lstStyle/>
+          <a:p>
+            <a:pPr algn="ctr"/>
+            <a:endParaRPr lang="en-US"/>
+          </a:p>
+        </p:txBody>
+      </p:sp>
+      <mc:AlternateContent xmlns:mc="http://schemas.openxmlformats.org/markup-compatibility/2006">
+        <mc:Choice xmlns:a14="http://schemas.microsoft.com/office/drawing/2010/main" Requires="a14">
+          <p:sp>
+            <p:nvSpPr>
+              <p:cNvPr id="32" name="Rectangle 31">
+                <a:extLst>
+                  <a:ext uri="{FF2B5EF4-FFF2-40B4-BE49-F238E27FC236}">
+                    <a16:creationId xmlns:a16="http://schemas.microsoft.com/office/drawing/2014/main" id="{F8B1727A-E867-0A89-E2A4-87B1461DEF93}"/>
+                  </a:ext>
+                </a:extLst>
+              </p:cNvPr>
+              <p:cNvSpPr/>
+              <p:nvPr/>
+            </p:nvSpPr>
+            <p:spPr>
+              <a:xfrm>
+                <a:off x="2221504" y="33607"/>
+                <a:ext cx="974147" cy="726791"/>
+              </a:xfrm>
+              <a:prstGeom prst="rect">
+                <a:avLst/>
+              </a:prstGeom>
+            </p:spPr>
+            <p:style>
+              <a:lnRef idx="2">
+                <a:schemeClr val="accent6">
+                  <a:shade val="15000"/>
+                </a:schemeClr>
+              </a:lnRef>
+              <a:fillRef idx="1">
+                <a:schemeClr val="accent6"/>
+              </a:fillRef>
+              <a:effectRef idx="0">
+                <a:schemeClr val="accent6"/>
+              </a:effectRef>
+              <a:fontRef idx="minor">
+                <a:schemeClr val="lt1"/>
+              </a:fontRef>
+            </p:style>
+            <p:txBody>
+              <a:bodyPr rtlCol="0" anchor="ctr"/>
+              <a:lstStyle/>
+              <a:p>
+                <a:pPr algn="ctr"/>
+                <a:r>
+                  <a:rPr lang="en-US" sz="1100" dirty="0">
+                    <a:solidFill>
+                      <a:schemeClr val="tx1"/>
+                    </a:solidFill>
+                    <a:latin typeface="Times New Roman" panose="02020603050405020304" pitchFamily="18" charset="0"/>
+                    <a:cs typeface="Times New Roman" panose="02020603050405020304" pitchFamily="18" charset="0"/>
+                  </a:rPr>
+                  <a:t>Graph Embedding Network </a:t>
+                </a:r>
+              </a:p>
+              <a:p>
+                <a:pPr algn="ctr"/>
+                <a14:m>
+                  <m:oMathPara xmlns:m="http://schemas.openxmlformats.org/officeDocument/2006/math">
+                    <m:oMathParaPr>
+                      <m:jc m:val="centerGroup"/>
+                    </m:oMathParaPr>
+                    <m:oMath xmlns:m="http://schemas.openxmlformats.org/officeDocument/2006/math">
+                      <m:r>
+                        <a:rPr lang="en-US" sz="1100" b="0" i="1" smtClean="0">
+                          <a:solidFill>
+                            <a:schemeClr val="tx1"/>
+                          </a:solidFill>
+                          <a:latin typeface="Cambria Math" panose="02040503050406030204" pitchFamily="18" charset="0"/>
+                          <a:cs typeface="Times New Roman" panose="02020603050405020304" pitchFamily="18" charset="0"/>
+                        </a:rPr>
+                        <m:t>𝑓</m:t>
+                      </m:r>
+                      <m:r>
+                        <a:rPr lang="en-US" sz="1100" b="0" i="1" smtClean="0">
+                          <a:solidFill>
+                            <a:schemeClr val="tx1"/>
+                          </a:solidFill>
+                          <a:latin typeface="Cambria Math" panose="02040503050406030204" pitchFamily="18" charset="0"/>
+                          <a:cs typeface="Times New Roman" panose="02020603050405020304" pitchFamily="18" charset="0"/>
+                        </a:rPr>
+                        <m:t>(</m:t>
+                      </m:r>
+                      <m:r>
+                        <a:rPr lang="en-US" sz="1100" b="0" i="1" smtClean="0">
+                          <a:solidFill>
+                            <a:schemeClr val="tx1"/>
+                          </a:solidFill>
+                          <a:latin typeface="Cambria Math" panose="02040503050406030204" pitchFamily="18" charset="0"/>
+                          <a:cs typeface="Times New Roman" panose="02020603050405020304" pitchFamily="18" charset="0"/>
+                        </a:rPr>
+                        <m:t>𝐺</m:t>
+                      </m:r>
+                      <m:r>
+                        <a:rPr lang="en-US" sz="1100" b="0" i="1" smtClean="0">
+                          <a:solidFill>
+                            <a:schemeClr val="tx1"/>
+                          </a:solidFill>
+                          <a:latin typeface="Cambria Math" panose="02040503050406030204" pitchFamily="18" charset="0"/>
+                          <a:cs typeface="Times New Roman" panose="02020603050405020304" pitchFamily="18" charset="0"/>
+                        </a:rPr>
+                        <m:t>; </m:t>
+                      </m:r>
+                      <m:sSub>
+                        <m:sSubPr>
+                          <m:ctrlPr>
+                            <a:rPr lang="en-US" sz="1100" b="0" i="1" smtClean="0">
+                              <a:solidFill>
+                                <a:schemeClr val="tx1"/>
+                              </a:solidFill>
+                              <a:latin typeface="Cambria Math" panose="02040503050406030204" pitchFamily="18" charset="0"/>
+                              <a:cs typeface="Times New Roman" panose="02020603050405020304" pitchFamily="18" charset="0"/>
+                            </a:rPr>
+                          </m:ctrlPr>
+                        </m:sSubPr>
+                        <m:e>
+                          <m:r>
+                            <m:rPr>
+                              <m:sty m:val="p"/>
+                            </m:rPr>
+                            <a:rPr lang="el-GR" sz="1100" b="0" i="1" smtClean="0">
+                              <a:solidFill>
+                                <a:schemeClr val="tx1"/>
+                              </a:solidFill>
+                              <a:latin typeface="Cambria Math" panose="02040503050406030204" pitchFamily="18" charset="0"/>
+                              <a:ea typeface="Cambria Math" panose="02040503050406030204" pitchFamily="18" charset="0"/>
+                              <a:cs typeface="Times New Roman" panose="02020603050405020304" pitchFamily="18" charset="0"/>
+                            </a:rPr>
+                            <m:t>Ω</m:t>
+                          </m:r>
+                        </m:e>
+                        <m:sub>
+                          <m:r>
+                            <a:rPr lang="en-US" sz="1100" b="0" i="1" smtClean="0">
+                              <a:solidFill>
+                                <a:schemeClr val="tx1"/>
+                              </a:solidFill>
+                              <a:latin typeface="Cambria Math" panose="02040503050406030204" pitchFamily="18" charset="0"/>
+                              <a:cs typeface="Times New Roman" panose="02020603050405020304" pitchFamily="18" charset="0"/>
+                            </a:rPr>
+                            <m:t>𝑓</m:t>
+                          </m:r>
+                        </m:sub>
+                      </m:sSub>
+                      <m:r>
+                        <a:rPr lang="en-US" sz="1100" b="0" i="1" smtClean="0">
+                          <a:solidFill>
+                            <a:schemeClr val="tx1"/>
+                          </a:solidFill>
+                          <a:latin typeface="Cambria Math" panose="02040503050406030204" pitchFamily="18" charset="0"/>
+                          <a:cs typeface="Times New Roman" panose="02020603050405020304" pitchFamily="18" charset="0"/>
+                        </a:rPr>
+                        <m:t>)</m:t>
+                      </m:r>
+                    </m:oMath>
+                  </m:oMathPara>
+                </a14:m>
+                <a:endParaRPr lang="en-US" sz="1100" dirty="0">
+                  <a:solidFill>
+                    <a:schemeClr val="tx1"/>
+                  </a:solidFill>
+                  <a:latin typeface="Times New Roman" panose="02020603050405020304" pitchFamily="18" charset="0"/>
+                  <a:cs typeface="Times New Roman" panose="02020603050405020304" pitchFamily="18" charset="0"/>
+                </a:endParaRPr>
+              </a:p>
+            </p:txBody>
+          </p:sp>
+        </mc:Choice>
+        <mc:Fallback>
+          <p:sp>
+            <p:nvSpPr>
+              <p:cNvPr id="32" name="Rectangle 31">
+                <a:extLst>
+                  <a:ext uri="{FF2B5EF4-FFF2-40B4-BE49-F238E27FC236}">
+                    <a16:creationId xmlns:a16="http://schemas.microsoft.com/office/drawing/2014/main" id="{F8B1727A-E867-0A89-E2A4-87B1461DEF93}"/>
+                  </a:ext>
+                </a:extLst>
+              </p:cNvPr>
+              <p:cNvSpPr>
+                <a:spLocks noRot="1" noChangeAspect="1" noMove="1" noResize="1" noEditPoints="1" noAdjustHandles="1" noChangeArrowheads="1" noChangeShapeType="1" noTextEdit="1"/>
+              </p:cNvSpPr>
+              <p:nvPr/>
+            </p:nvSpPr>
+            <p:spPr>
+              <a:xfrm>
+                <a:off x="2221504" y="33607"/>
+                <a:ext cx="974147" cy="726791"/>
+              </a:xfrm>
+              <a:prstGeom prst="rect">
+                <a:avLst/>
+              </a:prstGeom>
+              <a:blipFill>
+                <a:blip r:embed="rId2"/>
+                <a:stretch>
+                  <a:fillRect t="-2459" b="-2459"/>
+                </a:stretch>
+              </a:blipFill>
+            </p:spPr>
+            <p:txBody>
+              <a:bodyPr/>
+              <a:lstStyle/>
+              <a:p>
+                <a:r>
+                  <a:rPr lang="en-US">
+                    <a:noFill/>
+                  </a:rPr>
+                  <a:t> </a:t>
+                </a:r>
+              </a:p>
+            </p:txBody>
+          </p:sp>
+        </mc:Fallback>
+      </mc:AlternateContent>
+      <p:sp>
+        <p:nvSpPr>
+          <p:cNvPr id="33" name="Arrow: Right 32">
+            <a:extLst>
+              <a:ext uri="{FF2B5EF4-FFF2-40B4-BE49-F238E27FC236}">
+                <a16:creationId xmlns:a16="http://schemas.microsoft.com/office/drawing/2014/main" id="{65C30631-CED4-5D6E-B214-5AB64BD6135F}"/>
+              </a:ext>
+            </a:extLst>
+          </p:cNvPr>
+          <p:cNvSpPr/>
+          <p:nvPr/>
+        </p:nvSpPr>
+        <p:spPr>
+          <a:xfrm>
+            <a:off x="1530948" y="1177180"/>
+            <a:ext cx="228600" cy="228600"/>
+          </a:xfrm>
+          <a:prstGeom prst="rightArrow">
+            <a:avLst/>
+          </a:prstGeom>
+        </p:spPr>
+        <p:style>
+          <a:lnRef idx="2">
+            <a:schemeClr val="accent2">
+              <a:shade val="15000"/>
+            </a:schemeClr>
+          </a:lnRef>
+          <a:fillRef idx="1">
+            <a:schemeClr val="accent2"/>
+          </a:fillRef>
+          <a:effectRef idx="0">
+            <a:schemeClr val="accent2"/>
+          </a:effectRef>
+          <a:fontRef idx="minor">
+            <a:schemeClr val="lt1"/>
+          </a:fontRef>
+        </p:style>
+        <p:txBody>
+          <a:bodyPr rtlCol="0" anchor="ctr"/>
+          <a:lstStyle/>
+          <a:p>
+            <a:pPr algn="ctr"/>
+            <a:endParaRPr lang="en-US"/>
+          </a:p>
+        </p:txBody>
+      </p:sp>
+      <mc:AlternateContent xmlns:mc="http://schemas.openxmlformats.org/markup-compatibility/2006">
+        <mc:Choice xmlns:a14="http://schemas.microsoft.com/office/drawing/2010/main" Requires="a14">
+          <p:sp>
+            <p:nvSpPr>
+              <p:cNvPr id="34" name="Rectangle 33">
+                <a:extLst>
+                  <a:ext uri="{FF2B5EF4-FFF2-40B4-BE49-F238E27FC236}">
+                    <a16:creationId xmlns:a16="http://schemas.microsoft.com/office/drawing/2014/main" id="{81A849B8-E103-4701-9FCC-FF58A648B223}"/>
+                  </a:ext>
+                </a:extLst>
+              </p:cNvPr>
+              <p:cNvSpPr/>
+              <p:nvPr/>
+            </p:nvSpPr>
+            <p:spPr>
+              <a:xfrm>
+                <a:off x="2221505" y="1079051"/>
+                <a:ext cx="974147" cy="731520"/>
+              </a:xfrm>
+              <a:prstGeom prst="rect">
+                <a:avLst/>
+              </a:prstGeom>
+            </p:spPr>
+            <p:style>
+              <a:lnRef idx="2">
+                <a:schemeClr val="accent2">
+                  <a:shade val="15000"/>
+                </a:schemeClr>
+              </a:lnRef>
+              <a:fillRef idx="1">
+                <a:schemeClr val="accent2"/>
+              </a:fillRef>
+              <a:effectRef idx="0">
+                <a:schemeClr val="accent2"/>
+              </a:effectRef>
+              <a:fontRef idx="minor">
+                <a:schemeClr val="lt1"/>
+              </a:fontRef>
+            </p:style>
+            <p:txBody>
+              <a:bodyPr rtlCol="0" anchor="ctr"/>
+              <a:lstStyle/>
+              <a:p>
+                <a:pPr algn="ctr"/>
+                <a:r>
+                  <a:rPr lang="en-US" sz="1100" dirty="0">
+                    <a:solidFill>
+                      <a:schemeClr val="tx1"/>
+                    </a:solidFill>
+                    <a:latin typeface="Times New Roman" panose="02020603050405020304" pitchFamily="18" charset="0"/>
+                    <a:cs typeface="Times New Roman" panose="02020603050405020304" pitchFamily="18" charset="0"/>
+                  </a:rPr>
+                  <a:t>Graph Masking Network</a:t>
+                </a:r>
+                <a14:m>
+                  <m:oMath xmlns:m="http://schemas.openxmlformats.org/officeDocument/2006/math">
+                    <m:r>
+                      <m:rPr>
+                        <m:sty m:val="p"/>
+                      </m:rPr>
+                      <a:rPr lang="en-US" sz="1100" b="0" i="0" smtClean="0">
+                        <a:solidFill>
+                          <a:schemeClr val="tx1"/>
+                        </a:solidFill>
+                        <a:latin typeface="Cambria Math" panose="02040503050406030204" pitchFamily="18" charset="0"/>
+                        <a:cs typeface="Times New Roman" panose="02020603050405020304" pitchFamily="18" charset="0"/>
+                      </a:rPr>
+                      <m:t>nn</m:t>
+                    </m:r>
+                    <m:r>
+                      <a:rPr lang="en-US" sz="1100" b="0" i="1" smtClean="0">
+                        <a:solidFill>
+                          <a:schemeClr val="tx1"/>
+                        </a:solidFill>
+                        <a:latin typeface="Cambria Math" panose="02040503050406030204" pitchFamily="18" charset="0"/>
+                        <a:cs typeface="Times New Roman" panose="02020603050405020304" pitchFamily="18" charset="0"/>
+                      </a:rPr>
+                      <m:t>(</m:t>
+                    </m:r>
+                    <m:r>
+                      <a:rPr lang="en-US" sz="1100" b="0" i="1" smtClean="0">
+                        <a:solidFill>
+                          <a:schemeClr val="tx1"/>
+                        </a:solidFill>
+                        <a:latin typeface="Cambria Math" panose="02040503050406030204" pitchFamily="18" charset="0"/>
+                        <a:cs typeface="Times New Roman" panose="02020603050405020304" pitchFamily="18" charset="0"/>
+                      </a:rPr>
+                      <m:t>𝐺</m:t>
+                    </m:r>
+                    <m:r>
+                      <a:rPr lang="en-US" sz="1100" b="0" i="1" smtClean="0">
+                        <a:solidFill>
+                          <a:schemeClr val="tx1"/>
+                        </a:solidFill>
+                        <a:latin typeface="Cambria Math" panose="02040503050406030204" pitchFamily="18" charset="0"/>
+                        <a:cs typeface="Times New Roman" panose="02020603050405020304" pitchFamily="18" charset="0"/>
+                      </a:rPr>
+                      <m:t>; </m:t>
+                    </m:r>
+                    <m:sSub>
+                      <m:sSubPr>
+                        <m:ctrlPr>
+                          <a:rPr lang="en-US" sz="1100" b="0" i="1" smtClean="0">
+                            <a:solidFill>
+                              <a:schemeClr val="tx1"/>
+                            </a:solidFill>
+                            <a:latin typeface="Cambria Math" panose="02040503050406030204" pitchFamily="18" charset="0"/>
+                            <a:cs typeface="Times New Roman" panose="02020603050405020304" pitchFamily="18" charset="0"/>
+                          </a:rPr>
+                        </m:ctrlPr>
+                      </m:sSubPr>
+                      <m:e>
+                        <m:r>
+                          <m:rPr>
+                            <m:sty m:val="p"/>
+                          </m:rPr>
+                          <a:rPr lang="el-GR" sz="1100" b="0" i="1" smtClean="0">
+                            <a:solidFill>
+                              <a:schemeClr val="tx1"/>
+                            </a:solidFill>
+                            <a:latin typeface="Cambria Math" panose="02040503050406030204" pitchFamily="18" charset="0"/>
+                            <a:ea typeface="Cambria Math" panose="02040503050406030204" pitchFamily="18" charset="0"/>
+                            <a:cs typeface="Times New Roman" panose="02020603050405020304" pitchFamily="18" charset="0"/>
+                          </a:rPr>
+                          <m:t>Ω</m:t>
+                        </m:r>
+                      </m:e>
+                      <m:sub>
+                        <m:r>
+                          <m:rPr>
+                            <m:nor/>
+                          </m:rPr>
+                          <a:rPr lang="en-US" sz="1100" b="0" i="0" smtClean="0">
+                            <a:solidFill>
+                              <a:schemeClr val="tx1"/>
+                            </a:solidFill>
+                            <a:latin typeface="Cambria Math" panose="02040503050406030204" pitchFamily="18" charset="0"/>
+                            <a:cs typeface="Times New Roman" panose="02020603050405020304" pitchFamily="18" charset="0"/>
+                          </a:rPr>
+                          <m:t>nn</m:t>
+                        </m:r>
+                      </m:sub>
+                    </m:sSub>
+                    <m:r>
+                      <a:rPr lang="en-US" sz="1100" b="0" i="1" smtClean="0">
+                        <a:solidFill>
+                          <a:schemeClr val="tx1"/>
+                        </a:solidFill>
+                        <a:latin typeface="Cambria Math" panose="02040503050406030204" pitchFamily="18" charset="0"/>
+                        <a:cs typeface="Times New Roman" panose="02020603050405020304" pitchFamily="18" charset="0"/>
+                      </a:rPr>
+                      <m:t>, </m:t>
+                    </m:r>
+                    <m:sSub>
+                      <m:sSubPr>
+                        <m:ctrlPr>
+                          <a:rPr lang="en-US" sz="1100" b="0" i="1" smtClean="0">
+                            <a:solidFill>
+                              <a:schemeClr val="tx1"/>
+                            </a:solidFill>
+                            <a:latin typeface="Cambria Math" panose="02040503050406030204" pitchFamily="18" charset="0"/>
+                            <a:cs typeface="Times New Roman" panose="02020603050405020304" pitchFamily="18" charset="0"/>
+                          </a:rPr>
+                        </m:ctrlPr>
+                      </m:sSubPr>
+                      <m:e>
+                        <m:r>
+                          <a:rPr lang="en-US" sz="1100" b="0" i="1" smtClean="0">
+                            <a:solidFill>
+                              <a:schemeClr val="tx1"/>
+                            </a:solidFill>
+                            <a:latin typeface="Cambria Math" panose="02040503050406030204" pitchFamily="18" charset="0"/>
+                            <a:cs typeface="Times New Roman" panose="02020603050405020304" pitchFamily="18" charset="0"/>
+                          </a:rPr>
+                          <m:t>𝑝</m:t>
+                        </m:r>
+                      </m:e>
+                      <m:sub>
+                        <m:r>
+                          <a:rPr lang="en-US" sz="1100" b="0" i="1" smtClean="0">
+                            <a:solidFill>
+                              <a:schemeClr val="tx1"/>
+                            </a:solidFill>
+                            <a:latin typeface="Cambria Math" panose="02040503050406030204" pitchFamily="18" charset="0"/>
+                            <a:cs typeface="Times New Roman" panose="02020603050405020304" pitchFamily="18" charset="0"/>
+                          </a:rPr>
+                          <m:t>𝑘</m:t>
+                        </m:r>
+                      </m:sub>
+                    </m:sSub>
+                    <m:r>
+                      <a:rPr lang="en-US" sz="1100" b="0" i="1" smtClean="0">
+                        <a:solidFill>
+                          <a:schemeClr val="tx1"/>
+                        </a:solidFill>
+                        <a:latin typeface="Cambria Math" panose="02040503050406030204" pitchFamily="18" charset="0"/>
+                        <a:cs typeface="Times New Roman" panose="02020603050405020304" pitchFamily="18" charset="0"/>
+                      </a:rPr>
+                      <m:t>)</m:t>
+                    </m:r>
+                  </m:oMath>
+                </a14:m>
+                <a:endParaRPr lang="en-US" sz="1100" dirty="0">
+                  <a:solidFill>
+                    <a:schemeClr val="tx1"/>
+                  </a:solidFill>
+                  <a:latin typeface="Times New Roman" panose="02020603050405020304" pitchFamily="18" charset="0"/>
+                  <a:cs typeface="Times New Roman" panose="02020603050405020304" pitchFamily="18" charset="0"/>
+                </a:endParaRPr>
+              </a:p>
+            </p:txBody>
+          </p:sp>
+        </mc:Choice>
+        <mc:Fallback>
+          <p:sp>
+            <p:nvSpPr>
+              <p:cNvPr id="34" name="Rectangle 33">
+                <a:extLst>
+                  <a:ext uri="{FF2B5EF4-FFF2-40B4-BE49-F238E27FC236}">
+                    <a16:creationId xmlns:a16="http://schemas.microsoft.com/office/drawing/2014/main" id="{81A849B8-E103-4701-9FCC-FF58A648B223}"/>
+                  </a:ext>
+                </a:extLst>
+              </p:cNvPr>
+              <p:cNvSpPr>
+                <a:spLocks noRot="1" noChangeAspect="1" noMove="1" noResize="1" noEditPoints="1" noAdjustHandles="1" noChangeArrowheads="1" noChangeShapeType="1" noTextEdit="1"/>
+              </p:cNvSpPr>
+              <p:nvPr/>
+            </p:nvSpPr>
+            <p:spPr>
+              <a:xfrm>
+                <a:off x="2221505" y="1079051"/>
+                <a:ext cx="974147" cy="731520"/>
+              </a:xfrm>
+              <a:prstGeom prst="rect">
+                <a:avLst/>
+              </a:prstGeom>
+              <a:blipFill>
+                <a:blip r:embed="rId3"/>
+                <a:stretch>
+                  <a:fillRect t="-813" r="-2454" b="-3252"/>
+                </a:stretch>
+              </a:blipFill>
+            </p:spPr>
+            <p:txBody>
+              <a:bodyPr/>
+              <a:lstStyle/>
+              <a:p>
+                <a:r>
+                  <a:rPr lang="en-US">
+                    <a:noFill/>
+                  </a:rPr>
+                  <a:t> </a:t>
+                </a:r>
+              </a:p>
+            </p:txBody>
+          </p:sp>
+        </mc:Fallback>
+      </mc:AlternateContent>
+      <p:sp>
+        <p:nvSpPr>
+          <p:cNvPr id="35" name="Rectangle 34">
+            <a:extLst>
+              <a:ext uri="{FF2B5EF4-FFF2-40B4-BE49-F238E27FC236}">
+                <a16:creationId xmlns:a16="http://schemas.microsoft.com/office/drawing/2014/main" id="{00A237E4-291A-B732-41ED-2A7CB564E222}"/>
+              </a:ext>
+            </a:extLst>
+          </p:cNvPr>
+          <p:cNvSpPr/>
+          <p:nvPr/>
+        </p:nvSpPr>
+        <p:spPr>
+          <a:xfrm>
+            <a:off x="4044422" y="1931821"/>
+            <a:ext cx="696190" cy="1039091"/>
+          </a:xfrm>
+          <a:prstGeom prst="rect">
+            <a:avLst/>
+          </a:prstGeom>
+          <a:noFill/>
+          <a:ln>
+            <a:solidFill>
+              <a:schemeClr val="bg1"/>
+            </a:solidFill>
+          </a:ln>
+        </p:spPr>
+        <p:style>
+          <a:lnRef idx="2">
+            <a:schemeClr val="accent1">
+              <a:shade val="15000"/>
+            </a:schemeClr>
+          </a:lnRef>
+          <a:fillRef idx="1">
+            <a:schemeClr val="accent1"/>
+          </a:fillRef>
+          <a:effectRef idx="0">
+            <a:schemeClr val="accent1"/>
+          </a:effectRef>
+          <a:fontRef idx="minor">
+            <a:schemeClr val="lt1"/>
+          </a:fontRef>
+        </p:style>
+        <p:txBody>
+          <a:bodyPr rtlCol="0" anchor="ctr"/>
+          <a:lstStyle/>
+          <a:p>
+            <a:pPr algn="ctr"/>
+            <a:r>
+              <a:rPr lang="en-US" dirty="0">
+                <a:solidFill>
+                  <a:schemeClr val="tx1"/>
+                </a:solidFill>
+              </a:rPr>
+              <a:t>.</a:t>
+            </a:r>
+          </a:p>
+          <a:p>
+            <a:pPr algn="ctr"/>
+            <a:r>
+              <a:rPr lang="en-US" dirty="0">
+                <a:solidFill>
+                  <a:schemeClr val="tx1"/>
+                </a:solidFill>
+              </a:rPr>
+              <a:t>.</a:t>
+            </a:r>
+          </a:p>
+          <a:p>
+            <a:pPr algn="ctr"/>
+            <a:r>
+              <a:rPr lang="en-US" dirty="0">
+                <a:solidFill>
+                  <a:schemeClr val="tx1"/>
+                </a:solidFill>
+              </a:rPr>
+              <a:t>.</a:t>
+            </a:r>
+          </a:p>
+        </p:txBody>
+      </p:sp>
+      <p:sp>
+        <p:nvSpPr>
+          <p:cNvPr id="36" name="Arrow: Right 35">
+            <a:extLst>
+              <a:ext uri="{FF2B5EF4-FFF2-40B4-BE49-F238E27FC236}">
+                <a16:creationId xmlns:a16="http://schemas.microsoft.com/office/drawing/2014/main" id="{13A01BCA-0BB3-B943-8C3F-097EAC556B0E}"/>
+              </a:ext>
+            </a:extLst>
+          </p:cNvPr>
+          <p:cNvSpPr/>
+          <p:nvPr/>
+        </p:nvSpPr>
+        <p:spPr>
+          <a:xfrm>
+            <a:off x="1530948" y="3337919"/>
+            <a:ext cx="228600" cy="228600"/>
+          </a:xfrm>
+          <a:prstGeom prst="rightArrow">
+            <a:avLst/>
+          </a:prstGeom>
+        </p:spPr>
+        <p:style>
+          <a:lnRef idx="2">
+            <a:schemeClr val="accent2">
+              <a:shade val="15000"/>
+            </a:schemeClr>
+          </a:lnRef>
+          <a:fillRef idx="1">
+            <a:schemeClr val="accent2"/>
+          </a:fillRef>
+          <a:effectRef idx="0">
+            <a:schemeClr val="accent2"/>
+          </a:effectRef>
+          <a:fontRef idx="minor">
+            <a:schemeClr val="lt1"/>
+          </a:fontRef>
+        </p:style>
+        <p:txBody>
+          <a:bodyPr rtlCol="0" anchor="ctr"/>
+          <a:lstStyle/>
+          <a:p>
+            <a:pPr algn="ctr"/>
+            <a:endParaRPr lang="en-US"/>
+          </a:p>
+        </p:txBody>
+      </p:sp>
+      <p:sp>
+        <p:nvSpPr>
+          <p:cNvPr id="50" name="Arrow: Right 49">
+            <a:extLst>
+              <a:ext uri="{FF2B5EF4-FFF2-40B4-BE49-F238E27FC236}">
+                <a16:creationId xmlns:a16="http://schemas.microsoft.com/office/drawing/2014/main" id="{9F08EBEA-E865-0FBF-48ED-A4174643B714}"/>
+              </a:ext>
+            </a:extLst>
+          </p:cNvPr>
+          <p:cNvSpPr/>
+          <p:nvPr/>
+        </p:nvSpPr>
+        <p:spPr>
+          <a:xfrm>
+            <a:off x="3418764" y="1179830"/>
+            <a:ext cx="228600" cy="228600"/>
+          </a:xfrm>
+          <a:prstGeom prst="rightArrow">
+            <a:avLst/>
+          </a:prstGeom>
+        </p:spPr>
+        <p:style>
+          <a:lnRef idx="2">
+            <a:schemeClr val="accent2">
+              <a:shade val="15000"/>
+            </a:schemeClr>
+          </a:lnRef>
+          <a:fillRef idx="1">
+            <a:schemeClr val="accent2"/>
+          </a:fillRef>
+          <a:effectRef idx="0">
+            <a:schemeClr val="accent2"/>
+          </a:effectRef>
+          <a:fontRef idx="minor">
+            <a:schemeClr val="lt1"/>
+          </a:fontRef>
+        </p:style>
+        <p:txBody>
+          <a:bodyPr rtlCol="0" anchor="ctr"/>
+          <a:lstStyle/>
+          <a:p>
+            <a:pPr algn="ctr"/>
+            <a:endParaRPr lang="en-US"/>
+          </a:p>
+        </p:txBody>
+      </p:sp>
+      <p:sp>
+        <p:nvSpPr>
+          <p:cNvPr id="51" name="Arrow: Right 50">
+            <a:extLst>
+              <a:ext uri="{FF2B5EF4-FFF2-40B4-BE49-F238E27FC236}">
+                <a16:creationId xmlns:a16="http://schemas.microsoft.com/office/drawing/2014/main" id="{98144CC7-466B-956B-9A32-1F058F06D019}"/>
+              </a:ext>
+            </a:extLst>
+          </p:cNvPr>
+          <p:cNvSpPr/>
+          <p:nvPr/>
+        </p:nvSpPr>
+        <p:spPr>
+          <a:xfrm>
+            <a:off x="3418761" y="3355235"/>
+            <a:ext cx="228600" cy="228600"/>
+          </a:xfrm>
+          <a:prstGeom prst="rightArrow">
+            <a:avLst/>
+          </a:prstGeom>
+        </p:spPr>
+        <p:style>
+          <a:lnRef idx="2">
+            <a:schemeClr val="accent2">
+              <a:shade val="15000"/>
+            </a:schemeClr>
+          </a:lnRef>
+          <a:fillRef idx="1">
+            <a:schemeClr val="accent2"/>
+          </a:fillRef>
+          <a:effectRef idx="0">
+            <a:schemeClr val="accent2"/>
+          </a:effectRef>
+          <a:fontRef idx="minor">
+            <a:schemeClr val="lt1"/>
+          </a:fontRef>
+        </p:style>
+        <p:txBody>
+          <a:bodyPr rtlCol="0" anchor="ctr"/>
+          <a:lstStyle/>
+          <a:p>
+            <a:pPr algn="ctr"/>
+            <a:endParaRPr lang="en-US"/>
+          </a:p>
+        </p:txBody>
+      </p:sp>
+      <p:sp>
+        <p:nvSpPr>
+          <p:cNvPr id="52" name="Oval 51">
+            <a:extLst>
+              <a:ext uri="{FF2B5EF4-FFF2-40B4-BE49-F238E27FC236}">
+                <a16:creationId xmlns:a16="http://schemas.microsoft.com/office/drawing/2014/main" id="{B7E72A44-4F1C-6923-DAB3-68A2507E97AA}"/>
+              </a:ext>
+            </a:extLst>
+          </p:cNvPr>
+          <p:cNvSpPr/>
+          <p:nvPr/>
+        </p:nvSpPr>
+        <p:spPr>
+          <a:xfrm>
+            <a:off x="8286114" y="1501616"/>
+            <a:ext cx="228600" cy="228600"/>
+          </a:xfrm>
+          <a:prstGeom prst="ellipse">
+            <a:avLst/>
+          </a:prstGeom>
+        </p:spPr>
+        <p:style>
+          <a:lnRef idx="2">
+            <a:schemeClr val="accent1">
+              <a:shade val="15000"/>
+            </a:schemeClr>
+          </a:lnRef>
+          <a:fillRef idx="1">
+            <a:schemeClr val="accent1"/>
+          </a:fillRef>
+          <a:effectRef idx="0">
+            <a:schemeClr val="accent1"/>
+          </a:effectRef>
+          <a:fontRef idx="minor">
+            <a:schemeClr val="lt1"/>
+          </a:fontRef>
+        </p:style>
+        <p:txBody>
+          <a:bodyPr rtlCol="0" anchor="ctr"/>
+          <a:lstStyle/>
+          <a:p>
+            <a:pPr algn="ctr"/>
+            <a:endParaRPr lang="en-US"/>
+          </a:p>
+        </p:txBody>
+      </p:sp>
+      <p:sp>
+        <p:nvSpPr>
+          <p:cNvPr id="53" name="Oval 52">
+            <a:extLst>
+              <a:ext uri="{FF2B5EF4-FFF2-40B4-BE49-F238E27FC236}">
+                <a16:creationId xmlns:a16="http://schemas.microsoft.com/office/drawing/2014/main" id="{EB93F7C0-3090-C889-18CA-5A8BF4CDFDFF}"/>
+              </a:ext>
+            </a:extLst>
+          </p:cNvPr>
+          <p:cNvSpPr/>
+          <p:nvPr/>
+        </p:nvSpPr>
+        <p:spPr>
+          <a:xfrm>
+            <a:off x="9143365" y="1501616"/>
+            <a:ext cx="228600" cy="228600"/>
+          </a:xfrm>
+          <a:prstGeom prst="ellipse">
+            <a:avLst/>
+          </a:prstGeom>
+        </p:spPr>
+        <p:style>
+          <a:lnRef idx="2">
+            <a:schemeClr val="accent1">
+              <a:shade val="15000"/>
+            </a:schemeClr>
+          </a:lnRef>
+          <a:fillRef idx="1">
+            <a:schemeClr val="accent1"/>
+          </a:fillRef>
+          <a:effectRef idx="0">
+            <a:schemeClr val="accent1"/>
+          </a:effectRef>
+          <a:fontRef idx="minor">
+            <a:schemeClr val="lt1"/>
+          </a:fontRef>
+        </p:style>
+        <p:txBody>
+          <a:bodyPr rtlCol="0" anchor="ctr"/>
+          <a:lstStyle/>
+          <a:p>
+            <a:pPr algn="ctr"/>
+            <a:endParaRPr lang="en-US"/>
+          </a:p>
+        </p:txBody>
+      </p:sp>
+      <p:sp>
+        <p:nvSpPr>
+          <p:cNvPr id="54" name="Oval 53">
+            <a:extLst>
+              <a:ext uri="{FF2B5EF4-FFF2-40B4-BE49-F238E27FC236}">
+                <a16:creationId xmlns:a16="http://schemas.microsoft.com/office/drawing/2014/main" id="{E4FF6E1C-DCEC-BEAB-5B34-6245D96DBAB0}"/>
+              </a:ext>
+            </a:extLst>
+          </p:cNvPr>
+          <p:cNvSpPr/>
+          <p:nvPr/>
+        </p:nvSpPr>
+        <p:spPr>
+          <a:xfrm>
+            <a:off x="8725131" y="760398"/>
+            <a:ext cx="228600" cy="228600"/>
+          </a:xfrm>
+          <a:prstGeom prst="ellipse">
+            <a:avLst/>
+          </a:prstGeom>
+        </p:spPr>
+        <p:style>
+          <a:lnRef idx="2">
+            <a:schemeClr val="accent1">
+              <a:shade val="15000"/>
+            </a:schemeClr>
+          </a:lnRef>
+          <a:fillRef idx="1">
+            <a:schemeClr val="accent1"/>
+          </a:fillRef>
+          <a:effectRef idx="0">
+            <a:schemeClr val="accent1"/>
+          </a:effectRef>
+          <a:fontRef idx="minor">
+            <a:schemeClr val="lt1"/>
+          </a:fontRef>
+        </p:style>
+        <p:txBody>
+          <a:bodyPr rtlCol="0" anchor="ctr"/>
+          <a:lstStyle/>
+          <a:p>
+            <a:pPr algn="ctr"/>
+            <a:endParaRPr lang="en-US"/>
+          </a:p>
+        </p:txBody>
+      </p:sp>
+      <p:cxnSp>
+        <p:nvCxnSpPr>
+          <p:cNvPr id="55" name="Straight Connector 54">
+            <a:extLst>
+              <a:ext uri="{FF2B5EF4-FFF2-40B4-BE49-F238E27FC236}">
+                <a16:creationId xmlns:a16="http://schemas.microsoft.com/office/drawing/2014/main" id="{8D60A1F5-C91C-2CB7-F208-4E654B6A42C0}"/>
+              </a:ext>
+            </a:extLst>
+          </p:cNvPr>
+          <p:cNvCxnSpPr>
+            <a:cxnSpLocks/>
+            <a:stCxn id="54" idx="3"/>
+            <a:endCxn id="52" idx="7"/>
+          </p:cNvCxnSpPr>
+          <p:nvPr/>
+        </p:nvCxnSpPr>
+        <p:spPr>
+          <a:xfrm flipH="1">
+            <a:off x="8481236" y="955520"/>
+            <a:ext cx="277373" cy="579574"/>
+          </a:xfrm>
+          <a:prstGeom prst="line">
+            <a:avLst/>
+          </a:prstGeom>
+        </p:spPr>
+        <p:style>
+          <a:lnRef idx="2">
+            <a:schemeClr val="dk1"/>
+          </a:lnRef>
+          <a:fillRef idx="0">
+            <a:schemeClr val="dk1"/>
+          </a:fillRef>
+          <a:effectRef idx="1">
+            <a:schemeClr val="dk1"/>
+          </a:effectRef>
+          <a:fontRef idx="minor">
+            <a:schemeClr val="tx1"/>
+          </a:fontRef>
+        </p:style>
+      </p:cxnSp>
+      <p:cxnSp>
+        <p:nvCxnSpPr>
+          <p:cNvPr id="56" name="Straight Connector 55">
+            <a:extLst>
+              <a:ext uri="{FF2B5EF4-FFF2-40B4-BE49-F238E27FC236}">
+                <a16:creationId xmlns:a16="http://schemas.microsoft.com/office/drawing/2014/main" id="{167D2EEC-7D8F-593E-F40E-CCE133F6B8E8}"/>
+              </a:ext>
+            </a:extLst>
+          </p:cNvPr>
+          <p:cNvCxnSpPr>
+            <a:cxnSpLocks/>
+            <a:stCxn id="52" idx="6"/>
+            <a:endCxn id="53" idx="2"/>
+          </p:cNvCxnSpPr>
+          <p:nvPr/>
+        </p:nvCxnSpPr>
+        <p:spPr>
+          <a:xfrm>
+            <a:off x="8514714" y="1615916"/>
+            <a:ext cx="628651" cy="0"/>
+          </a:xfrm>
+          <a:prstGeom prst="line">
+            <a:avLst/>
+          </a:prstGeom>
+        </p:spPr>
+        <p:style>
+          <a:lnRef idx="2">
+            <a:schemeClr val="dk1"/>
+          </a:lnRef>
+          <a:fillRef idx="0">
+            <a:schemeClr val="dk1"/>
+          </a:fillRef>
+          <a:effectRef idx="1">
+            <a:schemeClr val="dk1"/>
+          </a:effectRef>
+          <a:fontRef idx="minor">
+            <a:schemeClr val="tx1"/>
+          </a:fontRef>
+        </p:style>
+      </p:cxnSp>
+      <p:sp>
+        <p:nvSpPr>
+          <p:cNvPr id="67" name="Rectangle 66">
+            <a:extLst>
+              <a:ext uri="{FF2B5EF4-FFF2-40B4-BE49-F238E27FC236}">
+                <a16:creationId xmlns:a16="http://schemas.microsoft.com/office/drawing/2014/main" id="{B0B4969F-423F-5BCA-5FB0-938BE6D2152B}"/>
+              </a:ext>
+            </a:extLst>
+          </p:cNvPr>
+          <p:cNvSpPr/>
+          <p:nvPr/>
+        </p:nvSpPr>
+        <p:spPr>
+          <a:xfrm>
+            <a:off x="8161901" y="303179"/>
+            <a:ext cx="1366982" cy="274320"/>
+          </a:xfrm>
+          <a:prstGeom prst="rect">
+            <a:avLst/>
+          </a:prstGeom>
+          <a:noFill/>
+          <a:ln>
+            <a:solidFill>
+              <a:schemeClr val="tx1"/>
+            </a:solidFill>
+          </a:ln>
+        </p:spPr>
+        <p:style>
+          <a:lnRef idx="2">
+            <a:schemeClr val="accent1">
+              <a:shade val="15000"/>
+            </a:schemeClr>
+          </a:lnRef>
+          <a:fillRef idx="1">
+            <a:schemeClr val="accent1"/>
+          </a:fillRef>
+          <a:effectRef idx="0">
+            <a:schemeClr val="accent1"/>
+          </a:effectRef>
+          <a:fontRef idx="minor">
+            <a:schemeClr val="lt1"/>
+          </a:fontRef>
+        </p:style>
+        <p:txBody>
+          <a:bodyPr rtlCol="0" anchor="ctr"/>
+          <a:lstStyle/>
+          <a:p>
+            <a:pPr algn="ctr"/>
+            <a:r>
+              <a:rPr lang="en-US" sz="1100" dirty="0">
+                <a:solidFill>
+                  <a:schemeClr val="tx1"/>
+                </a:solidFill>
+                <a:latin typeface="Times New Roman" panose="02020603050405020304" pitchFamily="18" charset="0"/>
+                <a:cs typeface="Times New Roman" panose="02020603050405020304" pitchFamily="18" charset="0"/>
+              </a:rPr>
+              <a:t>Graph Prototypes</a:t>
+            </a:r>
+          </a:p>
+        </p:txBody>
+      </p:sp>
+      <p:sp>
+        <p:nvSpPr>
+          <p:cNvPr id="69" name="Arrow: Right 68">
+            <a:extLst>
+              <a:ext uri="{FF2B5EF4-FFF2-40B4-BE49-F238E27FC236}">
+                <a16:creationId xmlns:a16="http://schemas.microsoft.com/office/drawing/2014/main" id="{7967B5C2-9EEA-19D7-0B26-45052DF2BE9E}"/>
+              </a:ext>
+            </a:extLst>
+          </p:cNvPr>
+          <p:cNvSpPr/>
+          <p:nvPr/>
+        </p:nvSpPr>
+        <p:spPr>
+          <a:xfrm>
+            <a:off x="5136068" y="1179830"/>
+            <a:ext cx="228600" cy="228600"/>
+          </a:xfrm>
+          <a:prstGeom prst="rightArrow">
+            <a:avLst/>
+          </a:prstGeom>
+        </p:spPr>
+        <p:style>
+          <a:lnRef idx="2">
+            <a:schemeClr val="accent6">
+              <a:shade val="15000"/>
+            </a:schemeClr>
+          </a:lnRef>
+          <a:fillRef idx="1">
+            <a:schemeClr val="accent6"/>
+          </a:fillRef>
+          <a:effectRef idx="0">
+            <a:schemeClr val="accent6"/>
+          </a:effectRef>
+          <a:fontRef idx="minor">
+            <a:schemeClr val="lt1"/>
+          </a:fontRef>
+        </p:style>
+        <p:txBody>
+          <a:bodyPr rtlCol="0" anchor="ctr"/>
+          <a:lstStyle/>
+          <a:p>
+            <a:pPr algn="ctr"/>
+            <a:endParaRPr lang="en-US"/>
+          </a:p>
+        </p:txBody>
+      </p:sp>
+      <p:sp>
+        <p:nvSpPr>
+          <p:cNvPr id="71" name="Arrow: Right 70">
+            <a:extLst>
+              <a:ext uri="{FF2B5EF4-FFF2-40B4-BE49-F238E27FC236}">
+                <a16:creationId xmlns:a16="http://schemas.microsoft.com/office/drawing/2014/main" id="{70432C62-AA18-2272-DCFC-000CB2C07B37}"/>
+              </a:ext>
+            </a:extLst>
+          </p:cNvPr>
+          <p:cNvSpPr/>
+          <p:nvPr/>
+        </p:nvSpPr>
+        <p:spPr>
+          <a:xfrm>
+            <a:off x="5136068" y="3355235"/>
+            <a:ext cx="228600" cy="228600"/>
+          </a:xfrm>
+          <a:prstGeom prst="rightArrow">
+            <a:avLst/>
+          </a:prstGeom>
+        </p:spPr>
+        <p:style>
+          <a:lnRef idx="2">
+            <a:schemeClr val="accent6">
+              <a:shade val="15000"/>
+            </a:schemeClr>
+          </a:lnRef>
+          <a:fillRef idx="1">
+            <a:schemeClr val="accent6"/>
+          </a:fillRef>
+          <a:effectRef idx="0">
+            <a:schemeClr val="accent6"/>
+          </a:effectRef>
+          <a:fontRef idx="minor">
+            <a:schemeClr val="lt1"/>
+          </a:fontRef>
+        </p:style>
+        <p:txBody>
+          <a:bodyPr rtlCol="0" anchor="ctr"/>
+          <a:lstStyle/>
+          <a:p>
+            <a:pPr algn="ctr"/>
+            <a:endParaRPr lang="en-US"/>
+          </a:p>
+        </p:txBody>
+      </p:sp>
+      <p:sp>
+        <p:nvSpPr>
+          <p:cNvPr id="73" name="Arrow: Right 72">
+            <a:extLst>
+              <a:ext uri="{FF2B5EF4-FFF2-40B4-BE49-F238E27FC236}">
+                <a16:creationId xmlns:a16="http://schemas.microsoft.com/office/drawing/2014/main" id="{1EE32409-C1DB-48EA-0A10-BE7DA5C94ECA}"/>
+              </a:ext>
+            </a:extLst>
+          </p:cNvPr>
+          <p:cNvSpPr/>
+          <p:nvPr/>
+        </p:nvSpPr>
+        <p:spPr>
+          <a:xfrm>
+            <a:off x="9528883" y="1179830"/>
+            <a:ext cx="228600" cy="228600"/>
+          </a:xfrm>
+          <a:prstGeom prst="rightArrow">
+            <a:avLst/>
+          </a:prstGeom>
+        </p:spPr>
+        <p:style>
+          <a:lnRef idx="2">
+            <a:schemeClr val="accent6">
+              <a:shade val="15000"/>
+            </a:schemeClr>
+          </a:lnRef>
+          <a:fillRef idx="1">
+            <a:schemeClr val="accent6"/>
+          </a:fillRef>
+          <a:effectRef idx="0">
+            <a:schemeClr val="accent6"/>
+          </a:effectRef>
+          <a:fontRef idx="minor">
+            <a:schemeClr val="lt1"/>
+          </a:fontRef>
+        </p:style>
+        <p:txBody>
+          <a:bodyPr rtlCol="0" anchor="ctr"/>
+          <a:lstStyle/>
+          <a:p>
+            <a:pPr algn="ctr"/>
+            <a:endParaRPr lang="en-US"/>
+          </a:p>
+        </p:txBody>
+      </p:sp>
+      <p:sp>
+        <p:nvSpPr>
+          <p:cNvPr id="75" name="Arrow: Right 74">
+            <a:extLst>
+              <a:ext uri="{FF2B5EF4-FFF2-40B4-BE49-F238E27FC236}">
+                <a16:creationId xmlns:a16="http://schemas.microsoft.com/office/drawing/2014/main" id="{2FD2F806-0A39-FBD3-4481-C02BB46D5398}"/>
+              </a:ext>
+            </a:extLst>
+          </p:cNvPr>
+          <p:cNvSpPr/>
+          <p:nvPr/>
+        </p:nvSpPr>
+        <p:spPr>
+          <a:xfrm>
+            <a:off x="9528883" y="3355235"/>
+            <a:ext cx="228600" cy="228600"/>
+          </a:xfrm>
+          <a:prstGeom prst="rightArrow">
+            <a:avLst/>
+          </a:prstGeom>
+        </p:spPr>
+        <p:style>
+          <a:lnRef idx="2">
+            <a:schemeClr val="accent6">
+              <a:shade val="15000"/>
+            </a:schemeClr>
+          </a:lnRef>
+          <a:fillRef idx="1">
+            <a:schemeClr val="accent6"/>
+          </a:fillRef>
+          <a:effectRef idx="0">
+            <a:schemeClr val="accent6"/>
+          </a:effectRef>
+          <a:fontRef idx="minor">
+            <a:schemeClr val="lt1"/>
+          </a:fontRef>
+        </p:style>
+        <p:txBody>
+          <a:bodyPr rtlCol="0" anchor="ctr"/>
+          <a:lstStyle/>
+          <a:p>
+            <a:pPr algn="ctr"/>
+            <a:endParaRPr lang="en-US"/>
+          </a:p>
+        </p:txBody>
+      </p:sp>
+      <p:sp>
+        <p:nvSpPr>
+          <p:cNvPr id="77" name="Arrow: Right 76">
+            <a:extLst>
+              <a:ext uri="{FF2B5EF4-FFF2-40B4-BE49-F238E27FC236}">
+                <a16:creationId xmlns:a16="http://schemas.microsoft.com/office/drawing/2014/main" id="{1D084B74-3905-6936-8D00-C1CD860F937B}"/>
+              </a:ext>
+            </a:extLst>
+          </p:cNvPr>
+          <p:cNvSpPr/>
+          <p:nvPr/>
+        </p:nvSpPr>
+        <p:spPr>
+          <a:xfrm>
+            <a:off x="3402992" y="154260"/>
+            <a:ext cx="228600" cy="228600"/>
+          </a:xfrm>
+          <a:prstGeom prst="rightArrow">
+            <a:avLst/>
+          </a:prstGeom>
+        </p:spPr>
+        <p:style>
+          <a:lnRef idx="2">
+            <a:schemeClr val="accent6">
+              <a:shade val="15000"/>
+            </a:schemeClr>
+          </a:lnRef>
+          <a:fillRef idx="1">
+            <a:schemeClr val="accent6"/>
+          </a:fillRef>
+          <a:effectRef idx="0">
+            <a:schemeClr val="accent6"/>
+          </a:effectRef>
+          <a:fontRef idx="minor">
+            <a:schemeClr val="lt1"/>
+          </a:fontRef>
+        </p:style>
+        <p:txBody>
+          <a:bodyPr rtlCol="0" anchor="ctr"/>
+          <a:lstStyle/>
+          <a:p>
+            <a:pPr algn="ctr"/>
+            <a:endParaRPr lang="en-US"/>
+          </a:p>
+        </p:txBody>
+      </p:sp>
+      <p:sp>
+        <p:nvSpPr>
+          <p:cNvPr id="78" name="Arrow: Right 77">
+            <a:extLst>
+              <a:ext uri="{FF2B5EF4-FFF2-40B4-BE49-F238E27FC236}">
+                <a16:creationId xmlns:a16="http://schemas.microsoft.com/office/drawing/2014/main" id="{9BE7E2E1-45EA-BA1B-07E4-803F1652B740}"/>
+              </a:ext>
+            </a:extLst>
+          </p:cNvPr>
+          <p:cNvSpPr/>
+          <p:nvPr/>
+        </p:nvSpPr>
+        <p:spPr>
+          <a:xfrm>
+            <a:off x="6928282" y="1179830"/>
+            <a:ext cx="228600" cy="228600"/>
+          </a:xfrm>
+          <a:prstGeom prst="rightArrow">
+            <a:avLst/>
+          </a:prstGeom>
+        </p:spPr>
+        <p:style>
+          <a:lnRef idx="2">
+            <a:schemeClr val="accent6">
+              <a:shade val="15000"/>
+            </a:schemeClr>
+          </a:lnRef>
+          <a:fillRef idx="1">
+            <a:schemeClr val="accent6"/>
+          </a:fillRef>
+          <a:effectRef idx="0">
+            <a:schemeClr val="accent6"/>
+          </a:effectRef>
+          <a:fontRef idx="minor">
+            <a:schemeClr val="lt1"/>
+          </a:fontRef>
+        </p:style>
+        <p:txBody>
+          <a:bodyPr rtlCol="0" anchor="ctr"/>
+          <a:lstStyle/>
+          <a:p>
+            <a:pPr algn="ctr"/>
+            <a:endParaRPr lang="en-US"/>
+          </a:p>
+        </p:txBody>
+      </p:sp>
+      <p:sp>
+        <p:nvSpPr>
+          <p:cNvPr id="79" name="Arrow: Right 78">
+            <a:extLst>
+              <a:ext uri="{FF2B5EF4-FFF2-40B4-BE49-F238E27FC236}">
+                <a16:creationId xmlns:a16="http://schemas.microsoft.com/office/drawing/2014/main" id="{A59015CC-94EF-CE6E-53A7-0F1B098429D4}"/>
+              </a:ext>
+            </a:extLst>
+          </p:cNvPr>
+          <p:cNvSpPr/>
+          <p:nvPr/>
+        </p:nvSpPr>
+        <p:spPr>
+          <a:xfrm>
+            <a:off x="6917884" y="3350460"/>
+            <a:ext cx="228600" cy="228600"/>
+          </a:xfrm>
+          <a:prstGeom prst="rightArrow">
+            <a:avLst/>
+          </a:prstGeom>
+        </p:spPr>
+        <p:style>
+          <a:lnRef idx="2">
+            <a:schemeClr val="accent6">
+              <a:shade val="15000"/>
+            </a:schemeClr>
+          </a:lnRef>
+          <a:fillRef idx="1">
+            <a:schemeClr val="accent6"/>
+          </a:fillRef>
+          <a:effectRef idx="0">
+            <a:schemeClr val="accent6"/>
+          </a:effectRef>
+          <a:fontRef idx="minor">
+            <a:schemeClr val="lt1"/>
+          </a:fontRef>
+        </p:style>
+        <p:txBody>
+          <a:bodyPr rtlCol="0" anchor="ctr"/>
+          <a:lstStyle/>
+          <a:p>
+            <a:pPr algn="ctr"/>
+            <a:endParaRPr lang="en-US"/>
+          </a:p>
+        </p:txBody>
+      </p:sp>
+      <p:sp>
+        <p:nvSpPr>
+          <p:cNvPr id="80" name="Arrow: Right 79">
+            <a:extLst>
+              <a:ext uri="{FF2B5EF4-FFF2-40B4-BE49-F238E27FC236}">
+                <a16:creationId xmlns:a16="http://schemas.microsoft.com/office/drawing/2014/main" id="{218E732A-414A-0C9F-DC35-BCC52C229BF7}"/>
+              </a:ext>
+            </a:extLst>
+          </p:cNvPr>
+          <p:cNvSpPr/>
+          <p:nvPr/>
+        </p:nvSpPr>
+        <p:spPr>
+          <a:xfrm>
+            <a:off x="11416698" y="1179830"/>
+            <a:ext cx="228600" cy="228600"/>
+          </a:xfrm>
+          <a:prstGeom prst="rightArrow">
+            <a:avLst/>
+          </a:prstGeom>
+        </p:spPr>
+        <p:style>
+          <a:lnRef idx="2">
+            <a:schemeClr val="accent6">
+              <a:shade val="15000"/>
+            </a:schemeClr>
+          </a:lnRef>
+          <a:fillRef idx="1">
+            <a:schemeClr val="accent6"/>
+          </a:fillRef>
+          <a:effectRef idx="0">
+            <a:schemeClr val="accent6"/>
+          </a:effectRef>
+          <a:fontRef idx="minor">
+            <a:schemeClr val="lt1"/>
+          </a:fontRef>
+        </p:style>
+        <p:txBody>
+          <a:bodyPr rtlCol="0" anchor="ctr"/>
+          <a:lstStyle/>
+          <a:p>
+            <a:pPr algn="ctr"/>
+            <a:endParaRPr lang="en-US"/>
+          </a:p>
+        </p:txBody>
+      </p:sp>
+      <p:sp>
+        <p:nvSpPr>
+          <p:cNvPr id="81" name="Arrow: Right 80">
+            <a:extLst>
+              <a:ext uri="{FF2B5EF4-FFF2-40B4-BE49-F238E27FC236}">
+                <a16:creationId xmlns:a16="http://schemas.microsoft.com/office/drawing/2014/main" id="{195BA5AB-54F3-7B33-3938-88D24C422904}"/>
+              </a:ext>
+            </a:extLst>
+          </p:cNvPr>
+          <p:cNvSpPr/>
+          <p:nvPr/>
+        </p:nvSpPr>
+        <p:spPr>
+          <a:xfrm>
+            <a:off x="11396940" y="3355235"/>
+            <a:ext cx="228600" cy="228600"/>
+          </a:xfrm>
+          <a:prstGeom prst="rightArrow">
+            <a:avLst/>
+          </a:prstGeom>
+        </p:spPr>
+        <p:style>
+          <a:lnRef idx="2">
+            <a:schemeClr val="accent6">
+              <a:shade val="15000"/>
+            </a:schemeClr>
+          </a:lnRef>
+          <a:fillRef idx="1">
+            <a:schemeClr val="accent6"/>
+          </a:fillRef>
+          <a:effectRef idx="0">
+            <a:schemeClr val="accent6"/>
+          </a:effectRef>
+          <a:fontRef idx="minor">
+            <a:schemeClr val="lt1"/>
+          </a:fontRef>
+        </p:style>
+        <p:txBody>
+          <a:bodyPr rtlCol="0" anchor="ctr"/>
+          <a:lstStyle/>
+          <a:p>
+            <a:pPr algn="ctr"/>
+            <a:endParaRPr lang="en-US"/>
+          </a:p>
+        </p:txBody>
+      </p:sp>
+      <mc:AlternateContent xmlns:mc="http://schemas.openxmlformats.org/markup-compatibility/2006">
+        <mc:Choice xmlns:a14="http://schemas.microsoft.com/office/drawing/2010/main" Requires="a14">
+          <p:sp>
+            <p:nvSpPr>
+              <p:cNvPr id="84" name="Rectangle 83">
+                <a:extLst>
+                  <a:ext uri="{FF2B5EF4-FFF2-40B4-BE49-F238E27FC236}">
+                    <a16:creationId xmlns:a16="http://schemas.microsoft.com/office/drawing/2014/main" id="{BF8AF7AD-1363-2CCB-B790-E03211FCBE9B}"/>
+                  </a:ext>
+                </a:extLst>
+              </p:cNvPr>
+              <p:cNvSpPr/>
+              <p:nvPr/>
+            </p:nvSpPr>
+            <p:spPr>
+              <a:xfrm>
+                <a:off x="7253762" y="1065784"/>
+                <a:ext cx="457200" cy="457200"/>
+              </a:xfrm>
+              <a:prstGeom prst="rect">
+                <a:avLst/>
+              </a:prstGeom>
+              <a:noFill/>
+            </p:spPr>
+            <p:style>
+              <a:lnRef idx="2">
+                <a:schemeClr val="dk1">
+                  <a:shade val="15000"/>
+                </a:schemeClr>
+              </a:lnRef>
+              <a:fillRef idx="1">
+                <a:schemeClr val="dk1"/>
+              </a:fillRef>
+              <a:effectRef idx="0">
+                <a:schemeClr val="dk1"/>
+              </a:effectRef>
+              <a:fontRef idx="minor">
+                <a:schemeClr val="lt1"/>
+              </a:fontRef>
+            </p:style>
+            <p:txBody>
+              <a:bodyPr rtlCol="0" anchor="ctr"/>
+              <a:lstStyle/>
+              <a:p>
+                <a:pPr algn="ctr"/>
+                <a14:m>
+                  <m:oMathPara xmlns:m="http://schemas.openxmlformats.org/officeDocument/2006/math">
+                    <m:oMathParaPr>
+                      <m:jc m:val="centerGroup"/>
+                    </m:oMathParaPr>
+                    <m:oMath xmlns:m="http://schemas.openxmlformats.org/officeDocument/2006/math">
+                      <m:sSub>
+                        <m:sSubPr>
+                          <m:ctrlPr>
+                            <a:rPr lang="en-US" sz="1100" i="1" smtClean="0">
+                              <a:solidFill>
+                                <a:schemeClr val="tx1"/>
+                              </a:solidFill>
+                              <a:latin typeface="Cambria Math" panose="02040503050406030204" pitchFamily="18" charset="0"/>
+                              <a:cs typeface="Times New Roman" panose="02020603050405020304" pitchFamily="18" charset="0"/>
+                            </a:rPr>
+                          </m:ctrlPr>
+                        </m:sSubPr>
+                        <m:e>
+                          <m:acc>
+                            <m:accPr>
+                              <m:chr m:val="̂"/>
+                              <m:ctrlPr>
+                                <a:rPr lang="en-US" sz="1100" b="0" i="1" smtClean="0">
+                                  <a:solidFill>
+                                    <a:schemeClr val="tx1"/>
+                                  </a:solidFill>
+                                  <a:latin typeface="Cambria Math" panose="02040503050406030204" pitchFamily="18" charset="0"/>
+                                  <a:cs typeface="Times New Roman" panose="02020603050405020304" pitchFamily="18" charset="0"/>
+                                </a:rPr>
+                              </m:ctrlPr>
+                            </m:accPr>
+                            <m:e>
+                              <m:r>
+                                <a:rPr lang="en-US" sz="1100" b="0" i="1" smtClean="0">
+                                  <a:solidFill>
+                                    <a:schemeClr val="tx1"/>
+                                  </a:solidFill>
+                                  <a:latin typeface="Cambria Math" panose="02040503050406030204" pitchFamily="18" charset="0"/>
+                                  <a:cs typeface="Times New Roman" panose="02020603050405020304" pitchFamily="18" charset="0"/>
+                                </a:rPr>
+                                <m:t>𝑝</m:t>
+                              </m:r>
+                            </m:e>
+                          </m:acc>
+                        </m:e>
+                        <m:sub>
+                          <m:sSub>
+                            <m:sSubPr>
+                              <m:ctrlPr>
+                                <a:rPr lang="en-US" sz="1100" i="1" smtClean="0">
+                                  <a:solidFill>
+                                    <a:schemeClr val="tx1"/>
+                                  </a:solidFill>
+                                  <a:latin typeface="Cambria Math" panose="02040503050406030204" pitchFamily="18" charset="0"/>
+                                  <a:cs typeface="Times New Roman" panose="02020603050405020304" pitchFamily="18" charset="0"/>
+                                </a:rPr>
+                              </m:ctrlPr>
+                            </m:sSubPr>
+                            <m:e>
+                              <m:r>
+                                <a:rPr lang="en-US" sz="1100" b="0" i="1" smtClean="0">
+                                  <a:solidFill>
+                                    <a:schemeClr val="tx1"/>
+                                  </a:solidFill>
+                                  <a:latin typeface="Cambria Math" panose="02040503050406030204" pitchFamily="18" charset="0"/>
+                                  <a:cs typeface="Times New Roman" panose="02020603050405020304" pitchFamily="18" charset="0"/>
+                                </a:rPr>
+                                <m:t>𝐺</m:t>
+                              </m:r>
+                            </m:e>
+                            <m:sub>
+                              <m:r>
+                                <a:rPr lang="en-US" sz="1100" b="0" i="1" smtClean="0">
+                                  <a:solidFill>
+                                    <a:schemeClr val="tx1"/>
+                                  </a:solidFill>
+                                  <a:latin typeface="Cambria Math" panose="02040503050406030204" pitchFamily="18" charset="0"/>
+                                  <a:cs typeface="Times New Roman" panose="02020603050405020304" pitchFamily="18" charset="0"/>
+                                </a:rPr>
+                                <m:t>1</m:t>
+                              </m:r>
+                            </m:sub>
+                          </m:sSub>
+                        </m:sub>
+                      </m:sSub>
+                    </m:oMath>
+                  </m:oMathPara>
+                </a14:m>
+                <a:endParaRPr lang="en-US" sz="1100" dirty="0">
+                  <a:solidFill>
+                    <a:schemeClr val="tx1"/>
+                  </a:solidFill>
+                  <a:latin typeface="Times New Roman" panose="02020603050405020304" pitchFamily="18" charset="0"/>
+                  <a:cs typeface="Times New Roman" panose="02020603050405020304" pitchFamily="18" charset="0"/>
+                </a:endParaRPr>
+              </a:p>
+            </p:txBody>
+          </p:sp>
+        </mc:Choice>
+        <mc:Fallback>
+          <p:sp>
+            <p:nvSpPr>
+              <p:cNvPr id="84" name="Rectangle 83">
+                <a:extLst>
+                  <a:ext uri="{FF2B5EF4-FFF2-40B4-BE49-F238E27FC236}">
+                    <a16:creationId xmlns:a16="http://schemas.microsoft.com/office/drawing/2014/main" id="{BF8AF7AD-1363-2CCB-B790-E03211FCBE9B}"/>
+                  </a:ext>
+                </a:extLst>
+              </p:cNvPr>
+              <p:cNvSpPr>
+                <a:spLocks noRot="1" noChangeAspect="1" noMove="1" noResize="1" noEditPoints="1" noAdjustHandles="1" noChangeArrowheads="1" noChangeShapeType="1" noTextEdit="1"/>
+              </p:cNvSpPr>
+              <p:nvPr/>
+            </p:nvSpPr>
+            <p:spPr>
+              <a:xfrm>
+                <a:off x="7253762" y="1065784"/>
+                <a:ext cx="457200" cy="457200"/>
+              </a:xfrm>
+              <a:prstGeom prst="rect">
+                <a:avLst/>
+              </a:prstGeom>
+              <a:blipFill>
+                <a:blip r:embed="rId4"/>
+                <a:stretch>
+                  <a:fillRect/>
+                </a:stretch>
+              </a:blipFill>
+            </p:spPr>
+            <p:txBody>
+              <a:bodyPr/>
+              <a:lstStyle/>
+              <a:p>
+                <a:r>
+                  <a:rPr lang="en-US">
+                    <a:noFill/>
+                  </a:rPr>
+                  <a:t> </a:t>
+                </a:r>
+              </a:p>
+            </p:txBody>
+          </p:sp>
+        </mc:Fallback>
+      </mc:AlternateContent>
+      <mc:AlternateContent xmlns:mc="http://schemas.openxmlformats.org/markup-compatibility/2006">
+        <mc:Choice xmlns:a14="http://schemas.microsoft.com/office/drawing/2010/main" Requires="a14">
+          <p:sp>
+            <p:nvSpPr>
+              <p:cNvPr id="85" name="Rectangle 84">
+                <a:extLst>
+                  <a:ext uri="{FF2B5EF4-FFF2-40B4-BE49-F238E27FC236}">
+                    <a16:creationId xmlns:a16="http://schemas.microsoft.com/office/drawing/2014/main" id="{987ADFB3-E919-9C9D-C788-045711651DAF}"/>
+                  </a:ext>
+                </a:extLst>
+              </p:cNvPr>
+              <p:cNvSpPr/>
+              <p:nvPr/>
+            </p:nvSpPr>
+            <p:spPr>
+              <a:xfrm>
+                <a:off x="7323423" y="3227473"/>
+                <a:ext cx="457200" cy="457200"/>
+              </a:xfrm>
+              <a:prstGeom prst="rect">
+                <a:avLst/>
+              </a:prstGeom>
+              <a:noFill/>
+            </p:spPr>
+            <p:style>
+              <a:lnRef idx="2">
+                <a:schemeClr val="dk1">
+                  <a:shade val="15000"/>
+                </a:schemeClr>
+              </a:lnRef>
+              <a:fillRef idx="1">
+                <a:schemeClr val="dk1"/>
+              </a:fillRef>
+              <a:effectRef idx="0">
+                <a:schemeClr val="dk1"/>
+              </a:effectRef>
+              <a:fontRef idx="minor">
+                <a:schemeClr val="lt1"/>
+              </a:fontRef>
+            </p:style>
+            <p:txBody>
+              <a:bodyPr rtlCol="0" anchor="ctr"/>
+              <a:lstStyle/>
+              <a:p>
+                <a:pPr algn="ctr"/>
+                <a14:m>
+                  <m:oMathPara xmlns:m="http://schemas.openxmlformats.org/officeDocument/2006/math">
+                    <m:oMathParaPr>
+                      <m:jc m:val="centerGroup"/>
+                    </m:oMathParaPr>
+                    <m:oMath xmlns:m="http://schemas.openxmlformats.org/officeDocument/2006/math">
+                      <m:sSub>
+                        <m:sSubPr>
+                          <m:ctrlPr>
+                            <a:rPr lang="en-US" sz="1100" i="1" smtClean="0">
+                              <a:solidFill>
+                                <a:schemeClr val="tx1"/>
+                              </a:solidFill>
+                              <a:latin typeface="Cambria Math" panose="02040503050406030204" pitchFamily="18" charset="0"/>
+                              <a:cs typeface="Times New Roman" panose="02020603050405020304" pitchFamily="18" charset="0"/>
+                            </a:rPr>
+                          </m:ctrlPr>
+                        </m:sSubPr>
+                        <m:e>
+                          <m:acc>
+                            <m:accPr>
+                              <m:chr m:val="̂"/>
+                              <m:ctrlPr>
+                                <a:rPr lang="en-US" sz="1100" b="0" i="1" smtClean="0">
+                                  <a:solidFill>
+                                    <a:schemeClr val="tx1"/>
+                                  </a:solidFill>
+                                  <a:latin typeface="Cambria Math" panose="02040503050406030204" pitchFamily="18" charset="0"/>
+                                  <a:cs typeface="Times New Roman" panose="02020603050405020304" pitchFamily="18" charset="0"/>
+                                </a:rPr>
+                              </m:ctrlPr>
+                            </m:accPr>
+                            <m:e>
+                              <m:r>
+                                <a:rPr lang="en-US" sz="1100" b="0" i="1" smtClean="0">
+                                  <a:solidFill>
+                                    <a:schemeClr val="tx1"/>
+                                  </a:solidFill>
+                                  <a:latin typeface="Cambria Math" panose="02040503050406030204" pitchFamily="18" charset="0"/>
+                                  <a:cs typeface="Times New Roman" panose="02020603050405020304" pitchFamily="18" charset="0"/>
+                                </a:rPr>
+                                <m:t>𝑝</m:t>
+                              </m:r>
+                            </m:e>
+                          </m:acc>
+                        </m:e>
+                        <m:sub>
+                          <m:sSub>
+                            <m:sSubPr>
+                              <m:ctrlPr>
+                                <a:rPr lang="en-US" sz="1100" i="1" smtClean="0">
+                                  <a:solidFill>
+                                    <a:schemeClr val="tx1"/>
+                                  </a:solidFill>
+                                  <a:latin typeface="Cambria Math" panose="02040503050406030204" pitchFamily="18" charset="0"/>
+                                  <a:cs typeface="Times New Roman" panose="02020603050405020304" pitchFamily="18" charset="0"/>
+                                </a:rPr>
+                              </m:ctrlPr>
+                            </m:sSubPr>
+                            <m:e>
+                              <m:r>
+                                <a:rPr lang="en-US" sz="1100" b="0" i="1" smtClean="0">
+                                  <a:solidFill>
+                                    <a:schemeClr val="tx1"/>
+                                  </a:solidFill>
+                                  <a:latin typeface="Cambria Math" panose="02040503050406030204" pitchFamily="18" charset="0"/>
+                                  <a:cs typeface="Times New Roman" panose="02020603050405020304" pitchFamily="18" charset="0"/>
+                                </a:rPr>
+                                <m:t>𝐺</m:t>
+                              </m:r>
+                            </m:e>
+                            <m:sub>
+                              <m:r>
+                                <a:rPr lang="en-US" sz="1100" b="0" i="1" smtClean="0">
+                                  <a:solidFill>
+                                    <a:schemeClr val="tx1"/>
+                                  </a:solidFill>
+                                  <a:latin typeface="Cambria Math" panose="02040503050406030204" pitchFamily="18" charset="0"/>
+                                  <a:cs typeface="Times New Roman" panose="02020603050405020304" pitchFamily="18" charset="0"/>
+                                </a:rPr>
+                                <m:t>𝑚𝐶</m:t>
+                              </m:r>
+                            </m:sub>
+                          </m:sSub>
+                        </m:sub>
+                      </m:sSub>
+                    </m:oMath>
+                  </m:oMathPara>
+                </a14:m>
+                <a:endParaRPr lang="en-US" sz="1100" dirty="0">
+                  <a:solidFill>
+                    <a:schemeClr val="tx1"/>
+                  </a:solidFill>
+                  <a:latin typeface="Times New Roman" panose="02020603050405020304" pitchFamily="18" charset="0"/>
+                  <a:cs typeface="Times New Roman" panose="02020603050405020304" pitchFamily="18" charset="0"/>
+                </a:endParaRPr>
+              </a:p>
+            </p:txBody>
+          </p:sp>
+        </mc:Choice>
+        <mc:Fallback>
+          <p:sp>
+            <p:nvSpPr>
+              <p:cNvPr id="85" name="Rectangle 84">
+                <a:extLst>
+                  <a:ext uri="{FF2B5EF4-FFF2-40B4-BE49-F238E27FC236}">
+                    <a16:creationId xmlns:a16="http://schemas.microsoft.com/office/drawing/2014/main" id="{987ADFB3-E919-9C9D-C788-045711651DAF}"/>
+                  </a:ext>
+                </a:extLst>
+              </p:cNvPr>
+              <p:cNvSpPr>
+                <a:spLocks noRot="1" noChangeAspect="1" noMove="1" noResize="1" noEditPoints="1" noAdjustHandles="1" noChangeArrowheads="1" noChangeShapeType="1" noTextEdit="1"/>
+              </p:cNvSpPr>
+              <p:nvPr/>
+            </p:nvSpPr>
+            <p:spPr>
+              <a:xfrm>
+                <a:off x="7323423" y="3227473"/>
+                <a:ext cx="457200" cy="457200"/>
+              </a:xfrm>
+              <a:prstGeom prst="rect">
+                <a:avLst/>
+              </a:prstGeom>
+              <a:blipFill>
+                <a:blip r:embed="rId5"/>
+                <a:stretch>
+                  <a:fillRect/>
+                </a:stretch>
+              </a:blipFill>
+            </p:spPr>
+            <p:txBody>
+              <a:bodyPr/>
+              <a:lstStyle/>
+              <a:p>
+                <a:r>
+                  <a:rPr lang="en-US">
+                    <a:noFill/>
+                  </a:rPr>
+                  <a:t> </a:t>
+                </a:r>
+              </a:p>
+            </p:txBody>
+          </p:sp>
+        </mc:Fallback>
+      </mc:AlternateContent>
+      <p:sp>
+        <p:nvSpPr>
+          <p:cNvPr id="86" name="Rectangle 85">
+            <a:extLst>
+              <a:ext uri="{FF2B5EF4-FFF2-40B4-BE49-F238E27FC236}">
+                <a16:creationId xmlns:a16="http://schemas.microsoft.com/office/drawing/2014/main" id="{4E0F1432-3C27-9869-C9BD-C676978FECA3}"/>
+              </a:ext>
+            </a:extLst>
+          </p:cNvPr>
+          <p:cNvSpPr/>
+          <p:nvPr/>
+        </p:nvSpPr>
+        <p:spPr>
+          <a:xfrm>
+            <a:off x="2356414" y="1931821"/>
+            <a:ext cx="696190" cy="1039091"/>
+          </a:xfrm>
+          <a:prstGeom prst="rect">
+            <a:avLst/>
+          </a:prstGeom>
+          <a:noFill/>
+          <a:ln>
+            <a:noFill/>
+          </a:ln>
+        </p:spPr>
+        <p:style>
+          <a:lnRef idx="2">
+            <a:schemeClr val="accent1">
+              <a:shade val="15000"/>
+            </a:schemeClr>
+          </a:lnRef>
+          <a:fillRef idx="1">
+            <a:schemeClr val="accent1"/>
+          </a:fillRef>
+          <a:effectRef idx="0">
+            <a:schemeClr val="accent1"/>
+          </a:effectRef>
+          <a:fontRef idx="minor">
+            <a:schemeClr val="lt1"/>
+          </a:fontRef>
+        </p:style>
+        <p:txBody>
+          <a:bodyPr rtlCol="0" anchor="ctr"/>
+          <a:lstStyle/>
+          <a:p>
+            <a:pPr algn="ctr"/>
+            <a:r>
+              <a:rPr lang="en-US" dirty="0">
+                <a:solidFill>
+                  <a:schemeClr val="tx1"/>
+                </a:solidFill>
+              </a:rPr>
+              <a:t>.</a:t>
+            </a:r>
+          </a:p>
+          <a:p>
+            <a:pPr algn="ctr"/>
+            <a:r>
+              <a:rPr lang="en-US" dirty="0">
+                <a:solidFill>
+                  <a:schemeClr val="tx1"/>
+                </a:solidFill>
+              </a:rPr>
+              <a:t>.</a:t>
+            </a:r>
+          </a:p>
+          <a:p>
+            <a:pPr algn="ctr"/>
+            <a:r>
+              <a:rPr lang="en-US" dirty="0">
+                <a:solidFill>
+                  <a:schemeClr val="tx1"/>
+                </a:solidFill>
+              </a:rPr>
+              <a:t>.</a:t>
+            </a:r>
+          </a:p>
+        </p:txBody>
+      </p:sp>
+      <p:sp>
+        <p:nvSpPr>
+          <p:cNvPr id="87" name="Rectangle 86">
+            <a:extLst>
+              <a:ext uri="{FF2B5EF4-FFF2-40B4-BE49-F238E27FC236}">
+                <a16:creationId xmlns:a16="http://schemas.microsoft.com/office/drawing/2014/main" id="{F19CA4A3-0097-38DD-4A72-03259E2F8C92}"/>
+              </a:ext>
+            </a:extLst>
+          </p:cNvPr>
+          <p:cNvSpPr/>
+          <p:nvPr/>
+        </p:nvSpPr>
+        <p:spPr>
+          <a:xfrm>
+            <a:off x="5932861" y="1931821"/>
+            <a:ext cx="696190" cy="1039091"/>
+          </a:xfrm>
+          <a:prstGeom prst="rect">
+            <a:avLst/>
+          </a:prstGeom>
+          <a:noFill/>
+          <a:ln>
+            <a:solidFill>
+              <a:schemeClr val="bg1"/>
+            </a:solidFill>
+          </a:ln>
+        </p:spPr>
+        <p:style>
+          <a:lnRef idx="2">
+            <a:schemeClr val="accent1">
+              <a:shade val="15000"/>
+            </a:schemeClr>
+          </a:lnRef>
+          <a:fillRef idx="1">
+            <a:schemeClr val="accent1"/>
+          </a:fillRef>
+          <a:effectRef idx="0">
+            <a:schemeClr val="accent1"/>
+          </a:effectRef>
+          <a:fontRef idx="minor">
+            <a:schemeClr val="lt1"/>
+          </a:fontRef>
+        </p:style>
+        <p:txBody>
+          <a:bodyPr rtlCol="0" anchor="ctr"/>
+          <a:lstStyle/>
+          <a:p>
+            <a:pPr algn="ctr"/>
+            <a:r>
+              <a:rPr lang="en-US" dirty="0">
+                <a:solidFill>
+                  <a:schemeClr val="tx1"/>
+                </a:solidFill>
+              </a:rPr>
+              <a:t>.</a:t>
+            </a:r>
+          </a:p>
+          <a:p>
+            <a:pPr algn="ctr"/>
+            <a:r>
+              <a:rPr lang="en-US" dirty="0">
+                <a:solidFill>
+                  <a:schemeClr val="tx1"/>
+                </a:solidFill>
+              </a:rPr>
+              <a:t>.</a:t>
+            </a:r>
+          </a:p>
+          <a:p>
+            <a:pPr algn="ctr"/>
+            <a:r>
+              <a:rPr lang="en-US" dirty="0">
+                <a:solidFill>
+                  <a:schemeClr val="tx1"/>
+                </a:solidFill>
+              </a:rPr>
+              <a:t>.</a:t>
+            </a:r>
+          </a:p>
+        </p:txBody>
+      </p:sp>
+      <p:sp>
+        <p:nvSpPr>
+          <p:cNvPr id="88" name="Rectangle 87">
+            <a:extLst>
+              <a:ext uri="{FF2B5EF4-FFF2-40B4-BE49-F238E27FC236}">
+                <a16:creationId xmlns:a16="http://schemas.microsoft.com/office/drawing/2014/main" id="{6313F230-9911-863D-C15E-C6BBAE26909F}"/>
+              </a:ext>
+            </a:extLst>
+          </p:cNvPr>
+          <p:cNvSpPr/>
+          <p:nvPr/>
+        </p:nvSpPr>
+        <p:spPr>
+          <a:xfrm>
+            <a:off x="7207048" y="1931821"/>
+            <a:ext cx="696190" cy="1039091"/>
+          </a:xfrm>
+          <a:prstGeom prst="rect">
+            <a:avLst/>
+          </a:prstGeom>
+          <a:noFill/>
+          <a:ln>
+            <a:solidFill>
+              <a:schemeClr val="bg1"/>
+            </a:solidFill>
+          </a:ln>
+        </p:spPr>
+        <p:style>
+          <a:lnRef idx="2">
+            <a:schemeClr val="accent1">
+              <a:shade val="15000"/>
+            </a:schemeClr>
+          </a:lnRef>
+          <a:fillRef idx="1">
+            <a:schemeClr val="accent1"/>
+          </a:fillRef>
+          <a:effectRef idx="0">
+            <a:schemeClr val="accent1"/>
+          </a:effectRef>
+          <a:fontRef idx="minor">
+            <a:schemeClr val="lt1"/>
+          </a:fontRef>
+        </p:style>
+        <p:txBody>
+          <a:bodyPr rtlCol="0" anchor="ctr"/>
+          <a:lstStyle/>
+          <a:p>
+            <a:pPr algn="ctr"/>
+            <a:r>
+              <a:rPr lang="en-US" dirty="0">
+                <a:solidFill>
+                  <a:schemeClr val="tx1"/>
+                </a:solidFill>
+              </a:rPr>
+              <a:t>.</a:t>
+            </a:r>
+          </a:p>
+          <a:p>
+            <a:pPr algn="ctr"/>
+            <a:r>
+              <a:rPr lang="en-US" dirty="0">
+                <a:solidFill>
+                  <a:schemeClr val="tx1"/>
+                </a:solidFill>
+              </a:rPr>
+              <a:t>.</a:t>
+            </a:r>
+          </a:p>
+          <a:p>
+            <a:pPr algn="ctr"/>
+            <a:r>
+              <a:rPr lang="en-US" dirty="0">
+                <a:solidFill>
+                  <a:schemeClr val="tx1"/>
+                </a:solidFill>
+              </a:rPr>
+              <a:t>.</a:t>
+            </a:r>
+          </a:p>
+        </p:txBody>
+      </p:sp>
+      <p:sp>
+        <p:nvSpPr>
+          <p:cNvPr id="89" name="Rectangle 88">
+            <a:extLst>
+              <a:ext uri="{FF2B5EF4-FFF2-40B4-BE49-F238E27FC236}">
+                <a16:creationId xmlns:a16="http://schemas.microsoft.com/office/drawing/2014/main" id="{3CEAD4BD-A243-211D-5CBF-92A4522A8D00}"/>
+              </a:ext>
+            </a:extLst>
+          </p:cNvPr>
+          <p:cNvSpPr/>
+          <p:nvPr/>
+        </p:nvSpPr>
+        <p:spPr>
+          <a:xfrm>
+            <a:off x="8491336" y="1931821"/>
+            <a:ext cx="696190" cy="1039091"/>
+          </a:xfrm>
+          <a:prstGeom prst="rect">
+            <a:avLst/>
+          </a:prstGeom>
+          <a:noFill/>
+          <a:ln>
+            <a:noFill/>
+          </a:ln>
+        </p:spPr>
+        <p:style>
+          <a:lnRef idx="2">
+            <a:schemeClr val="accent1">
+              <a:shade val="15000"/>
+            </a:schemeClr>
+          </a:lnRef>
+          <a:fillRef idx="1">
+            <a:schemeClr val="accent1"/>
+          </a:fillRef>
+          <a:effectRef idx="0">
+            <a:schemeClr val="accent1"/>
+          </a:effectRef>
+          <a:fontRef idx="minor">
+            <a:schemeClr val="lt1"/>
+          </a:fontRef>
+        </p:style>
+        <p:txBody>
+          <a:bodyPr rtlCol="0" anchor="ctr"/>
+          <a:lstStyle/>
+          <a:p>
+            <a:pPr algn="ctr"/>
+            <a:r>
+              <a:rPr lang="en-US" dirty="0">
+                <a:solidFill>
+                  <a:schemeClr val="tx1"/>
+                </a:solidFill>
+              </a:rPr>
+              <a:t>.</a:t>
+            </a:r>
+          </a:p>
+          <a:p>
+            <a:pPr algn="ctr"/>
+            <a:r>
+              <a:rPr lang="en-US" dirty="0">
+                <a:solidFill>
+                  <a:schemeClr val="tx1"/>
+                </a:solidFill>
+              </a:rPr>
+              <a:t>.</a:t>
+            </a:r>
+          </a:p>
+          <a:p>
+            <a:pPr algn="ctr"/>
+            <a:r>
+              <a:rPr lang="en-US" dirty="0">
+                <a:solidFill>
+                  <a:schemeClr val="tx1"/>
+                </a:solidFill>
+              </a:rPr>
+              <a:t>.</a:t>
+            </a:r>
+          </a:p>
+        </p:txBody>
+      </p:sp>
+      <p:sp>
+        <p:nvSpPr>
+          <p:cNvPr id="90" name="Rectangle 89">
+            <a:extLst>
+              <a:ext uri="{FF2B5EF4-FFF2-40B4-BE49-F238E27FC236}">
+                <a16:creationId xmlns:a16="http://schemas.microsoft.com/office/drawing/2014/main" id="{17EF6B1F-AB8E-1BBB-69C4-079127763C34}"/>
+              </a:ext>
+            </a:extLst>
+          </p:cNvPr>
+          <p:cNvSpPr/>
+          <p:nvPr/>
+        </p:nvSpPr>
+        <p:spPr>
+          <a:xfrm>
+            <a:off x="10356047" y="1931821"/>
+            <a:ext cx="696190" cy="1039091"/>
+          </a:xfrm>
+          <a:prstGeom prst="rect">
+            <a:avLst/>
+          </a:prstGeom>
+          <a:noFill/>
+          <a:ln>
+            <a:solidFill>
+              <a:schemeClr val="bg1"/>
+            </a:solidFill>
+          </a:ln>
+        </p:spPr>
+        <p:style>
+          <a:lnRef idx="2">
+            <a:schemeClr val="accent1">
+              <a:shade val="15000"/>
+            </a:schemeClr>
+          </a:lnRef>
+          <a:fillRef idx="1">
+            <a:schemeClr val="accent1"/>
+          </a:fillRef>
+          <a:effectRef idx="0">
+            <a:schemeClr val="accent1"/>
+          </a:effectRef>
+          <a:fontRef idx="minor">
+            <a:schemeClr val="lt1"/>
+          </a:fontRef>
+        </p:style>
+        <p:txBody>
+          <a:bodyPr rtlCol="0" anchor="ctr"/>
+          <a:lstStyle/>
+          <a:p>
+            <a:pPr algn="ctr"/>
+            <a:r>
+              <a:rPr lang="en-US" dirty="0">
+                <a:solidFill>
+                  <a:schemeClr val="tx1"/>
+                </a:solidFill>
+              </a:rPr>
+              <a:t>.</a:t>
+            </a:r>
+          </a:p>
+          <a:p>
+            <a:pPr algn="ctr"/>
+            <a:r>
+              <a:rPr lang="en-US" dirty="0">
+                <a:solidFill>
+                  <a:schemeClr val="tx1"/>
+                </a:solidFill>
+              </a:rPr>
+              <a:t>.</a:t>
+            </a:r>
+          </a:p>
+          <a:p>
+            <a:pPr algn="ctr"/>
+            <a:r>
+              <a:rPr lang="en-US" dirty="0">
+                <a:solidFill>
+                  <a:schemeClr val="tx1"/>
+                </a:solidFill>
+              </a:rPr>
+              <a:t>.</a:t>
+            </a:r>
+          </a:p>
+        </p:txBody>
+      </p:sp>
+      <mc:AlternateContent xmlns:mc="http://schemas.openxmlformats.org/markup-compatibility/2006">
+        <mc:Choice xmlns:a14="http://schemas.microsoft.com/office/drawing/2010/main" Requires="a14">
+          <p:sp>
+            <p:nvSpPr>
+              <p:cNvPr id="91" name="Rectangle 90">
+                <a:extLst>
+                  <a:ext uri="{FF2B5EF4-FFF2-40B4-BE49-F238E27FC236}">
+                    <a16:creationId xmlns:a16="http://schemas.microsoft.com/office/drawing/2014/main" id="{9E6D2FFF-1D50-1E68-0C86-EA2985A0E84F}"/>
+                  </a:ext>
+                </a:extLst>
+              </p:cNvPr>
+              <p:cNvSpPr/>
+              <p:nvPr/>
+            </p:nvSpPr>
+            <p:spPr>
+              <a:xfrm>
+                <a:off x="11720415" y="1065784"/>
+                <a:ext cx="457200" cy="457200"/>
+              </a:xfrm>
+              <a:prstGeom prst="rect">
+                <a:avLst/>
+              </a:prstGeom>
+              <a:noFill/>
+            </p:spPr>
+            <p:style>
+              <a:lnRef idx="2">
+                <a:schemeClr val="dk1">
+                  <a:shade val="15000"/>
+                </a:schemeClr>
+              </a:lnRef>
+              <a:fillRef idx="1">
+                <a:schemeClr val="dk1"/>
+              </a:fillRef>
+              <a:effectRef idx="0">
+                <a:schemeClr val="dk1"/>
+              </a:effectRef>
+              <a:fontRef idx="minor">
+                <a:schemeClr val="lt1"/>
+              </a:fontRef>
+            </p:style>
+            <p:txBody>
+              <a:bodyPr rtlCol="0" anchor="ctr"/>
+              <a:lstStyle/>
+              <a:p>
+                <a:pPr algn="ctr"/>
+                <a14:m>
+                  <m:oMathPara xmlns:m="http://schemas.openxmlformats.org/officeDocument/2006/math">
+                    <m:oMathParaPr>
+                      <m:jc m:val="centerGroup"/>
+                    </m:oMathParaPr>
+                    <m:oMath xmlns:m="http://schemas.openxmlformats.org/officeDocument/2006/math">
+                      <m:sSub>
+                        <m:sSubPr>
+                          <m:ctrlPr>
+                            <a:rPr lang="en-US" sz="1100" i="1" smtClean="0">
+                              <a:solidFill>
+                                <a:schemeClr val="tx1"/>
+                              </a:solidFill>
+                              <a:latin typeface="Cambria Math" panose="02040503050406030204" pitchFamily="18" charset="0"/>
+                              <a:cs typeface="Times New Roman" panose="02020603050405020304" pitchFamily="18" charset="0"/>
+                            </a:rPr>
+                          </m:ctrlPr>
+                        </m:sSubPr>
+                        <m:e>
+                          <m:r>
+                            <a:rPr lang="en-US" sz="1100" b="0" i="1" smtClean="0">
+                              <a:solidFill>
+                                <a:schemeClr val="tx1"/>
+                              </a:solidFill>
+                              <a:latin typeface="Cambria Math" panose="02040503050406030204" pitchFamily="18" charset="0"/>
+                              <a:cs typeface="Times New Roman" panose="02020603050405020304" pitchFamily="18" charset="0"/>
+                            </a:rPr>
+                            <m:t>𝑝</m:t>
+                          </m:r>
+                        </m:e>
+                        <m:sub>
+                          <m:r>
+                            <a:rPr lang="en-US" sz="1100" b="0" i="1" smtClean="0">
+                              <a:solidFill>
+                                <a:schemeClr val="tx1"/>
+                              </a:solidFill>
+                              <a:latin typeface="Cambria Math" panose="02040503050406030204" pitchFamily="18" charset="0"/>
+                              <a:cs typeface="Times New Roman" panose="02020603050405020304" pitchFamily="18" charset="0"/>
+                            </a:rPr>
+                            <m:t>1</m:t>
+                          </m:r>
+                        </m:sub>
+                      </m:sSub>
+                    </m:oMath>
+                  </m:oMathPara>
+                </a14:m>
+                <a:endParaRPr lang="en-US" sz="1100" dirty="0">
+                  <a:solidFill>
+                    <a:schemeClr val="tx1"/>
+                  </a:solidFill>
+                  <a:latin typeface="Times New Roman" panose="02020603050405020304" pitchFamily="18" charset="0"/>
+                  <a:cs typeface="Times New Roman" panose="02020603050405020304" pitchFamily="18" charset="0"/>
+                </a:endParaRPr>
+              </a:p>
+            </p:txBody>
+          </p:sp>
+        </mc:Choice>
+        <mc:Fallback>
+          <p:sp>
+            <p:nvSpPr>
+              <p:cNvPr id="91" name="Rectangle 90">
+                <a:extLst>
+                  <a:ext uri="{FF2B5EF4-FFF2-40B4-BE49-F238E27FC236}">
+                    <a16:creationId xmlns:a16="http://schemas.microsoft.com/office/drawing/2014/main" id="{9E6D2FFF-1D50-1E68-0C86-EA2985A0E84F}"/>
+                  </a:ext>
+                </a:extLst>
+              </p:cNvPr>
+              <p:cNvSpPr>
+                <a:spLocks noRot="1" noChangeAspect="1" noMove="1" noResize="1" noEditPoints="1" noAdjustHandles="1" noChangeArrowheads="1" noChangeShapeType="1" noTextEdit="1"/>
+              </p:cNvSpPr>
+              <p:nvPr/>
+            </p:nvSpPr>
+            <p:spPr>
+              <a:xfrm>
+                <a:off x="11720415" y="1065784"/>
+                <a:ext cx="457200" cy="457200"/>
+              </a:xfrm>
+              <a:prstGeom prst="rect">
+                <a:avLst/>
+              </a:prstGeom>
+              <a:blipFill>
+                <a:blip r:embed="rId6"/>
+                <a:stretch>
+                  <a:fillRect/>
+                </a:stretch>
+              </a:blipFill>
+            </p:spPr>
+            <p:txBody>
+              <a:bodyPr/>
+              <a:lstStyle/>
+              <a:p>
+                <a:r>
+                  <a:rPr lang="en-US">
+                    <a:noFill/>
+                  </a:rPr>
+                  <a:t> </a:t>
+                </a:r>
+              </a:p>
+            </p:txBody>
+          </p:sp>
+        </mc:Fallback>
+      </mc:AlternateContent>
+      <mc:AlternateContent xmlns:mc="http://schemas.openxmlformats.org/markup-compatibility/2006">
+        <mc:Choice xmlns:a14="http://schemas.microsoft.com/office/drawing/2010/main" Requires="a14">
+          <p:sp>
+            <p:nvSpPr>
+              <p:cNvPr id="92" name="Rectangle 91">
+                <a:extLst>
+                  <a:ext uri="{FF2B5EF4-FFF2-40B4-BE49-F238E27FC236}">
+                    <a16:creationId xmlns:a16="http://schemas.microsoft.com/office/drawing/2014/main" id="{DF811869-6EC5-F231-E4EA-02A107FC3404}"/>
+                  </a:ext>
+                </a:extLst>
+              </p:cNvPr>
+              <p:cNvSpPr/>
+              <p:nvPr/>
+            </p:nvSpPr>
+            <p:spPr>
+              <a:xfrm>
+                <a:off x="11717392" y="3227473"/>
+                <a:ext cx="457200" cy="457200"/>
+              </a:xfrm>
+              <a:prstGeom prst="rect">
+                <a:avLst/>
+              </a:prstGeom>
+              <a:noFill/>
+            </p:spPr>
+            <p:style>
+              <a:lnRef idx="2">
+                <a:schemeClr val="dk1">
+                  <a:shade val="15000"/>
+                </a:schemeClr>
+              </a:lnRef>
+              <a:fillRef idx="1">
+                <a:schemeClr val="dk1"/>
+              </a:fillRef>
+              <a:effectRef idx="0">
+                <a:schemeClr val="dk1"/>
+              </a:effectRef>
+              <a:fontRef idx="minor">
+                <a:schemeClr val="lt1"/>
+              </a:fontRef>
+            </p:style>
+            <p:txBody>
+              <a:bodyPr rtlCol="0" anchor="ctr"/>
+              <a:lstStyle/>
+              <a:p>
+                <a:pPr algn="ctr"/>
+                <a14:m>
+                  <m:oMathPara xmlns:m="http://schemas.openxmlformats.org/officeDocument/2006/math">
+                    <m:oMathParaPr>
+                      <m:jc m:val="centerGroup"/>
+                    </m:oMathParaPr>
+                    <m:oMath xmlns:m="http://schemas.openxmlformats.org/officeDocument/2006/math">
+                      <m:sSub>
+                        <m:sSubPr>
+                          <m:ctrlPr>
+                            <a:rPr lang="en-US" sz="1100" i="1" smtClean="0">
+                              <a:solidFill>
+                                <a:schemeClr val="tx1"/>
+                              </a:solidFill>
+                              <a:latin typeface="Cambria Math" panose="02040503050406030204" pitchFamily="18" charset="0"/>
+                              <a:cs typeface="Times New Roman" panose="02020603050405020304" pitchFamily="18" charset="0"/>
+                            </a:rPr>
+                          </m:ctrlPr>
+                        </m:sSubPr>
+                        <m:e>
+                          <m:r>
+                            <a:rPr lang="en-US" sz="1100" b="0" i="1" smtClean="0">
+                              <a:solidFill>
+                                <a:schemeClr val="tx1"/>
+                              </a:solidFill>
+                              <a:latin typeface="Cambria Math" panose="02040503050406030204" pitchFamily="18" charset="0"/>
+                              <a:cs typeface="Times New Roman" panose="02020603050405020304" pitchFamily="18" charset="0"/>
+                            </a:rPr>
+                            <m:t>𝑝</m:t>
+                          </m:r>
+                        </m:e>
+                        <m:sub>
+                          <m:r>
+                            <a:rPr lang="en-US" sz="1100" b="0" i="1" smtClean="0">
+                              <a:solidFill>
+                                <a:schemeClr val="tx1"/>
+                              </a:solidFill>
+                              <a:latin typeface="Cambria Math" panose="02040503050406030204" pitchFamily="18" charset="0"/>
+                              <a:cs typeface="Times New Roman" panose="02020603050405020304" pitchFamily="18" charset="0"/>
+                            </a:rPr>
+                            <m:t>𝑚𝐶</m:t>
+                          </m:r>
+                        </m:sub>
+                      </m:sSub>
+                    </m:oMath>
+                  </m:oMathPara>
+                </a14:m>
+                <a:endParaRPr lang="en-US" sz="1100" dirty="0">
+                  <a:solidFill>
+                    <a:schemeClr val="tx1"/>
+                  </a:solidFill>
+                  <a:latin typeface="Times New Roman" panose="02020603050405020304" pitchFamily="18" charset="0"/>
+                  <a:cs typeface="Times New Roman" panose="02020603050405020304" pitchFamily="18" charset="0"/>
+                </a:endParaRPr>
+              </a:p>
+            </p:txBody>
+          </p:sp>
+        </mc:Choice>
+        <mc:Fallback>
+          <p:sp>
+            <p:nvSpPr>
+              <p:cNvPr id="92" name="Rectangle 91">
+                <a:extLst>
+                  <a:ext uri="{FF2B5EF4-FFF2-40B4-BE49-F238E27FC236}">
+                    <a16:creationId xmlns:a16="http://schemas.microsoft.com/office/drawing/2014/main" id="{DF811869-6EC5-F231-E4EA-02A107FC3404}"/>
+                  </a:ext>
+                </a:extLst>
+              </p:cNvPr>
+              <p:cNvSpPr>
+                <a:spLocks noRot="1" noChangeAspect="1" noMove="1" noResize="1" noEditPoints="1" noAdjustHandles="1" noChangeArrowheads="1" noChangeShapeType="1" noTextEdit="1"/>
+              </p:cNvSpPr>
+              <p:nvPr/>
+            </p:nvSpPr>
+            <p:spPr>
+              <a:xfrm>
+                <a:off x="11717392" y="3227473"/>
+                <a:ext cx="457200" cy="457200"/>
+              </a:xfrm>
+              <a:prstGeom prst="rect">
+                <a:avLst/>
+              </a:prstGeom>
+              <a:blipFill>
+                <a:blip r:embed="rId7"/>
+                <a:stretch>
+                  <a:fillRect/>
+                </a:stretch>
+              </a:blipFill>
+            </p:spPr>
+            <p:txBody>
+              <a:bodyPr/>
+              <a:lstStyle/>
+              <a:p>
+                <a:r>
+                  <a:rPr lang="en-US">
+                    <a:noFill/>
+                  </a:rPr>
+                  <a:t> </a:t>
+                </a:r>
+              </a:p>
+            </p:txBody>
+          </p:sp>
+        </mc:Fallback>
+      </mc:AlternateContent>
+      <mc:AlternateContent xmlns:mc="http://schemas.openxmlformats.org/markup-compatibility/2006">
+        <mc:Choice xmlns:a14="http://schemas.microsoft.com/office/drawing/2010/main" Requires="a14">
+          <p:sp>
+            <p:nvSpPr>
+              <p:cNvPr id="93" name="Rectangle 92">
+                <a:extLst>
+                  <a:ext uri="{FF2B5EF4-FFF2-40B4-BE49-F238E27FC236}">
+                    <a16:creationId xmlns:a16="http://schemas.microsoft.com/office/drawing/2014/main" id="{814F6342-B9E7-38D0-C9ED-7BF2CC9D0976}"/>
+                  </a:ext>
+                </a:extLst>
+              </p:cNvPr>
+              <p:cNvSpPr/>
+              <p:nvPr/>
+            </p:nvSpPr>
+            <p:spPr>
+              <a:xfrm>
+                <a:off x="3838933" y="66523"/>
+                <a:ext cx="457200" cy="457200"/>
+              </a:xfrm>
+              <a:prstGeom prst="rect">
+                <a:avLst/>
+              </a:prstGeom>
+              <a:noFill/>
+            </p:spPr>
+            <p:style>
+              <a:lnRef idx="2">
+                <a:schemeClr val="dk1">
+                  <a:shade val="15000"/>
+                </a:schemeClr>
+              </a:lnRef>
+              <a:fillRef idx="1">
+                <a:schemeClr val="dk1"/>
+              </a:fillRef>
+              <a:effectRef idx="0">
+                <a:schemeClr val="dk1"/>
+              </a:effectRef>
+              <a:fontRef idx="minor">
+                <a:schemeClr val="lt1"/>
+              </a:fontRef>
+            </p:style>
+            <p:txBody>
+              <a:bodyPr rtlCol="0" anchor="ctr"/>
+              <a:lstStyle/>
+              <a:p>
+                <a:pPr algn="ctr"/>
+                <a14:m>
+                  <m:oMathPara xmlns:m="http://schemas.openxmlformats.org/officeDocument/2006/math">
+                    <m:oMathParaPr>
+                      <m:jc m:val="centerGroup"/>
+                    </m:oMathParaPr>
+                    <m:oMath xmlns:m="http://schemas.openxmlformats.org/officeDocument/2006/math">
+                      <m:r>
+                        <a:rPr lang="en-US" sz="1100" b="0" i="1" smtClean="0">
+                          <a:solidFill>
+                            <a:schemeClr val="tx1"/>
+                          </a:solidFill>
+                          <a:latin typeface="Cambria Math" panose="02040503050406030204" pitchFamily="18" charset="0"/>
+                          <a:cs typeface="Times New Roman" panose="02020603050405020304" pitchFamily="18" charset="0"/>
+                        </a:rPr>
+                        <m:t> </m:t>
+                      </m:r>
+                      <m:sSub>
+                        <m:sSubPr>
+                          <m:ctrlPr>
+                            <a:rPr lang="en-US" sz="1100" b="0" i="1" smtClean="0">
+                              <a:solidFill>
+                                <a:schemeClr val="tx1"/>
+                              </a:solidFill>
+                              <a:latin typeface="Cambria Math" panose="02040503050406030204" pitchFamily="18" charset="0"/>
+                            </a:rPr>
+                          </m:ctrlPr>
+                        </m:sSubPr>
+                        <m:e>
+                          <m:acc>
+                            <m:accPr>
+                              <m:chr m:val="̂"/>
+                              <m:ctrlPr>
+                                <a:rPr lang="en-US" sz="1100" b="0" i="1" smtClean="0">
+                                  <a:solidFill>
+                                    <a:schemeClr val="tx1"/>
+                                  </a:solidFill>
+                                  <a:latin typeface="Cambria Math" panose="02040503050406030204" pitchFamily="18" charset="0"/>
+                                </a:rPr>
+                              </m:ctrlPr>
+                            </m:accPr>
+                            <m:e>
+                              <m:r>
+                                <a:rPr lang="en-US" sz="1100" b="0" i="1" smtClean="0">
+                                  <a:solidFill>
+                                    <a:schemeClr val="tx1"/>
+                                  </a:solidFill>
+                                  <a:latin typeface="Cambria Math" panose="02040503050406030204" pitchFamily="18" charset="0"/>
+                                </a:rPr>
+                                <m:t>𝑝</m:t>
+                              </m:r>
+                            </m:e>
+                          </m:acc>
+                        </m:e>
+                        <m:sub>
+                          <m:r>
+                            <a:rPr lang="en-US" sz="1100" b="0" i="1" smtClean="0">
+                              <a:solidFill>
+                                <a:schemeClr val="tx1"/>
+                              </a:solidFill>
+                              <a:latin typeface="Cambria Math" panose="02040503050406030204" pitchFamily="18" charset="0"/>
+                            </a:rPr>
+                            <m:t>𝐺</m:t>
+                          </m:r>
+                        </m:sub>
+                      </m:sSub>
+                    </m:oMath>
+                  </m:oMathPara>
+                </a14:m>
+                <a:endParaRPr lang="en-US" sz="1100" dirty="0">
+                  <a:solidFill>
+                    <a:schemeClr val="tx1"/>
+                  </a:solidFill>
+                  <a:latin typeface="Times New Roman" panose="02020603050405020304" pitchFamily="18" charset="0"/>
+                  <a:cs typeface="Times New Roman" panose="02020603050405020304" pitchFamily="18" charset="0"/>
+                </a:endParaRPr>
+              </a:p>
+            </p:txBody>
+          </p:sp>
+        </mc:Choice>
+        <mc:Fallback>
+          <p:sp>
+            <p:nvSpPr>
+              <p:cNvPr id="93" name="Rectangle 92">
+                <a:extLst>
+                  <a:ext uri="{FF2B5EF4-FFF2-40B4-BE49-F238E27FC236}">
+                    <a16:creationId xmlns:a16="http://schemas.microsoft.com/office/drawing/2014/main" id="{814F6342-B9E7-38D0-C9ED-7BF2CC9D0976}"/>
+                  </a:ext>
+                </a:extLst>
+              </p:cNvPr>
+              <p:cNvSpPr>
+                <a:spLocks noRot="1" noChangeAspect="1" noMove="1" noResize="1" noEditPoints="1" noAdjustHandles="1" noChangeArrowheads="1" noChangeShapeType="1" noTextEdit="1"/>
+              </p:cNvSpPr>
+              <p:nvPr/>
+            </p:nvSpPr>
+            <p:spPr>
+              <a:xfrm>
+                <a:off x="3838933" y="66523"/>
+                <a:ext cx="457200" cy="457200"/>
+              </a:xfrm>
+              <a:prstGeom prst="rect">
+                <a:avLst/>
+              </a:prstGeom>
+              <a:blipFill>
+                <a:blip r:embed="rId8"/>
+                <a:stretch>
+                  <a:fillRect/>
+                </a:stretch>
+              </a:blipFill>
+            </p:spPr>
+            <p:txBody>
+              <a:bodyPr/>
+              <a:lstStyle/>
+              <a:p>
+                <a:r>
+                  <a:rPr lang="en-US">
+                    <a:noFill/>
+                  </a:rPr>
+                  <a:t> </a:t>
+                </a:r>
+              </a:p>
+            </p:txBody>
+          </p:sp>
+        </mc:Fallback>
+      </mc:AlternateContent>
+      <p:cxnSp>
+        <p:nvCxnSpPr>
+          <p:cNvPr id="11" name="Connector: Elbow 10">
+            <a:extLst>
+              <a:ext uri="{FF2B5EF4-FFF2-40B4-BE49-F238E27FC236}">
+                <a16:creationId xmlns:a16="http://schemas.microsoft.com/office/drawing/2014/main" id="{D5B18B63-CAAE-C677-4F50-E2404E93234B}"/>
+              </a:ext>
+            </a:extLst>
+          </p:cNvPr>
+          <p:cNvCxnSpPr>
+            <a:cxnSpLocks/>
+            <a:stCxn id="91" idx="2"/>
+            <a:endCxn id="34" idx="2"/>
+          </p:cNvCxnSpPr>
+          <p:nvPr/>
+        </p:nvCxnSpPr>
+        <p:spPr>
+          <a:xfrm rot="5400000">
+            <a:off x="7185004" y="-2953441"/>
+            <a:ext cx="287587" cy="9240436"/>
+          </a:xfrm>
+          <a:prstGeom prst="bentConnector3">
+            <a:avLst>
+              <a:gd name="adj1" fmla="val 179489"/>
+            </a:avLst>
+          </a:prstGeom>
+          <a:ln>
+            <a:tailEnd type="triangle"/>
+          </a:ln>
+        </p:spPr>
+        <p:style>
+          <a:lnRef idx="2">
+            <a:schemeClr val="dk1"/>
+          </a:lnRef>
+          <a:fillRef idx="0">
+            <a:schemeClr val="dk1"/>
+          </a:fillRef>
+          <a:effectRef idx="1">
+            <a:schemeClr val="dk1"/>
+          </a:effectRef>
+          <a:fontRef idx="minor">
+            <a:schemeClr val="tx1"/>
+          </a:fontRef>
+        </p:style>
+      </p:cxnSp>
+      <p:cxnSp>
+        <p:nvCxnSpPr>
+          <p:cNvPr id="14" name="Connector: Elbow 13">
+            <a:extLst>
+              <a:ext uri="{FF2B5EF4-FFF2-40B4-BE49-F238E27FC236}">
+                <a16:creationId xmlns:a16="http://schemas.microsoft.com/office/drawing/2014/main" id="{B10537ED-DFE7-2F7F-2A54-C6C47012B30A}"/>
+              </a:ext>
+            </a:extLst>
+          </p:cNvPr>
+          <p:cNvCxnSpPr>
+            <a:cxnSpLocks/>
+            <a:stCxn id="92" idx="2"/>
+            <a:endCxn id="49" idx="2"/>
+          </p:cNvCxnSpPr>
+          <p:nvPr/>
+        </p:nvCxnSpPr>
+        <p:spPr>
+          <a:xfrm rot="5400000">
+            <a:off x="7255747" y="-866564"/>
+            <a:ext cx="139009" cy="9241483"/>
+          </a:xfrm>
+          <a:prstGeom prst="bentConnector3">
+            <a:avLst>
+              <a:gd name="adj1" fmla="val 264450"/>
+            </a:avLst>
+          </a:prstGeom>
+          <a:ln>
+            <a:tailEnd type="triangle"/>
+          </a:ln>
+        </p:spPr>
+        <p:style>
+          <a:lnRef idx="2">
+            <a:schemeClr val="dk1"/>
+          </a:lnRef>
+          <a:fillRef idx="0">
+            <a:schemeClr val="dk1"/>
+          </a:fillRef>
+          <a:effectRef idx="1">
+            <a:schemeClr val="dk1"/>
+          </a:effectRef>
+          <a:fontRef idx="minor">
+            <a:schemeClr val="tx1"/>
+          </a:fontRef>
+        </p:style>
+      </p:cxnSp>
+      <mc:AlternateContent xmlns:mc="http://schemas.openxmlformats.org/markup-compatibility/2006">
+        <mc:Choice xmlns:a14="http://schemas.microsoft.com/office/drawing/2010/main" Requires="a14">
+          <p:sp>
+            <p:nvSpPr>
+              <p:cNvPr id="15" name="Rectangle 14">
+                <a:extLst>
+                  <a:ext uri="{FF2B5EF4-FFF2-40B4-BE49-F238E27FC236}">
+                    <a16:creationId xmlns:a16="http://schemas.microsoft.com/office/drawing/2014/main" id="{049010BA-EC09-BE66-781E-15980B8E242C}"/>
+                  </a:ext>
+                </a:extLst>
+              </p:cNvPr>
+              <p:cNvSpPr/>
+              <p:nvPr/>
+            </p:nvSpPr>
+            <p:spPr>
+              <a:xfrm>
+                <a:off x="488078" y="3413544"/>
+                <a:ext cx="366923" cy="374072"/>
+              </a:xfrm>
+              <a:prstGeom prst="rect">
+                <a:avLst/>
+              </a:prstGeom>
+              <a:noFill/>
+              <a:ln>
+                <a:noFill/>
+              </a:ln>
+            </p:spPr>
+            <p:style>
+              <a:lnRef idx="2">
+                <a:schemeClr val="dk1">
+                  <a:shade val="15000"/>
+                </a:schemeClr>
+              </a:lnRef>
+              <a:fillRef idx="1">
+                <a:schemeClr val="dk1"/>
+              </a:fillRef>
+              <a:effectRef idx="0">
+                <a:schemeClr val="dk1"/>
+              </a:effectRef>
+              <a:fontRef idx="minor">
+                <a:schemeClr val="lt1"/>
+              </a:fontRef>
+            </p:style>
+            <p:txBody>
+              <a:bodyPr rtlCol="0" anchor="ctr"/>
+              <a:lstStyle/>
+              <a:p>
+                <a:pPr algn="ctr"/>
+                <a14:m>
+                  <m:oMathPara xmlns:m="http://schemas.openxmlformats.org/officeDocument/2006/math">
+                    <m:oMathParaPr>
+                      <m:jc m:val="centerGroup"/>
+                    </m:oMathParaPr>
+                    <m:oMath xmlns:m="http://schemas.openxmlformats.org/officeDocument/2006/math">
+                      <m:r>
+                        <a:rPr lang="en-US" sz="1100" b="0" i="1" smtClean="0">
+                          <a:solidFill>
+                            <a:schemeClr val="tx1"/>
+                          </a:solidFill>
+                          <a:latin typeface="Cambria Math" panose="02040503050406030204" pitchFamily="18" charset="0"/>
+                        </a:rPr>
+                        <m:t>𝐺</m:t>
+                      </m:r>
+                    </m:oMath>
+                  </m:oMathPara>
+                </a14:m>
+                <a:endParaRPr lang="en-US" sz="1100" dirty="0">
+                  <a:solidFill>
+                    <a:schemeClr val="tx1"/>
+                  </a:solidFill>
+                </a:endParaRPr>
+              </a:p>
+            </p:txBody>
+          </p:sp>
+        </mc:Choice>
+        <mc:Fallback>
+          <p:sp>
+            <p:nvSpPr>
+              <p:cNvPr id="15" name="Rectangle 14">
+                <a:extLst>
+                  <a:ext uri="{FF2B5EF4-FFF2-40B4-BE49-F238E27FC236}">
+                    <a16:creationId xmlns:a16="http://schemas.microsoft.com/office/drawing/2014/main" id="{049010BA-EC09-BE66-781E-15980B8E242C}"/>
+                  </a:ext>
+                </a:extLst>
+              </p:cNvPr>
+              <p:cNvSpPr>
+                <a:spLocks noRot="1" noChangeAspect="1" noMove="1" noResize="1" noEditPoints="1" noAdjustHandles="1" noChangeArrowheads="1" noChangeShapeType="1" noTextEdit="1"/>
+              </p:cNvSpPr>
+              <p:nvPr/>
+            </p:nvSpPr>
+            <p:spPr>
+              <a:xfrm>
+                <a:off x="488078" y="3413544"/>
+                <a:ext cx="366923" cy="374072"/>
+              </a:xfrm>
+              <a:prstGeom prst="rect">
+                <a:avLst/>
+              </a:prstGeom>
+              <a:blipFill>
+                <a:blip r:embed="rId9"/>
+                <a:stretch>
+                  <a:fillRect/>
+                </a:stretch>
+              </a:blipFill>
+              <a:ln>
+                <a:noFill/>
+              </a:ln>
+            </p:spPr>
+            <p:txBody>
+              <a:bodyPr/>
+              <a:lstStyle/>
+              <a:p>
+                <a:r>
+                  <a:rPr lang="en-US">
+                    <a:noFill/>
+                  </a:rPr>
+                  <a:t> </a:t>
+                </a:r>
+              </a:p>
+            </p:txBody>
+          </p:sp>
+        </mc:Fallback>
+      </mc:AlternateContent>
+      <p:grpSp>
+        <p:nvGrpSpPr>
+          <p:cNvPr id="58" name="Group 57">
+            <a:extLst>
+              <a:ext uri="{FF2B5EF4-FFF2-40B4-BE49-F238E27FC236}">
+                <a16:creationId xmlns:a16="http://schemas.microsoft.com/office/drawing/2014/main" id="{9C9CBAC1-ED23-AE21-2455-8B76F6BA40B1}"/>
+              </a:ext>
+            </a:extLst>
+          </p:cNvPr>
+          <p:cNvGrpSpPr/>
+          <p:nvPr/>
+        </p:nvGrpSpPr>
+        <p:grpSpPr>
+          <a:xfrm>
+            <a:off x="3883857" y="3210920"/>
+            <a:ext cx="1015714" cy="742212"/>
+            <a:chOff x="4048061" y="3210920"/>
+            <a:chExt cx="1015714" cy="742212"/>
+          </a:xfrm>
+        </p:grpSpPr>
+        <p:sp>
+          <p:nvSpPr>
+            <p:cNvPr id="40" name="Oval 39">
+              <a:extLst>
+                <a:ext uri="{FF2B5EF4-FFF2-40B4-BE49-F238E27FC236}">
+                  <a16:creationId xmlns:a16="http://schemas.microsoft.com/office/drawing/2014/main" id="{FD4FF503-7584-44B8-D413-2B528AD01BC9}"/>
+                </a:ext>
+              </a:extLst>
+            </p:cNvPr>
+            <p:cNvSpPr/>
+            <p:nvPr/>
+          </p:nvSpPr>
+          <p:spPr>
+            <a:xfrm>
+              <a:off x="4048061" y="3210920"/>
+              <a:ext cx="228600" cy="228600"/>
+            </a:xfrm>
+            <a:prstGeom prst="ellipse">
+              <a:avLst/>
+            </a:prstGeom>
+          </p:spPr>
+          <p:style>
+            <a:lnRef idx="2">
+              <a:schemeClr val="accent1">
+                <a:shade val="15000"/>
+              </a:schemeClr>
+            </a:lnRef>
+            <a:fillRef idx="1">
+              <a:schemeClr val="accent1"/>
+            </a:fillRef>
+            <a:effectRef idx="0">
+              <a:schemeClr val="accent1"/>
+            </a:effectRef>
+            <a:fontRef idx="minor">
+              <a:schemeClr val="lt1"/>
+            </a:fontRef>
+          </p:style>
+          <p:txBody>
+            <a:bodyPr rtlCol="0" anchor="ctr"/>
+            <a:lstStyle/>
+            <a:p>
+              <a:pPr algn="ctr"/>
+              <a:endParaRPr lang="en-US"/>
+            </a:p>
+          </p:txBody>
+        </p:sp>
+        <p:sp>
+          <p:nvSpPr>
+            <p:cNvPr id="43" name="Oval 42">
+              <a:extLst>
+                <a:ext uri="{FF2B5EF4-FFF2-40B4-BE49-F238E27FC236}">
+                  <a16:creationId xmlns:a16="http://schemas.microsoft.com/office/drawing/2014/main" id="{CAD7AF88-7703-B9E0-602A-F6B7E1A523FD}"/>
+                </a:ext>
+              </a:extLst>
+            </p:cNvPr>
+            <p:cNvSpPr/>
+            <p:nvPr/>
+          </p:nvSpPr>
+          <p:spPr>
+            <a:xfrm>
+              <a:off x="4835175" y="3581530"/>
+              <a:ext cx="228600" cy="228600"/>
+            </a:xfrm>
+            <a:prstGeom prst="ellipse">
+              <a:avLst/>
+            </a:prstGeom>
+          </p:spPr>
+          <p:style>
+            <a:lnRef idx="2">
+              <a:schemeClr val="accent1">
+                <a:shade val="15000"/>
+              </a:schemeClr>
+            </a:lnRef>
+            <a:fillRef idx="1">
+              <a:schemeClr val="accent1"/>
+            </a:fillRef>
+            <a:effectRef idx="0">
+              <a:schemeClr val="accent1"/>
+            </a:effectRef>
+            <a:fontRef idx="minor">
+              <a:schemeClr val="lt1"/>
+            </a:fontRef>
+          </p:style>
+          <p:txBody>
+            <a:bodyPr rtlCol="0" anchor="ctr"/>
+            <a:lstStyle/>
+            <a:p>
+              <a:pPr algn="ctr"/>
+              <a:endParaRPr lang="en-US"/>
+            </a:p>
+          </p:txBody>
+        </p:sp>
+        <p:cxnSp>
+          <p:nvCxnSpPr>
+            <p:cNvPr id="48" name="Straight Connector 47">
+              <a:extLst>
+                <a:ext uri="{FF2B5EF4-FFF2-40B4-BE49-F238E27FC236}">
+                  <a16:creationId xmlns:a16="http://schemas.microsoft.com/office/drawing/2014/main" id="{FC7ED3C2-EE7E-35D0-AE9A-A348E097AA81}"/>
+                </a:ext>
+              </a:extLst>
+            </p:cNvPr>
+            <p:cNvCxnSpPr>
+              <a:cxnSpLocks/>
+              <a:stCxn id="40" idx="6"/>
+              <a:endCxn id="43" idx="1"/>
+            </p:cNvCxnSpPr>
+            <p:nvPr/>
+          </p:nvCxnSpPr>
+          <p:spPr>
+            <a:xfrm>
+              <a:off x="4276661" y="3325220"/>
+              <a:ext cx="591992" cy="289788"/>
+            </a:xfrm>
+            <a:prstGeom prst="line">
+              <a:avLst/>
+            </a:prstGeom>
+          </p:spPr>
+          <p:style>
+            <a:lnRef idx="2">
+              <a:schemeClr val="dk1"/>
+            </a:lnRef>
+            <a:fillRef idx="0">
+              <a:schemeClr val="dk1"/>
+            </a:fillRef>
+            <a:effectRef idx="1">
+              <a:schemeClr val="dk1"/>
+            </a:effectRef>
+            <a:fontRef idx="minor">
+              <a:schemeClr val="tx1"/>
+            </a:fontRef>
+          </p:style>
+        </p:cxnSp>
+        <mc:AlternateContent xmlns:mc="http://schemas.openxmlformats.org/markup-compatibility/2006">
+          <mc:Choice xmlns:a14="http://schemas.microsoft.com/office/drawing/2010/main" Requires="a14">
+            <p:sp>
+              <p:nvSpPr>
+                <p:cNvPr id="16" name="Rectangle 15">
+                  <a:extLst>
+                    <a:ext uri="{FF2B5EF4-FFF2-40B4-BE49-F238E27FC236}">
+                      <a16:creationId xmlns:a16="http://schemas.microsoft.com/office/drawing/2014/main" id="{B386699D-D382-47E4-5C43-6D67F3AFBBD4}"/>
+                    </a:ext>
+                  </a:extLst>
+                </p:cNvPr>
+                <p:cNvSpPr/>
+                <p:nvPr/>
+              </p:nvSpPr>
+              <p:spPr>
+                <a:xfrm>
+                  <a:off x="4339878" y="3579060"/>
+                  <a:ext cx="366923" cy="374072"/>
+                </a:xfrm>
+                <a:prstGeom prst="rect">
+                  <a:avLst/>
+                </a:prstGeom>
+                <a:noFill/>
+                <a:ln>
+                  <a:noFill/>
+                </a:ln>
+              </p:spPr>
+              <p:style>
+                <a:lnRef idx="2">
+                  <a:schemeClr val="dk1">
+                    <a:shade val="15000"/>
+                  </a:schemeClr>
+                </a:lnRef>
+                <a:fillRef idx="1">
+                  <a:schemeClr val="dk1"/>
+                </a:fillRef>
+                <a:effectRef idx="0">
+                  <a:schemeClr val="dk1"/>
+                </a:effectRef>
+                <a:fontRef idx="minor">
+                  <a:schemeClr val="lt1"/>
+                </a:fontRef>
+              </p:style>
+              <p:txBody>
+                <a:bodyPr rtlCol="0" anchor="ctr"/>
+                <a:lstStyle/>
+                <a:p>
+                  <a:pPr algn="ctr"/>
+                  <a14:m>
+                    <m:oMathPara xmlns:m="http://schemas.openxmlformats.org/officeDocument/2006/math">
+                      <m:oMathParaPr>
+                        <m:jc m:val="centerGroup"/>
+                      </m:oMathParaPr>
+                      <m:oMath xmlns:m="http://schemas.openxmlformats.org/officeDocument/2006/math">
+                        <m:sSub>
+                          <m:sSubPr>
+                            <m:ctrlPr>
+                              <a:rPr lang="en-US" sz="1100" i="1" smtClean="0">
+                                <a:solidFill>
+                                  <a:schemeClr val="tx1"/>
+                                </a:solidFill>
+                                <a:latin typeface="Cambria Math" panose="02040503050406030204" pitchFamily="18" charset="0"/>
+                              </a:rPr>
+                            </m:ctrlPr>
+                          </m:sSubPr>
+                          <m:e>
+                            <m:r>
+                              <a:rPr lang="en-US" sz="1100" b="0" i="1" smtClean="0">
+                                <a:solidFill>
+                                  <a:schemeClr val="tx1"/>
+                                </a:solidFill>
+                                <a:latin typeface="Cambria Math" panose="02040503050406030204" pitchFamily="18" charset="0"/>
+                              </a:rPr>
+                              <m:t>𝐺</m:t>
+                            </m:r>
+                          </m:e>
+                          <m:sub>
+                            <m:r>
+                              <a:rPr lang="en-US" sz="1100" b="0" i="1" smtClean="0">
+                                <a:solidFill>
+                                  <a:schemeClr val="tx1"/>
+                                </a:solidFill>
+                                <a:latin typeface="Cambria Math" panose="02040503050406030204" pitchFamily="18" charset="0"/>
+                              </a:rPr>
+                              <m:t>𝑚𝐶</m:t>
+                            </m:r>
+                          </m:sub>
+                        </m:sSub>
+                      </m:oMath>
+                    </m:oMathPara>
+                  </a14:m>
+                  <a:endParaRPr lang="en-US" sz="1100" dirty="0">
+                    <a:solidFill>
+                      <a:schemeClr val="tx1"/>
+                    </a:solidFill>
+                  </a:endParaRPr>
+                </a:p>
+              </p:txBody>
+            </p:sp>
+          </mc:Choice>
+          <mc:Fallback>
+            <p:sp>
+              <p:nvSpPr>
+                <p:cNvPr id="16" name="Rectangle 15">
+                  <a:extLst>
+                    <a:ext uri="{FF2B5EF4-FFF2-40B4-BE49-F238E27FC236}">
+                      <a16:creationId xmlns:a16="http://schemas.microsoft.com/office/drawing/2014/main" id="{B386699D-D382-47E4-5C43-6D67F3AFBBD4}"/>
+                    </a:ext>
+                  </a:extLst>
+                </p:cNvPr>
+                <p:cNvSpPr>
+                  <a:spLocks noRot="1" noChangeAspect="1" noMove="1" noResize="1" noEditPoints="1" noAdjustHandles="1" noChangeArrowheads="1" noChangeShapeType="1" noTextEdit="1"/>
+                </p:cNvSpPr>
+                <p:nvPr/>
+              </p:nvSpPr>
+              <p:spPr>
+                <a:xfrm>
+                  <a:off x="4339878" y="3579060"/>
+                  <a:ext cx="366923" cy="374072"/>
+                </a:xfrm>
+                <a:prstGeom prst="rect">
+                  <a:avLst/>
+                </a:prstGeom>
+                <a:blipFill>
+                  <a:blip r:embed="rId10"/>
+                  <a:stretch>
+                    <a:fillRect l="-1667"/>
+                  </a:stretch>
+                </a:blipFill>
+                <a:ln>
+                  <a:noFill/>
+                </a:ln>
+              </p:spPr>
+              <p:txBody>
+                <a:bodyPr/>
+                <a:lstStyle/>
+                <a:p>
+                  <a:r>
+                    <a:rPr lang="en-US">
+                      <a:noFill/>
+                    </a:rPr>
+                    <a:t> </a:t>
+                  </a:r>
+                </a:p>
+              </p:txBody>
+            </p:sp>
+          </mc:Fallback>
+        </mc:AlternateContent>
+      </p:grpSp>
+      <p:grpSp>
+        <p:nvGrpSpPr>
+          <p:cNvPr id="62" name="Group 61">
+            <a:extLst>
+              <a:ext uri="{FF2B5EF4-FFF2-40B4-BE49-F238E27FC236}">
+                <a16:creationId xmlns:a16="http://schemas.microsoft.com/office/drawing/2014/main" id="{16B264EC-7ABA-E0D2-E087-2F5511E47E32}"/>
+              </a:ext>
+            </a:extLst>
+          </p:cNvPr>
+          <p:cNvGrpSpPr/>
+          <p:nvPr/>
+        </p:nvGrpSpPr>
+        <p:grpSpPr>
+          <a:xfrm>
+            <a:off x="3849592" y="870660"/>
+            <a:ext cx="1085851" cy="1145883"/>
+            <a:chOff x="4048061" y="870660"/>
+            <a:chExt cx="1085851" cy="1145883"/>
+          </a:xfrm>
+        </p:grpSpPr>
+        <p:sp>
+          <p:nvSpPr>
+            <p:cNvPr id="39" name="Oval 38">
+              <a:extLst>
+                <a:ext uri="{FF2B5EF4-FFF2-40B4-BE49-F238E27FC236}">
+                  <a16:creationId xmlns:a16="http://schemas.microsoft.com/office/drawing/2014/main" id="{56CA7A70-4C9E-9090-8992-B22CF9578BFA}"/>
+                </a:ext>
+              </a:extLst>
+            </p:cNvPr>
+            <p:cNvSpPr/>
+            <p:nvPr/>
+          </p:nvSpPr>
+          <p:spPr>
+            <a:xfrm>
+              <a:off x="4048061" y="1611878"/>
+              <a:ext cx="228600" cy="228600"/>
+            </a:xfrm>
+            <a:prstGeom prst="ellipse">
+              <a:avLst/>
+            </a:prstGeom>
+          </p:spPr>
+          <p:style>
+            <a:lnRef idx="2">
+              <a:schemeClr val="accent1">
+                <a:shade val="15000"/>
+              </a:schemeClr>
+            </a:lnRef>
+            <a:fillRef idx="1">
+              <a:schemeClr val="accent1"/>
+            </a:fillRef>
+            <a:effectRef idx="0">
+              <a:schemeClr val="accent1"/>
+            </a:effectRef>
+            <a:fontRef idx="minor">
+              <a:schemeClr val="lt1"/>
+            </a:fontRef>
+          </p:style>
+          <p:txBody>
+            <a:bodyPr rtlCol="0" anchor="ctr"/>
+            <a:lstStyle/>
+            <a:p>
+              <a:pPr algn="ctr"/>
+              <a:endParaRPr lang="en-US"/>
+            </a:p>
+          </p:txBody>
+        </p:sp>
+        <p:sp>
+          <p:nvSpPr>
+            <p:cNvPr id="41" name="Oval 40">
+              <a:extLst>
+                <a:ext uri="{FF2B5EF4-FFF2-40B4-BE49-F238E27FC236}">
+                  <a16:creationId xmlns:a16="http://schemas.microsoft.com/office/drawing/2014/main" id="{E27835A0-F48F-3B89-E457-BA5D586F4344}"/>
+                </a:ext>
+              </a:extLst>
+            </p:cNvPr>
+            <p:cNvSpPr/>
+            <p:nvPr/>
+          </p:nvSpPr>
+          <p:spPr>
+            <a:xfrm>
+              <a:off x="4905312" y="1611878"/>
+              <a:ext cx="228600" cy="228600"/>
+            </a:xfrm>
+            <a:prstGeom prst="ellipse">
+              <a:avLst/>
+            </a:prstGeom>
+          </p:spPr>
+          <p:style>
+            <a:lnRef idx="2">
+              <a:schemeClr val="accent1">
+                <a:shade val="15000"/>
+              </a:schemeClr>
+            </a:lnRef>
+            <a:fillRef idx="1">
+              <a:schemeClr val="accent1"/>
+            </a:fillRef>
+            <a:effectRef idx="0">
+              <a:schemeClr val="accent1"/>
+            </a:effectRef>
+            <a:fontRef idx="minor">
+              <a:schemeClr val="lt1"/>
+            </a:fontRef>
+          </p:style>
+          <p:txBody>
+            <a:bodyPr rtlCol="0" anchor="ctr"/>
+            <a:lstStyle/>
+            <a:p>
+              <a:pPr algn="ctr"/>
+              <a:endParaRPr lang="en-US"/>
+            </a:p>
+          </p:txBody>
+        </p:sp>
+        <p:sp>
+          <p:nvSpPr>
+            <p:cNvPr id="42" name="Oval 41">
+              <a:extLst>
+                <a:ext uri="{FF2B5EF4-FFF2-40B4-BE49-F238E27FC236}">
+                  <a16:creationId xmlns:a16="http://schemas.microsoft.com/office/drawing/2014/main" id="{1364F77B-8FF1-9EDF-C374-3A951101D61C}"/>
+                </a:ext>
+              </a:extLst>
+            </p:cNvPr>
+            <p:cNvSpPr/>
+            <p:nvPr/>
+          </p:nvSpPr>
+          <p:spPr>
+            <a:xfrm>
+              <a:off x="4487078" y="870660"/>
+              <a:ext cx="228600" cy="228600"/>
+            </a:xfrm>
+            <a:prstGeom prst="ellipse">
+              <a:avLst/>
+            </a:prstGeom>
+          </p:spPr>
+          <p:style>
+            <a:lnRef idx="2">
+              <a:schemeClr val="accent1">
+                <a:shade val="15000"/>
+              </a:schemeClr>
+            </a:lnRef>
+            <a:fillRef idx="1">
+              <a:schemeClr val="accent1"/>
+            </a:fillRef>
+            <a:effectRef idx="0">
+              <a:schemeClr val="accent1"/>
+            </a:effectRef>
+            <a:fontRef idx="minor">
+              <a:schemeClr val="lt1"/>
+            </a:fontRef>
+          </p:style>
+          <p:txBody>
+            <a:bodyPr rtlCol="0" anchor="ctr"/>
+            <a:lstStyle/>
+            <a:p>
+              <a:pPr algn="ctr"/>
+              <a:endParaRPr lang="en-US"/>
+            </a:p>
+          </p:txBody>
+        </p:sp>
+        <p:cxnSp>
+          <p:nvCxnSpPr>
+            <p:cNvPr id="44" name="Straight Connector 43">
+              <a:extLst>
+                <a:ext uri="{FF2B5EF4-FFF2-40B4-BE49-F238E27FC236}">
+                  <a16:creationId xmlns:a16="http://schemas.microsoft.com/office/drawing/2014/main" id="{FDDD89A7-6B43-D8ED-B194-1BF3CE6238A4}"/>
+                </a:ext>
+              </a:extLst>
+            </p:cNvPr>
+            <p:cNvCxnSpPr>
+              <a:cxnSpLocks/>
+              <a:stCxn id="42" idx="3"/>
+              <a:endCxn id="39" idx="7"/>
+            </p:cNvCxnSpPr>
+            <p:nvPr/>
+          </p:nvCxnSpPr>
+          <p:spPr>
+            <a:xfrm flipH="1">
+              <a:off x="4243183" y="1065782"/>
+              <a:ext cx="277373" cy="579574"/>
+            </a:xfrm>
+            <a:prstGeom prst="line">
+              <a:avLst/>
+            </a:prstGeom>
+          </p:spPr>
+          <p:style>
+            <a:lnRef idx="2">
+              <a:schemeClr val="dk1"/>
+            </a:lnRef>
+            <a:fillRef idx="0">
+              <a:schemeClr val="dk1"/>
+            </a:fillRef>
+            <a:effectRef idx="1">
+              <a:schemeClr val="dk1"/>
+            </a:effectRef>
+            <a:fontRef idx="minor">
+              <a:schemeClr val="tx1"/>
+            </a:fontRef>
+          </p:style>
+        </p:cxnSp>
+        <p:cxnSp>
+          <p:nvCxnSpPr>
+            <p:cNvPr id="45" name="Straight Connector 44">
+              <a:extLst>
+                <a:ext uri="{FF2B5EF4-FFF2-40B4-BE49-F238E27FC236}">
+                  <a16:creationId xmlns:a16="http://schemas.microsoft.com/office/drawing/2014/main" id="{BB579534-0D05-507A-8C05-8C0DDF6BC989}"/>
+                </a:ext>
+              </a:extLst>
+            </p:cNvPr>
+            <p:cNvCxnSpPr>
+              <a:cxnSpLocks/>
+              <a:stCxn id="42" idx="5"/>
+              <a:endCxn id="41" idx="1"/>
+            </p:cNvCxnSpPr>
+            <p:nvPr/>
+          </p:nvCxnSpPr>
+          <p:spPr>
+            <a:xfrm>
+              <a:off x="4682200" y="1065782"/>
+              <a:ext cx="256590" cy="579574"/>
+            </a:xfrm>
+            <a:prstGeom prst="line">
+              <a:avLst/>
+            </a:prstGeom>
+          </p:spPr>
+          <p:style>
+            <a:lnRef idx="2">
+              <a:schemeClr val="dk1"/>
+            </a:lnRef>
+            <a:fillRef idx="0">
+              <a:schemeClr val="dk1"/>
+            </a:fillRef>
+            <a:effectRef idx="1">
+              <a:schemeClr val="dk1"/>
+            </a:effectRef>
+            <a:fontRef idx="minor">
+              <a:schemeClr val="tx1"/>
+            </a:fontRef>
+          </p:style>
+        </p:cxnSp>
+        <p:cxnSp>
+          <p:nvCxnSpPr>
+            <p:cNvPr id="47" name="Straight Connector 46">
+              <a:extLst>
+                <a:ext uri="{FF2B5EF4-FFF2-40B4-BE49-F238E27FC236}">
+                  <a16:creationId xmlns:a16="http://schemas.microsoft.com/office/drawing/2014/main" id="{36EA9433-B3C9-0723-C61A-368F906F5DBE}"/>
+                </a:ext>
+              </a:extLst>
+            </p:cNvPr>
+            <p:cNvCxnSpPr>
+              <a:cxnSpLocks/>
+              <a:stCxn id="39" idx="6"/>
+              <a:endCxn id="41" idx="2"/>
+            </p:cNvCxnSpPr>
+            <p:nvPr/>
+          </p:nvCxnSpPr>
+          <p:spPr>
+            <a:xfrm>
+              <a:off x="4276661" y="1726178"/>
+              <a:ext cx="628651" cy="0"/>
+            </a:xfrm>
+            <a:prstGeom prst="line">
+              <a:avLst/>
+            </a:prstGeom>
+          </p:spPr>
+          <p:style>
+            <a:lnRef idx="2">
+              <a:schemeClr val="dk1"/>
+            </a:lnRef>
+            <a:fillRef idx="0">
+              <a:schemeClr val="dk1"/>
+            </a:fillRef>
+            <a:effectRef idx="1">
+              <a:schemeClr val="dk1"/>
+            </a:effectRef>
+            <a:fontRef idx="minor">
+              <a:schemeClr val="tx1"/>
+            </a:fontRef>
+          </p:style>
+        </p:cxnSp>
+        <mc:AlternateContent xmlns:mc="http://schemas.openxmlformats.org/markup-compatibility/2006">
+          <mc:Choice xmlns:a14="http://schemas.microsoft.com/office/drawing/2010/main" Requires="a14">
+            <p:sp>
+              <p:nvSpPr>
+                <p:cNvPr id="19" name="Rectangle 18">
+                  <a:extLst>
+                    <a:ext uri="{FF2B5EF4-FFF2-40B4-BE49-F238E27FC236}">
+                      <a16:creationId xmlns:a16="http://schemas.microsoft.com/office/drawing/2014/main" id="{0D891DC5-0F30-1730-A20D-51C4DE527893}"/>
+                    </a:ext>
+                  </a:extLst>
+                </p:cNvPr>
+                <p:cNvSpPr/>
+                <p:nvPr/>
+              </p:nvSpPr>
+              <p:spPr>
+                <a:xfrm>
+                  <a:off x="4415283" y="1642471"/>
+                  <a:ext cx="366923" cy="374072"/>
+                </a:xfrm>
+                <a:prstGeom prst="rect">
+                  <a:avLst/>
+                </a:prstGeom>
+                <a:noFill/>
+                <a:ln>
+                  <a:noFill/>
+                </a:ln>
+              </p:spPr>
+              <p:style>
+                <a:lnRef idx="2">
+                  <a:schemeClr val="dk1">
+                    <a:shade val="15000"/>
+                  </a:schemeClr>
+                </a:lnRef>
+                <a:fillRef idx="1">
+                  <a:schemeClr val="dk1"/>
+                </a:fillRef>
+                <a:effectRef idx="0">
+                  <a:schemeClr val="dk1"/>
+                </a:effectRef>
+                <a:fontRef idx="minor">
+                  <a:schemeClr val="lt1"/>
+                </a:fontRef>
+              </p:style>
+              <p:txBody>
+                <a:bodyPr rtlCol="0" anchor="ctr"/>
+                <a:lstStyle/>
+                <a:p>
+                  <a:pPr algn="ctr"/>
+                  <a14:m>
+                    <m:oMathPara xmlns:m="http://schemas.openxmlformats.org/officeDocument/2006/math">
+                      <m:oMathParaPr>
+                        <m:jc m:val="centerGroup"/>
+                      </m:oMathParaPr>
+                      <m:oMath xmlns:m="http://schemas.openxmlformats.org/officeDocument/2006/math">
+                        <m:sSub>
+                          <m:sSubPr>
+                            <m:ctrlPr>
+                              <a:rPr lang="en-US" sz="1100" i="1" smtClean="0">
+                                <a:solidFill>
+                                  <a:schemeClr val="tx1"/>
+                                </a:solidFill>
+                                <a:latin typeface="Cambria Math" panose="02040503050406030204" pitchFamily="18" charset="0"/>
+                              </a:rPr>
+                            </m:ctrlPr>
+                          </m:sSubPr>
+                          <m:e>
+                            <m:r>
+                              <a:rPr lang="en-US" sz="1100" b="0" i="1" smtClean="0">
+                                <a:solidFill>
+                                  <a:schemeClr val="tx1"/>
+                                </a:solidFill>
+                                <a:latin typeface="Cambria Math" panose="02040503050406030204" pitchFamily="18" charset="0"/>
+                              </a:rPr>
+                              <m:t>𝐺</m:t>
+                            </m:r>
+                          </m:e>
+                          <m:sub>
+                            <m:r>
+                              <a:rPr lang="en-US" sz="1100" b="0" i="1" smtClean="0">
+                                <a:solidFill>
+                                  <a:schemeClr val="tx1"/>
+                                </a:solidFill>
+                                <a:latin typeface="Cambria Math" panose="02040503050406030204" pitchFamily="18" charset="0"/>
+                              </a:rPr>
+                              <m:t>1</m:t>
+                            </m:r>
+                          </m:sub>
+                        </m:sSub>
+                      </m:oMath>
+                    </m:oMathPara>
+                  </a14:m>
+                  <a:endParaRPr lang="en-US" sz="1100" dirty="0">
+                    <a:solidFill>
+                      <a:schemeClr val="tx1"/>
+                    </a:solidFill>
+                  </a:endParaRPr>
+                </a:p>
+              </p:txBody>
+            </p:sp>
+          </mc:Choice>
+          <mc:Fallback>
+            <p:sp>
+              <p:nvSpPr>
+                <p:cNvPr id="19" name="Rectangle 18">
+                  <a:extLst>
+                    <a:ext uri="{FF2B5EF4-FFF2-40B4-BE49-F238E27FC236}">
+                      <a16:creationId xmlns:a16="http://schemas.microsoft.com/office/drawing/2014/main" id="{0D891DC5-0F30-1730-A20D-51C4DE527893}"/>
+                    </a:ext>
+                  </a:extLst>
+                </p:cNvPr>
+                <p:cNvSpPr>
+                  <a:spLocks noRot="1" noChangeAspect="1" noMove="1" noResize="1" noEditPoints="1" noAdjustHandles="1" noChangeArrowheads="1" noChangeShapeType="1" noTextEdit="1"/>
+                </p:cNvSpPr>
+                <p:nvPr/>
+              </p:nvSpPr>
+              <p:spPr>
+                <a:xfrm>
+                  <a:off x="4415283" y="1642471"/>
+                  <a:ext cx="366923" cy="374072"/>
+                </a:xfrm>
+                <a:prstGeom prst="rect">
+                  <a:avLst/>
+                </a:prstGeom>
+                <a:blipFill>
+                  <a:blip r:embed="rId11"/>
+                  <a:stretch>
+                    <a:fillRect/>
+                  </a:stretch>
+                </a:blipFill>
+                <a:ln>
+                  <a:noFill/>
+                </a:ln>
+              </p:spPr>
+              <p:txBody>
+                <a:bodyPr/>
+                <a:lstStyle/>
+                <a:p>
+                  <a:r>
+                    <a:rPr lang="en-US">
+                      <a:noFill/>
+                    </a:rPr>
+                    <a:t> </a:t>
+                  </a:r>
+                </a:p>
+              </p:txBody>
+            </p:sp>
+          </mc:Fallback>
+        </mc:AlternateContent>
+      </p:grpSp>
+      <mc:AlternateContent xmlns:mc="http://schemas.openxmlformats.org/markup-compatibility/2006">
+        <mc:Choice xmlns:a14="http://schemas.microsoft.com/office/drawing/2010/main" Requires="a14">
+          <p:sp>
+            <p:nvSpPr>
+              <p:cNvPr id="20" name="Rectangle 19">
+                <a:extLst>
+                  <a:ext uri="{FF2B5EF4-FFF2-40B4-BE49-F238E27FC236}">
+                    <a16:creationId xmlns:a16="http://schemas.microsoft.com/office/drawing/2014/main" id="{F1C29161-6997-9BA3-4D73-0F4A502FB382}"/>
+                  </a:ext>
+                </a:extLst>
+              </p:cNvPr>
+              <p:cNvSpPr/>
+              <p:nvPr/>
+            </p:nvSpPr>
+            <p:spPr>
+              <a:xfrm>
+                <a:off x="8681625" y="1571468"/>
+                <a:ext cx="366923" cy="374072"/>
+              </a:xfrm>
+              <a:prstGeom prst="rect">
+                <a:avLst/>
+              </a:prstGeom>
+              <a:noFill/>
+              <a:ln>
+                <a:noFill/>
+              </a:ln>
+            </p:spPr>
+            <p:style>
+              <a:lnRef idx="2">
+                <a:schemeClr val="dk1">
+                  <a:shade val="15000"/>
+                </a:schemeClr>
+              </a:lnRef>
+              <a:fillRef idx="1">
+                <a:schemeClr val="dk1"/>
+              </a:fillRef>
+              <a:effectRef idx="0">
+                <a:schemeClr val="dk1"/>
+              </a:effectRef>
+              <a:fontRef idx="minor">
+                <a:schemeClr val="lt1"/>
+              </a:fontRef>
+            </p:style>
+            <p:txBody>
+              <a:bodyPr rtlCol="0" anchor="ctr"/>
+              <a:lstStyle/>
+              <a:p>
+                <a:pPr algn="ctr"/>
+                <a14:m>
+                  <m:oMathPara xmlns:m="http://schemas.openxmlformats.org/officeDocument/2006/math">
+                    <m:oMathParaPr>
+                      <m:jc m:val="centerGroup"/>
+                    </m:oMathParaPr>
+                    <m:oMath xmlns:m="http://schemas.openxmlformats.org/officeDocument/2006/math">
+                      <m:acc>
+                        <m:accPr>
+                          <m:chr m:val="̃"/>
+                          <m:ctrlPr>
+                            <a:rPr lang="en-US" sz="1100" i="1" smtClean="0">
+                              <a:solidFill>
+                                <a:schemeClr val="tx1"/>
+                              </a:solidFill>
+                              <a:latin typeface="Cambria Math" panose="02040503050406030204" pitchFamily="18" charset="0"/>
+                            </a:rPr>
+                          </m:ctrlPr>
+                        </m:accPr>
+                        <m:e>
+                          <m:sSub>
+                            <m:sSubPr>
+                              <m:ctrlPr>
+                                <a:rPr lang="en-US" sz="1100" i="1" smtClean="0">
+                                  <a:solidFill>
+                                    <a:schemeClr val="tx1"/>
+                                  </a:solidFill>
+                                  <a:latin typeface="Cambria Math" panose="02040503050406030204" pitchFamily="18" charset="0"/>
+                                </a:rPr>
+                              </m:ctrlPr>
+                            </m:sSubPr>
+                            <m:e>
+                              <m:r>
+                                <a:rPr lang="en-US" sz="1100" b="0" i="1" smtClean="0">
+                                  <a:solidFill>
+                                    <a:schemeClr val="tx1"/>
+                                  </a:solidFill>
+                                  <a:latin typeface="Cambria Math" panose="02040503050406030204" pitchFamily="18" charset="0"/>
+                                </a:rPr>
+                                <m:t>𝐺</m:t>
+                              </m:r>
+                            </m:e>
+                            <m:sub>
+                              <m:r>
+                                <a:rPr lang="en-US" sz="1100" b="0" i="1" smtClean="0">
+                                  <a:solidFill>
+                                    <a:schemeClr val="tx1"/>
+                                  </a:solidFill>
+                                  <a:latin typeface="Cambria Math" panose="02040503050406030204" pitchFamily="18" charset="0"/>
+                                </a:rPr>
+                                <m:t>1</m:t>
+                              </m:r>
+                            </m:sub>
+                          </m:sSub>
+                        </m:e>
+                      </m:acc>
+                    </m:oMath>
+                  </m:oMathPara>
+                </a14:m>
+                <a:endParaRPr lang="en-US" sz="1100" dirty="0">
+                  <a:solidFill>
+                    <a:schemeClr val="tx1"/>
+                  </a:solidFill>
+                </a:endParaRPr>
+              </a:p>
+            </p:txBody>
+          </p:sp>
+        </mc:Choice>
+        <mc:Fallback>
+          <p:sp>
+            <p:nvSpPr>
+              <p:cNvPr id="20" name="Rectangle 19">
+                <a:extLst>
+                  <a:ext uri="{FF2B5EF4-FFF2-40B4-BE49-F238E27FC236}">
+                    <a16:creationId xmlns:a16="http://schemas.microsoft.com/office/drawing/2014/main" id="{F1C29161-6997-9BA3-4D73-0F4A502FB382}"/>
+                  </a:ext>
+                </a:extLst>
+              </p:cNvPr>
+              <p:cNvSpPr>
+                <a:spLocks noRot="1" noChangeAspect="1" noMove="1" noResize="1" noEditPoints="1" noAdjustHandles="1" noChangeArrowheads="1" noChangeShapeType="1" noTextEdit="1"/>
+              </p:cNvSpPr>
+              <p:nvPr/>
+            </p:nvSpPr>
+            <p:spPr>
+              <a:xfrm>
+                <a:off x="8681625" y="1571468"/>
+                <a:ext cx="366923" cy="374072"/>
+              </a:xfrm>
+              <a:prstGeom prst="rect">
+                <a:avLst/>
+              </a:prstGeom>
+              <a:blipFill>
+                <a:blip r:embed="rId12"/>
+                <a:stretch>
+                  <a:fillRect/>
+                </a:stretch>
+              </a:blipFill>
+              <a:ln>
+                <a:noFill/>
+              </a:ln>
+            </p:spPr>
+            <p:txBody>
+              <a:bodyPr/>
+              <a:lstStyle/>
+              <a:p>
+                <a:r>
+                  <a:rPr lang="en-US">
+                    <a:noFill/>
+                  </a:rPr>
+                  <a:t> </a:t>
+                </a:r>
+              </a:p>
+            </p:txBody>
+          </p:sp>
+        </mc:Fallback>
+      </mc:AlternateContent>
+      <p:sp>
+        <p:nvSpPr>
+          <p:cNvPr id="57" name="Oval 56">
+            <a:extLst>
+              <a:ext uri="{FF2B5EF4-FFF2-40B4-BE49-F238E27FC236}">
+                <a16:creationId xmlns:a16="http://schemas.microsoft.com/office/drawing/2014/main" id="{73806BBA-95E9-ED4E-560A-2CF822BCB7BD}"/>
+              </a:ext>
+            </a:extLst>
+          </p:cNvPr>
+          <p:cNvSpPr/>
+          <p:nvPr/>
+        </p:nvSpPr>
+        <p:spPr>
+          <a:xfrm>
+            <a:off x="8277436" y="3691912"/>
+            <a:ext cx="228600" cy="228600"/>
+          </a:xfrm>
+          <a:prstGeom prst="ellipse">
+            <a:avLst/>
+          </a:prstGeom>
+        </p:spPr>
+        <p:style>
+          <a:lnRef idx="2">
+            <a:schemeClr val="accent1">
+              <a:shade val="15000"/>
+            </a:schemeClr>
+          </a:lnRef>
+          <a:fillRef idx="1">
+            <a:schemeClr val="accent1"/>
+          </a:fillRef>
+          <a:effectRef idx="0">
+            <a:schemeClr val="accent1"/>
+          </a:effectRef>
+          <a:fontRef idx="minor">
+            <a:schemeClr val="lt1"/>
+          </a:fontRef>
+        </p:style>
+        <p:txBody>
+          <a:bodyPr rtlCol="0" anchor="ctr"/>
+          <a:lstStyle/>
+          <a:p>
+            <a:pPr algn="ctr"/>
+            <a:endParaRPr lang="en-US"/>
+          </a:p>
+        </p:txBody>
+      </p:sp>
+      <p:sp>
+        <p:nvSpPr>
+          <p:cNvPr id="59" name="Oval 58">
+            <a:extLst>
+              <a:ext uri="{FF2B5EF4-FFF2-40B4-BE49-F238E27FC236}">
+                <a16:creationId xmlns:a16="http://schemas.microsoft.com/office/drawing/2014/main" id="{B441E171-E981-50DE-32B0-C9BFB869A666}"/>
+              </a:ext>
+            </a:extLst>
+          </p:cNvPr>
+          <p:cNvSpPr/>
+          <p:nvPr/>
+        </p:nvSpPr>
+        <p:spPr>
+          <a:xfrm>
+            <a:off x="8716453" y="2950694"/>
+            <a:ext cx="228600" cy="228600"/>
+          </a:xfrm>
+          <a:prstGeom prst="ellipse">
+            <a:avLst/>
+          </a:prstGeom>
+        </p:spPr>
+        <p:style>
+          <a:lnRef idx="2">
+            <a:schemeClr val="accent1">
+              <a:shade val="15000"/>
+            </a:schemeClr>
+          </a:lnRef>
+          <a:fillRef idx="1">
+            <a:schemeClr val="accent1"/>
+          </a:fillRef>
+          <a:effectRef idx="0">
+            <a:schemeClr val="accent1"/>
+          </a:effectRef>
+          <a:fontRef idx="minor">
+            <a:schemeClr val="lt1"/>
+          </a:fontRef>
+        </p:style>
+        <p:txBody>
+          <a:bodyPr rtlCol="0" anchor="ctr"/>
+          <a:lstStyle/>
+          <a:p>
+            <a:pPr algn="ctr"/>
+            <a:endParaRPr lang="en-US"/>
+          </a:p>
+        </p:txBody>
+      </p:sp>
+      <p:cxnSp>
+        <p:nvCxnSpPr>
+          <p:cNvPr id="60" name="Straight Connector 59">
+            <a:extLst>
+              <a:ext uri="{FF2B5EF4-FFF2-40B4-BE49-F238E27FC236}">
+                <a16:creationId xmlns:a16="http://schemas.microsoft.com/office/drawing/2014/main" id="{880CBAA6-AD22-A6E6-D181-E2C4520E6860}"/>
+              </a:ext>
+            </a:extLst>
+          </p:cNvPr>
+          <p:cNvCxnSpPr>
+            <a:cxnSpLocks/>
+            <a:stCxn id="59" idx="3"/>
+            <a:endCxn id="57" idx="7"/>
+          </p:cNvCxnSpPr>
+          <p:nvPr/>
+        </p:nvCxnSpPr>
+        <p:spPr>
+          <a:xfrm flipH="1">
+            <a:off x="8472558" y="3145816"/>
+            <a:ext cx="277373" cy="579574"/>
+          </a:xfrm>
+          <a:prstGeom prst="line">
+            <a:avLst/>
+          </a:prstGeom>
+        </p:spPr>
+        <p:style>
+          <a:lnRef idx="2">
+            <a:schemeClr val="dk1"/>
+          </a:lnRef>
+          <a:fillRef idx="0">
+            <a:schemeClr val="dk1"/>
+          </a:fillRef>
+          <a:effectRef idx="1">
+            <a:schemeClr val="dk1"/>
+          </a:effectRef>
+          <a:fontRef idx="minor">
+            <a:schemeClr val="tx1"/>
+          </a:fontRef>
+        </p:style>
+      </p:cxnSp>
+      <p:cxnSp>
+        <p:nvCxnSpPr>
+          <p:cNvPr id="61" name="Straight Connector 60">
+            <a:extLst>
+              <a:ext uri="{FF2B5EF4-FFF2-40B4-BE49-F238E27FC236}">
+                <a16:creationId xmlns:a16="http://schemas.microsoft.com/office/drawing/2014/main" id="{AE238EE6-0CD7-4DA1-45C3-F8E268DE9A41}"/>
+              </a:ext>
+            </a:extLst>
+          </p:cNvPr>
+          <p:cNvCxnSpPr>
+            <a:cxnSpLocks/>
+            <a:stCxn id="59" idx="5"/>
+          </p:cNvCxnSpPr>
+          <p:nvPr/>
+        </p:nvCxnSpPr>
+        <p:spPr>
+          <a:xfrm>
+            <a:off x="8911575" y="3145816"/>
+            <a:ext cx="256590" cy="579574"/>
+          </a:xfrm>
+          <a:prstGeom prst="line">
+            <a:avLst/>
+          </a:prstGeom>
+        </p:spPr>
+        <p:style>
+          <a:lnRef idx="2">
+            <a:schemeClr val="dk1"/>
+          </a:lnRef>
+          <a:fillRef idx="0">
+            <a:schemeClr val="dk1"/>
+          </a:fillRef>
+          <a:effectRef idx="1">
+            <a:schemeClr val="dk1"/>
+          </a:effectRef>
+          <a:fontRef idx="minor">
+            <a:schemeClr val="tx1"/>
+          </a:fontRef>
+        </p:style>
+      </p:cxnSp>
+      <mc:AlternateContent xmlns:mc="http://schemas.openxmlformats.org/markup-compatibility/2006">
+        <mc:Choice xmlns:a14="http://schemas.microsoft.com/office/drawing/2010/main" Requires="a14">
+          <p:sp>
+            <p:nvSpPr>
+              <p:cNvPr id="23" name="Rectangle 22">
+                <a:extLst>
+                  <a:ext uri="{FF2B5EF4-FFF2-40B4-BE49-F238E27FC236}">
+                    <a16:creationId xmlns:a16="http://schemas.microsoft.com/office/drawing/2014/main" id="{FAAB7AD8-1D98-F443-563F-31B958DC9F7A}"/>
+                  </a:ext>
+                </a:extLst>
+              </p:cNvPr>
+              <p:cNvSpPr/>
+              <p:nvPr/>
+            </p:nvSpPr>
+            <p:spPr>
+              <a:xfrm>
+                <a:off x="8670754" y="3737066"/>
+                <a:ext cx="366923" cy="374072"/>
+              </a:xfrm>
+              <a:prstGeom prst="rect">
+                <a:avLst/>
+              </a:prstGeom>
+              <a:noFill/>
+              <a:ln>
+                <a:noFill/>
+              </a:ln>
+            </p:spPr>
+            <p:style>
+              <a:lnRef idx="2">
+                <a:schemeClr val="dk1">
+                  <a:shade val="15000"/>
+                </a:schemeClr>
+              </a:lnRef>
+              <a:fillRef idx="1">
+                <a:schemeClr val="dk1"/>
+              </a:fillRef>
+              <a:effectRef idx="0">
+                <a:schemeClr val="dk1"/>
+              </a:effectRef>
+              <a:fontRef idx="minor">
+                <a:schemeClr val="lt1"/>
+              </a:fontRef>
+            </p:style>
+            <p:txBody>
+              <a:bodyPr rtlCol="0" anchor="ctr"/>
+              <a:lstStyle/>
+              <a:p>
+                <a:pPr algn="ctr"/>
+                <a14:m>
+                  <m:oMathPara xmlns:m="http://schemas.openxmlformats.org/officeDocument/2006/math">
+                    <m:oMathParaPr>
+                      <m:jc m:val="centerGroup"/>
+                    </m:oMathParaPr>
+                    <m:oMath xmlns:m="http://schemas.openxmlformats.org/officeDocument/2006/math">
+                      <m:sSub>
+                        <m:sSubPr>
+                          <m:ctrlPr>
+                            <a:rPr lang="en-US" sz="1100" i="1" smtClean="0">
+                              <a:solidFill>
+                                <a:schemeClr val="tx1"/>
+                              </a:solidFill>
+                              <a:latin typeface="Cambria Math" panose="02040503050406030204" pitchFamily="18" charset="0"/>
+                            </a:rPr>
+                          </m:ctrlPr>
+                        </m:sSubPr>
+                        <m:e>
+                          <m:acc>
+                            <m:accPr>
+                              <m:chr m:val="̃"/>
+                              <m:ctrlPr>
+                                <a:rPr lang="en-US" sz="1100" i="1" smtClean="0">
+                                  <a:solidFill>
+                                    <a:schemeClr val="tx1"/>
+                                  </a:solidFill>
+                                  <a:latin typeface="Cambria Math" panose="02040503050406030204" pitchFamily="18" charset="0"/>
+                                </a:rPr>
+                              </m:ctrlPr>
+                            </m:accPr>
+                            <m:e>
+                              <m:r>
+                                <a:rPr lang="en-US" sz="1100" b="0" i="1" smtClean="0">
+                                  <a:solidFill>
+                                    <a:schemeClr val="tx1"/>
+                                  </a:solidFill>
+                                  <a:latin typeface="Cambria Math" panose="02040503050406030204" pitchFamily="18" charset="0"/>
+                                </a:rPr>
+                                <m:t>𝐺</m:t>
+                              </m:r>
+                            </m:e>
+                          </m:acc>
+                        </m:e>
+                        <m:sub>
+                          <m:r>
+                            <a:rPr lang="en-US" sz="1100" b="0" i="1" smtClean="0">
+                              <a:solidFill>
+                                <a:schemeClr val="tx1"/>
+                              </a:solidFill>
+                              <a:latin typeface="Cambria Math" panose="02040503050406030204" pitchFamily="18" charset="0"/>
+                            </a:rPr>
+                            <m:t>𝑚𝐶</m:t>
+                          </m:r>
+                        </m:sub>
+                      </m:sSub>
+                    </m:oMath>
+                  </m:oMathPara>
+                </a14:m>
+                <a:endParaRPr lang="en-US" sz="1100" dirty="0">
+                  <a:solidFill>
+                    <a:schemeClr val="tx1"/>
+                  </a:solidFill>
+                </a:endParaRPr>
+              </a:p>
+            </p:txBody>
+          </p:sp>
+        </mc:Choice>
+        <mc:Fallback>
+          <p:sp>
+            <p:nvSpPr>
+              <p:cNvPr id="23" name="Rectangle 22">
+                <a:extLst>
+                  <a:ext uri="{FF2B5EF4-FFF2-40B4-BE49-F238E27FC236}">
+                    <a16:creationId xmlns:a16="http://schemas.microsoft.com/office/drawing/2014/main" id="{FAAB7AD8-1D98-F443-563F-31B958DC9F7A}"/>
+                  </a:ext>
+                </a:extLst>
+              </p:cNvPr>
+              <p:cNvSpPr>
+                <a:spLocks noRot="1" noChangeAspect="1" noMove="1" noResize="1" noEditPoints="1" noAdjustHandles="1" noChangeArrowheads="1" noChangeShapeType="1" noTextEdit="1"/>
+              </p:cNvSpPr>
+              <p:nvPr/>
+            </p:nvSpPr>
+            <p:spPr>
+              <a:xfrm>
+                <a:off x="8670754" y="3737066"/>
+                <a:ext cx="366923" cy="374072"/>
+              </a:xfrm>
+              <a:prstGeom prst="rect">
+                <a:avLst/>
+              </a:prstGeom>
+              <a:blipFill>
+                <a:blip r:embed="rId13"/>
+                <a:stretch>
+                  <a:fillRect/>
+                </a:stretch>
+              </a:blipFill>
+              <a:ln>
+                <a:noFill/>
+              </a:ln>
+            </p:spPr>
+            <p:txBody>
+              <a:bodyPr/>
+              <a:lstStyle/>
+              <a:p>
+                <a:r>
+                  <a:rPr lang="en-US">
+                    <a:noFill/>
+                  </a:rPr>
+                  <a:t> </a:t>
+                </a:r>
+              </a:p>
+            </p:txBody>
+          </p:sp>
+        </mc:Fallback>
+      </mc:AlternateContent>
+      <mc:AlternateContent xmlns:mc="http://schemas.openxmlformats.org/markup-compatibility/2006">
+        <mc:Choice xmlns:a14="http://schemas.microsoft.com/office/drawing/2010/main" Requires="a14">
+          <p:sp>
+            <p:nvSpPr>
+              <p:cNvPr id="28" name="Rectangle 27">
+                <a:extLst>
+                  <a:ext uri="{FF2B5EF4-FFF2-40B4-BE49-F238E27FC236}">
+                    <a16:creationId xmlns:a16="http://schemas.microsoft.com/office/drawing/2014/main" id="{FF5E79BF-515B-B41D-D164-D55B9F6C7B30}"/>
+                  </a:ext>
+                </a:extLst>
+              </p:cNvPr>
+              <p:cNvSpPr/>
+              <p:nvPr/>
+            </p:nvSpPr>
+            <p:spPr>
+              <a:xfrm>
+                <a:off x="5761757" y="1083780"/>
+                <a:ext cx="974147" cy="726791"/>
+              </a:xfrm>
+              <a:prstGeom prst="rect">
+                <a:avLst/>
+              </a:prstGeom>
+            </p:spPr>
+            <p:style>
+              <a:lnRef idx="2">
+                <a:schemeClr val="accent6">
+                  <a:shade val="15000"/>
+                </a:schemeClr>
+              </a:lnRef>
+              <a:fillRef idx="1">
+                <a:schemeClr val="accent6"/>
+              </a:fillRef>
+              <a:effectRef idx="0">
+                <a:schemeClr val="accent6"/>
+              </a:effectRef>
+              <a:fontRef idx="minor">
+                <a:schemeClr val="lt1"/>
+              </a:fontRef>
+            </p:style>
+            <p:txBody>
+              <a:bodyPr rtlCol="0" anchor="ctr"/>
+              <a:lstStyle/>
+              <a:p>
+                <a:pPr algn="ctr"/>
+                <a:r>
+                  <a:rPr lang="en-US" sz="1100" dirty="0">
+                    <a:solidFill>
+                      <a:schemeClr val="tx1"/>
+                    </a:solidFill>
+                    <a:latin typeface="Times New Roman" panose="02020603050405020304" pitchFamily="18" charset="0"/>
+                    <a:cs typeface="Times New Roman" panose="02020603050405020304" pitchFamily="18" charset="0"/>
+                  </a:rPr>
+                  <a:t>Graph Embedding Network </a:t>
+                </a:r>
+              </a:p>
+              <a:p>
+                <a:pPr algn="ctr"/>
+                <a14:m>
+                  <m:oMathPara xmlns:m="http://schemas.openxmlformats.org/officeDocument/2006/math">
+                    <m:oMathParaPr>
+                      <m:jc m:val="centerGroup"/>
+                    </m:oMathParaPr>
+                    <m:oMath xmlns:m="http://schemas.openxmlformats.org/officeDocument/2006/math">
+                      <m:r>
+                        <a:rPr lang="en-US" sz="1100" b="0" i="1" smtClean="0">
+                          <a:solidFill>
+                            <a:schemeClr val="tx1"/>
+                          </a:solidFill>
+                          <a:latin typeface="Cambria Math" panose="02040503050406030204" pitchFamily="18" charset="0"/>
+                          <a:cs typeface="Times New Roman" panose="02020603050405020304" pitchFamily="18" charset="0"/>
+                        </a:rPr>
+                        <m:t>𝑓</m:t>
+                      </m:r>
+                      <m:r>
+                        <a:rPr lang="en-US" sz="1100" b="0" i="1" smtClean="0">
+                          <a:solidFill>
+                            <a:schemeClr val="tx1"/>
+                          </a:solidFill>
+                          <a:latin typeface="Cambria Math" panose="02040503050406030204" pitchFamily="18" charset="0"/>
+                          <a:cs typeface="Times New Roman" panose="02020603050405020304" pitchFamily="18" charset="0"/>
+                        </a:rPr>
+                        <m:t>(</m:t>
+                      </m:r>
+                      <m:r>
+                        <a:rPr lang="en-US" sz="1100" b="0" i="1" smtClean="0">
+                          <a:solidFill>
+                            <a:schemeClr val="tx1"/>
+                          </a:solidFill>
+                          <a:latin typeface="Cambria Math" panose="02040503050406030204" pitchFamily="18" charset="0"/>
+                          <a:cs typeface="Times New Roman" panose="02020603050405020304" pitchFamily="18" charset="0"/>
+                        </a:rPr>
+                        <m:t>𝐺</m:t>
+                      </m:r>
+                      <m:r>
+                        <a:rPr lang="en-US" sz="1100" b="0" i="1" smtClean="0">
+                          <a:solidFill>
+                            <a:schemeClr val="tx1"/>
+                          </a:solidFill>
+                          <a:latin typeface="Cambria Math" panose="02040503050406030204" pitchFamily="18" charset="0"/>
+                          <a:cs typeface="Times New Roman" panose="02020603050405020304" pitchFamily="18" charset="0"/>
+                        </a:rPr>
+                        <m:t>; </m:t>
+                      </m:r>
+                      <m:sSub>
+                        <m:sSubPr>
+                          <m:ctrlPr>
+                            <a:rPr lang="en-US" sz="1100" b="0" i="1" smtClean="0">
+                              <a:solidFill>
+                                <a:schemeClr val="tx1"/>
+                              </a:solidFill>
+                              <a:latin typeface="Cambria Math" panose="02040503050406030204" pitchFamily="18" charset="0"/>
+                              <a:cs typeface="Times New Roman" panose="02020603050405020304" pitchFamily="18" charset="0"/>
+                            </a:rPr>
+                          </m:ctrlPr>
+                        </m:sSubPr>
+                        <m:e>
+                          <m:r>
+                            <m:rPr>
+                              <m:sty m:val="p"/>
+                            </m:rPr>
+                            <a:rPr lang="el-GR" sz="1100" b="0" i="1" smtClean="0">
+                              <a:solidFill>
+                                <a:schemeClr val="tx1"/>
+                              </a:solidFill>
+                              <a:latin typeface="Cambria Math" panose="02040503050406030204" pitchFamily="18" charset="0"/>
+                              <a:ea typeface="Cambria Math" panose="02040503050406030204" pitchFamily="18" charset="0"/>
+                              <a:cs typeface="Times New Roman" panose="02020603050405020304" pitchFamily="18" charset="0"/>
+                            </a:rPr>
+                            <m:t>Ω</m:t>
+                          </m:r>
+                        </m:e>
+                        <m:sub>
+                          <m:r>
+                            <a:rPr lang="en-US" sz="1100" b="0" i="1" smtClean="0">
+                              <a:solidFill>
+                                <a:schemeClr val="tx1"/>
+                              </a:solidFill>
+                              <a:latin typeface="Cambria Math" panose="02040503050406030204" pitchFamily="18" charset="0"/>
+                              <a:cs typeface="Times New Roman" panose="02020603050405020304" pitchFamily="18" charset="0"/>
+                            </a:rPr>
+                            <m:t>𝑓</m:t>
+                          </m:r>
+                        </m:sub>
+                      </m:sSub>
+                      <m:r>
+                        <a:rPr lang="en-US" sz="1100" b="0" i="1" smtClean="0">
+                          <a:solidFill>
+                            <a:schemeClr val="tx1"/>
+                          </a:solidFill>
+                          <a:latin typeface="Cambria Math" panose="02040503050406030204" pitchFamily="18" charset="0"/>
+                          <a:cs typeface="Times New Roman" panose="02020603050405020304" pitchFamily="18" charset="0"/>
+                        </a:rPr>
+                        <m:t>)</m:t>
+                      </m:r>
+                    </m:oMath>
+                  </m:oMathPara>
+                </a14:m>
+                <a:endParaRPr lang="en-US" sz="1100" dirty="0">
+                  <a:solidFill>
+                    <a:schemeClr val="tx1"/>
+                  </a:solidFill>
+                  <a:latin typeface="Times New Roman" panose="02020603050405020304" pitchFamily="18" charset="0"/>
+                  <a:cs typeface="Times New Roman" panose="02020603050405020304" pitchFamily="18" charset="0"/>
+                </a:endParaRPr>
+              </a:p>
+            </p:txBody>
+          </p:sp>
+        </mc:Choice>
+        <mc:Fallback>
+          <p:sp>
+            <p:nvSpPr>
+              <p:cNvPr id="28" name="Rectangle 27">
+                <a:extLst>
+                  <a:ext uri="{FF2B5EF4-FFF2-40B4-BE49-F238E27FC236}">
+                    <a16:creationId xmlns:a16="http://schemas.microsoft.com/office/drawing/2014/main" id="{FF5E79BF-515B-B41D-D164-D55B9F6C7B30}"/>
+                  </a:ext>
+                </a:extLst>
+              </p:cNvPr>
+              <p:cNvSpPr>
+                <a:spLocks noRot="1" noChangeAspect="1" noMove="1" noResize="1" noEditPoints="1" noAdjustHandles="1" noChangeArrowheads="1" noChangeShapeType="1" noTextEdit="1"/>
+              </p:cNvSpPr>
+              <p:nvPr/>
+            </p:nvSpPr>
+            <p:spPr>
+              <a:xfrm>
+                <a:off x="5761757" y="1083780"/>
+                <a:ext cx="974147" cy="726791"/>
+              </a:xfrm>
+              <a:prstGeom prst="rect">
+                <a:avLst/>
+              </a:prstGeom>
+              <a:blipFill>
+                <a:blip r:embed="rId14"/>
+                <a:stretch>
+                  <a:fillRect t="-2459" b="-2459"/>
+                </a:stretch>
+              </a:blipFill>
+            </p:spPr>
+            <p:txBody>
+              <a:bodyPr/>
+              <a:lstStyle/>
+              <a:p>
+                <a:r>
+                  <a:rPr lang="en-US">
+                    <a:noFill/>
+                  </a:rPr>
+                  <a:t> </a:t>
+                </a:r>
+              </a:p>
+            </p:txBody>
+          </p:sp>
+        </mc:Fallback>
+      </mc:AlternateContent>
+      <mc:AlternateContent xmlns:mc="http://schemas.openxmlformats.org/markup-compatibility/2006">
+        <mc:Choice xmlns:a14="http://schemas.microsoft.com/office/drawing/2010/main" Requires="a14">
+          <p:sp>
+            <p:nvSpPr>
+              <p:cNvPr id="29" name="Rectangle 28">
+                <a:extLst>
+                  <a:ext uri="{FF2B5EF4-FFF2-40B4-BE49-F238E27FC236}">
+                    <a16:creationId xmlns:a16="http://schemas.microsoft.com/office/drawing/2014/main" id="{E1F6555F-4863-3544-4677-ECFF3DA25C3D}"/>
+                  </a:ext>
+                </a:extLst>
+              </p:cNvPr>
+              <p:cNvSpPr/>
+              <p:nvPr/>
+            </p:nvSpPr>
+            <p:spPr>
+              <a:xfrm>
+                <a:off x="10188612" y="1083780"/>
+                <a:ext cx="974147" cy="726791"/>
+              </a:xfrm>
+              <a:prstGeom prst="rect">
+                <a:avLst/>
+              </a:prstGeom>
+            </p:spPr>
+            <p:style>
+              <a:lnRef idx="2">
+                <a:schemeClr val="accent6">
+                  <a:shade val="15000"/>
+                </a:schemeClr>
+              </a:lnRef>
+              <a:fillRef idx="1">
+                <a:schemeClr val="accent6"/>
+              </a:fillRef>
+              <a:effectRef idx="0">
+                <a:schemeClr val="accent6"/>
+              </a:effectRef>
+              <a:fontRef idx="minor">
+                <a:schemeClr val="lt1"/>
+              </a:fontRef>
+            </p:style>
+            <p:txBody>
+              <a:bodyPr rtlCol="0" anchor="ctr"/>
+              <a:lstStyle/>
+              <a:p>
+                <a:pPr algn="ctr"/>
+                <a:r>
+                  <a:rPr lang="en-US" sz="1100" dirty="0">
+                    <a:solidFill>
+                      <a:schemeClr val="tx1"/>
+                    </a:solidFill>
+                    <a:latin typeface="Times New Roman" panose="02020603050405020304" pitchFamily="18" charset="0"/>
+                    <a:cs typeface="Times New Roman" panose="02020603050405020304" pitchFamily="18" charset="0"/>
+                  </a:rPr>
+                  <a:t>Graph Embedding Network </a:t>
+                </a:r>
+              </a:p>
+              <a:p>
+                <a:pPr algn="ctr"/>
+                <a14:m>
+                  <m:oMathPara xmlns:m="http://schemas.openxmlformats.org/officeDocument/2006/math">
+                    <m:oMathParaPr>
+                      <m:jc m:val="centerGroup"/>
+                    </m:oMathParaPr>
+                    <m:oMath xmlns:m="http://schemas.openxmlformats.org/officeDocument/2006/math">
+                      <m:r>
+                        <a:rPr lang="en-US" sz="1100" b="0" i="1" smtClean="0">
+                          <a:solidFill>
+                            <a:schemeClr val="tx1"/>
+                          </a:solidFill>
+                          <a:latin typeface="Cambria Math" panose="02040503050406030204" pitchFamily="18" charset="0"/>
+                          <a:cs typeface="Times New Roman" panose="02020603050405020304" pitchFamily="18" charset="0"/>
+                        </a:rPr>
+                        <m:t>𝑓</m:t>
+                      </m:r>
+                      <m:r>
+                        <a:rPr lang="en-US" sz="1100" b="0" i="1" smtClean="0">
+                          <a:solidFill>
+                            <a:schemeClr val="tx1"/>
+                          </a:solidFill>
+                          <a:latin typeface="Cambria Math" panose="02040503050406030204" pitchFamily="18" charset="0"/>
+                          <a:cs typeface="Times New Roman" panose="02020603050405020304" pitchFamily="18" charset="0"/>
+                        </a:rPr>
+                        <m:t>(</m:t>
+                      </m:r>
+                      <m:r>
+                        <a:rPr lang="en-US" sz="1100" b="0" i="1" smtClean="0">
+                          <a:solidFill>
+                            <a:schemeClr val="tx1"/>
+                          </a:solidFill>
+                          <a:latin typeface="Cambria Math" panose="02040503050406030204" pitchFamily="18" charset="0"/>
+                          <a:cs typeface="Times New Roman" panose="02020603050405020304" pitchFamily="18" charset="0"/>
+                        </a:rPr>
+                        <m:t>𝐺</m:t>
+                      </m:r>
+                      <m:r>
+                        <a:rPr lang="en-US" sz="1100" b="0" i="1" smtClean="0">
+                          <a:solidFill>
+                            <a:schemeClr val="tx1"/>
+                          </a:solidFill>
+                          <a:latin typeface="Cambria Math" panose="02040503050406030204" pitchFamily="18" charset="0"/>
+                          <a:cs typeface="Times New Roman" panose="02020603050405020304" pitchFamily="18" charset="0"/>
+                        </a:rPr>
+                        <m:t>; </m:t>
+                      </m:r>
+                      <m:sSub>
+                        <m:sSubPr>
+                          <m:ctrlPr>
+                            <a:rPr lang="en-US" sz="1100" b="0" i="1" smtClean="0">
+                              <a:solidFill>
+                                <a:schemeClr val="tx1"/>
+                              </a:solidFill>
+                              <a:latin typeface="Cambria Math" panose="02040503050406030204" pitchFamily="18" charset="0"/>
+                              <a:cs typeface="Times New Roman" panose="02020603050405020304" pitchFamily="18" charset="0"/>
+                            </a:rPr>
+                          </m:ctrlPr>
+                        </m:sSubPr>
+                        <m:e>
+                          <m:r>
+                            <m:rPr>
+                              <m:sty m:val="p"/>
+                            </m:rPr>
+                            <a:rPr lang="el-GR" sz="1100" b="0" i="1" smtClean="0">
+                              <a:solidFill>
+                                <a:schemeClr val="tx1"/>
+                              </a:solidFill>
+                              <a:latin typeface="Cambria Math" panose="02040503050406030204" pitchFamily="18" charset="0"/>
+                              <a:ea typeface="Cambria Math" panose="02040503050406030204" pitchFamily="18" charset="0"/>
+                              <a:cs typeface="Times New Roman" panose="02020603050405020304" pitchFamily="18" charset="0"/>
+                            </a:rPr>
+                            <m:t>Ω</m:t>
+                          </m:r>
+                        </m:e>
+                        <m:sub>
+                          <m:r>
+                            <a:rPr lang="en-US" sz="1100" b="0" i="1" smtClean="0">
+                              <a:solidFill>
+                                <a:schemeClr val="tx1"/>
+                              </a:solidFill>
+                              <a:latin typeface="Cambria Math" panose="02040503050406030204" pitchFamily="18" charset="0"/>
+                              <a:cs typeface="Times New Roman" panose="02020603050405020304" pitchFamily="18" charset="0"/>
+                            </a:rPr>
+                            <m:t>𝑓</m:t>
+                          </m:r>
+                        </m:sub>
+                      </m:sSub>
+                      <m:r>
+                        <a:rPr lang="en-US" sz="1100" b="0" i="1" smtClean="0">
+                          <a:solidFill>
+                            <a:schemeClr val="tx1"/>
+                          </a:solidFill>
+                          <a:latin typeface="Cambria Math" panose="02040503050406030204" pitchFamily="18" charset="0"/>
+                          <a:cs typeface="Times New Roman" panose="02020603050405020304" pitchFamily="18" charset="0"/>
+                        </a:rPr>
+                        <m:t>)</m:t>
+                      </m:r>
+                    </m:oMath>
+                  </m:oMathPara>
+                </a14:m>
+                <a:endParaRPr lang="en-US" sz="1100" dirty="0">
+                  <a:solidFill>
+                    <a:schemeClr val="tx1"/>
+                  </a:solidFill>
+                  <a:latin typeface="Times New Roman" panose="02020603050405020304" pitchFamily="18" charset="0"/>
+                  <a:cs typeface="Times New Roman" panose="02020603050405020304" pitchFamily="18" charset="0"/>
+                </a:endParaRPr>
+              </a:p>
+            </p:txBody>
+          </p:sp>
+        </mc:Choice>
+        <mc:Fallback>
+          <p:sp>
+            <p:nvSpPr>
+              <p:cNvPr id="29" name="Rectangle 28">
+                <a:extLst>
+                  <a:ext uri="{FF2B5EF4-FFF2-40B4-BE49-F238E27FC236}">
+                    <a16:creationId xmlns:a16="http://schemas.microsoft.com/office/drawing/2014/main" id="{E1F6555F-4863-3544-4677-ECFF3DA25C3D}"/>
+                  </a:ext>
+                </a:extLst>
+              </p:cNvPr>
+              <p:cNvSpPr>
+                <a:spLocks noRot="1" noChangeAspect="1" noMove="1" noResize="1" noEditPoints="1" noAdjustHandles="1" noChangeArrowheads="1" noChangeShapeType="1" noTextEdit="1"/>
+              </p:cNvSpPr>
+              <p:nvPr/>
+            </p:nvSpPr>
+            <p:spPr>
+              <a:xfrm>
+                <a:off x="10188612" y="1083780"/>
+                <a:ext cx="974147" cy="726791"/>
+              </a:xfrm>
+              <a:prstGeom prst="rect">
+                <a:avLst/>
+              </a:prstGeom>
+              <a:blipFill>
+                <a:blip r:embed="rId14"/>
+                <a:stretch>
+                  <a:fillRect t="-2459" b="-2459"/>
+                </a:stretch>
+              </a:blipFill>
+            </p:spPr>
+            <p:txBody>
+              <a:bodyPr/>
+              <a:lstStyle/>
+              <a:p>
+                <a:r>
+                  <a:rPr lang="en-US">
+                    <a:noFill/>
+                  </a:rPr>
+                  <a:t> </a:t>
+                </a:r>
+              </a:p>
+            </p:txBody>
+          </p:sp>
+        </mc:Fallback>
+      </mc:AlternateContent>
+      <mc:AlternateContent xmlns:mc="http://schemas.openxmlformats.org/markup-compatibility/2006">
+        <mc:Choice xmlns:a14="http://schemas.microsoft.com/office/drawing/2010/main" Requires="a14">
+          <p:sp>
+            <p:nvSpPr>
+              <p:cNvPr id="38" name="Rectangle 37">
+                <a:extLst>
+                  <a:ext uri="{FF2B5EF4-FFF2-40B4-BE49-F238E27FC236}">
+                    <a16:creationId xmlns:a16="http://schemas.microsoft.com/office/drawing/2014/main" id="{9E31717F-0482-9F26-26AF-8B40E3CA149A}"/>
+                  </a:ext>
+                </a:extLst>
+              </p:cNvPr>
+              <p:cNvSpPr/>
+              <p:nvPr/>
+            </p:nvSpPr>
+            <p:spPr>
+              <a:xfrm>
+                <a:off x="10217068" y="3096891"/>
+                <a:ext cx="974147" cy="726791"/>
+              </a:xfrm>
+              <a:prstGeom prst="rect">
+                <a:avLst/>
+              </a:prstGeom>
+            </p:spPr>
+            <p:style>
+              <a:lnRef idx="2">
+                <a:schemeClr val="accent6">
+                  <a:shade val="15000"/>
+                </a:schemeClr>
+              </a:lnRef>
+              <a:fillRef idx="1">
+                <a:schemeClr val="accent6"/>
+              </a:fillRef>
+              <a:effectRef idx="0">
+                <a:schemeClr val="accent6"/>
+              </a:effectRef>
+              <a:fontRef idx="minor">
+                <a:schemeClr val="lt1"/>
+              </a:fontRef>
+            </p:style>
+            <p:txBody>
+              <a:bodyPr rtlCol="0" anchor="ctr"/>
+              <a:lstStyle/>
+              <a:p>
+                <a:pPr algn="ctr"/>
+                <a:r>
+                  <a:rPr lang="en-US" sz="1100" dirty="0">
+                    <a:solidFill>
+                      <a:schemeClr val="tx1"/>
+                    </a:solidFill>
+                    <a:latin typeface="Times New Roman" panose="02020603050405020304" pitchFamily="18" charset="0"/>
+                    <a:cs typeface="Times New Roman" panose="02020603050405020304" pitchFamily="18" charset="0"/>
+                  </a:rPr>
+                  <a:t>Graph Embedding Network </a:t>
+                </a:r>
+              </a:p>
+              <a:p>
+                <a:pPr algn="ctr"/>
+                <a14:m>
+                  <m:oMathPara xmlns:m="http://schemas.openxmlformats.org/officeDocument/2006/math">
+                    <m:oMathParaPr>
+                      <m:jc m:val="centerGroup"/>
+                    </m:oMathParaPr>
+                    <m:oMath xmlns:m="http://schemas.openxmlformats.org/officeDocument/2006/math">
+                      <m:r>
+                        <a:rPr lang="en-US" sz="1100" b="0" i="1" smtClean="0">
+                          <a:solidFill>
+                            <a:schemeClr val="tx1"/>
+                          </a:solidFill>
+                          <a:latin typeface="Cambria Math" panose="02040503050406030204" pitchFamily="18" charset="0"/>
+                          <a:cs typeface="Times New Roman" panose="02020603050405020304" pitchFamily="18" charset="0"/>
+                        </a:rPr>
+                        <m:t>𝑓</m:t>
+                      </m:r>
+                      <m:r>
+                        <a:rPr lang="en-US" sz="1100" b="0" i="1" smtClean="0">
+                          <a:solidFill>
+                            <a:schemeClr val="tx1"/>
+                          </a:solidFill>
+                          <a:latin typeface="Cambria Math" panose="02040503050406030204" pitchFamily="18" charset="0"/>
+                          <a:cs typeface="Times New Roman" panose="02020603050405020304" pitchFamily="18" charset="0"/>
+                        </a:rPr>
+                        <m:t>(</m:t>
+                      </m:r>
+                      <m:r>
+                        <a:rPr lang="en-US" sz="1100" b="0" i="1" smtClean="0">
+                          <a:solidFill>
+                            <a:schemeClr val="tx1"/>
+                          </a:solidFill>
+                          <a:latin typeface="Cambria Math" panose="02040503050406030204" pitchFamily="18" charset="0"/>
+                          <a:cs typeface="Times New Roman" panose="02020603050405020304" pitchFamily="18" charset="0"/>
+                        </a:rPr>
+                        <m:t>𝐺</m:t>
+                      </m:r>
+                      <m:r>
+                        <a:rPr lang="en-US" sz="1100" b="0" i="1" smtClean="0">
+                          <a:solidFill>
+                            <a:schemeClr val="tx1"/>
+                          </a:solidFill>
+                          <a:latin typeface="Cambria Math" panose="02040503050406030204" pitchFamily="18" charset="0"/>
+                          <a:cs typeface="Times New Roman" panose="02020603050405020304" pitchFamily="18" charset="0"/>
+                        </a:rPr>
+                        <m:t>; </m:t>
+                      </m:r>
+                      <m:sSub>
+                        <m:sSubPr>
+                          <m:ctrlPr>
+                            <a:rPr lang="en-US" sz="1100" b="0" i="1" smtClean="0">
+                              <a:solidFill>
+                                <a:schemeClr val="tx1"/>
+                              </a:solidFill>
+                              <a:latin typeface="Cambria Math" panose="02040503050406030204" pitchFamily="18" charset="0"/>
+                              <a:cs typeface="Times New Roman" panose="02020603050405020304" pitchFamily="18" charset="0"/>
+                            </a:rPr>
+                          </m:ctrlPr>
+                        </m:sSubPr>
+                        <m:e>
+                          <m:r>
+                            <m:rPr>
+                              <m:sty m:val="p"/>
+                            </m:rPr>
+                            <a:rPr lang="el-GR" sz="1100" b="0" i="1" smtClean="0">
+                              <a:solidFill>
+                                <a:schemeClr val="tx1"/>
+                              </a:solidFill>
+                              <a:latin typeface="Cambria Math" panose="02040503050406030204" pitchFamily="18" charset="0"/>
+                              <a:ea typeface="Cambria Math" panose="02040503050406030204" pitchFamily="18" charset="0"/>
+                              <a:cs typeface="Times New Roman" panose="02020603050405020304" pitchFamily="18" charset="0"/>
+                            </a:rPr>
+                            <m:t>Ω</m:t>
+                          </m:r>
+                        </m:e>
+                        <m:sub>
+                          <m:r>
+                            <a:rPr lang="en-US" sz="1100" b="0" i="1" smtClean="0">
+                              <a:solidFill>
+                                <a:schemeClr val="tx1"/>
+                              </a:solidFill>
+                              <a:latin typeface="Cambria Math" panose="02040503050406030204" pitchFamily="18" charset="0"/>
+                              <a:cs typeface="Times New Roman" panose="02020603050405020304" pitchFamily="18" charset="0"/>
+                            </a:rPr>
+                            <m:t>𝑓</m:t>
+                          </m:r>
+                        </m:sub>
+                      </m:sSub>
+                      <m:r>
+                        <a:rPr lang="en-US" sz="1100" b="0" i="1" smtClean="0">
+                          <a:solidFill>
+                            <a:schemeClr val="tx1"/>
+                          </a:solidFill>
+                          <a:latin typeface="Cambria Math" panose="02040503050406030204" pitchFamily="18" charset="0"/>
+                          <a:cs typeface="Times New Roman" panose="02020603050405020304" pitchFamily="18" charset="0"/>
+                        </a:rPr>
+                        <m:t>)</m:t>
+                      </m:r>
+                    </m:oMath>
+                  </m:oMathPara>
+                </a14:m>
+                <a:endParaRPr lang="en-US" sz="1100" dirty="0">
+                  <a:solidFill>
+                    <a:schemeClr val="tx1"/>
+                  </a:solidFill>
+                  <a:latin typeface="Times New Roman" panose="02020603050405020304" pitchFamily="18" charset="0"/>
+                  <a:cs typeface="Times New Roman" panose="02020603050405020304" pitchFamily="18" charset="0"/>
+                </a:endParaRPr>
+              </a:p>
+            </p:txBody>
+          </p:sp>
+        </mc:Choice>
+        <mc:Fallback>
+          <p:sp>
+            <p:nvSpPr>
+              <p:cNvPr id="38" name="Rectangle 37">
+                <a:extLst>
+                  <a:ext uri="{FF2B5EF4-FFF2-40B4-BE49-F238E27FC236}">
+                    <a16:creationId xmlns:a16="http://schemas.microsoft.com/office/drawing/2014/main" id="{9E31717F-0482-9F26-26AF-8B40E3CA149A}"/>
+                  </a:ext>
+                </a:extLst>
+              </p:cNvPr>
+              <p:cNvSpPr>
+                <a:spLocks noRot="1" noChangeAspect="1" noMove="1" noResize="1" noEditPoints="1" noAdjustHandles="1" noChangeArrowheads="1" noChangeShapeType="1" noTextEdit="1"/>
+              </p:cNvSpPr>
+              <p:nvPr/>
+            </p:nvSpPr>
+            <p:spPr>
+              <a:xfrm>
+                <a:off x="10217068" y="3096891"/>
+                <a:ext cx="974147" cy="726791"/>
+              </a:xfrm>
+              <a:prstGeom prst="rect">
+                <a:avLst/>
+              </a:prstGeom>
+              <a:blipFill>
+                <a:blip r:embed="rId15"/>
+                <a:stretch>
+                  <a:fillRect t="-2459" b="-3279"/>
+                </a:stretch>
+              </a:blipFill>
+            </p:spPr>
+            <p:txBody>
+              <a:bodyPr/>
+              <a:lstStyle/>
+              <a:p>
+                <a:r>
+                  <a:rPr lang="en-US">
+                    <a:noFill/>
+                  </a:rPr>
+                  <a:t> </a:t>
+                </a:r>
+              </a:p>
+            </p:txBody>
+          </p:sp>
+        </mc:Fallback>
+      </mc:AlternateContent>
+      <mc:AlternateContent xmlns:mc="http://schemas.openxmlformats.org/markup-compatibility/2006">
+        <mc:Choice xmlns:a14="http://schemas.microsoft.com/office/drawing/2010/main" Requires="a14">
+          <p:sp>
+            <p:nvSpPr>
+              <p:cNvPr id="46" name="Rectangle 45">
+                <a:extLst>
+                  <a:ext uri="{FF2B5EF4-FFF2-40B4-BE49-F238E27FC236}">
+                    <a16:creationId xmlns:a16="http://schemas.microsoft.com/office/drawing/2014/main" id="{C5DE4984-3E3E-C931-D2C7-7726ADDFEA58}"/>
+                  </a:ext>
+                </a:extLst>
+              </p:cNvPr>
+              <p:cNvSpPr/>
+              <p:nvPr/>
+            </p:nvSpPr>
+            <p:spPr>
+              <a:xfrm>
+                <a:off x="5686183" y="3092678"/>
+                <a:ext cx="974147" cy="726791"/>
+              </a:xfrm>
+              <a:prstGeom prst="rect">
+                <a:avLst/>
+              </a:prstGeom>
+            </p:spPr>
+            <p:style>
+              <a:lnRef idx="2">
+                <a:schemeClr val="accent6">
+                  <a:shade val="15000"/>
+                </a:schemeClr>
+              </a:lnRef>
+              <a:fillRef idx="1">
+                <a:schemeClr val="accent6"/>
+              </a:fillRef>
+              <a:effectRef idx="0">
+                <a:schemeClr val="accent6"/>
+              </a:effectRef>
+              <a:fontRef idx="minor">
+                <a:schemeClr val="lt1"/>
+              </a:fontRef>
+            </p:style>
+            <p:txBody>
+              <a:bodyPr rtlCol="0" anchor="ctr"/>
+              <a:lstStyle/>
+              <a:p>
+                <a:pPr algn="ctr"/>
+                <a:r>
+                  <a:rPr lang="en-US" sz="1100" dirty="0">
+                    <a:solidFill>
+                      <a:schemeClr val="tx1"/>
+                    </a:solidFill>
+                    <a:latin typeface="Times New Roman" panose="02020603050405020304" pitchFamily="18" charset="0"/>
+                    <a:cs typeface="Times New Roman" panose="02020603050405020304" pitchFamily="18" charset="0"/>
+                  </a:rPr>
+                  <a:t>Graph Embedding Network </a:t>
+                </a:r>
+              </a:p>
+              <a:p>
+                <a:pPr algn="ctr"/>
+                <a14:m>
+                  <m:oMathPara xmlns:m="http://schemas.openxmlformats.org/officeDocument/2006/math">
+                    <m:oMathParaPr>
+                      <m:jc m:val="centerGroup"/>
+                    </m:oMathParaPr>
+                    <m:oMath xmlns:m="http://schemas.openxmlformats.org/officeDocument/2006/math">
+                      <m:r>
+                        <a:rPr lang="en-US" sz="1100" b="0" i="1" smtClean="0">
+                          <a:solidFill>
+                            <a:schemeClr val="tx1"/>
+                          </a:solidFill>
+                          <a:latin typeface="Cambria Math" panose="02040503050406030204" pitchFamily="18" charset="0"/>
+                          <a:cs typeface="Times New Roman" panose="02020603050405020304" pitchFamily="18" charset="0"/>
+                        </a:rPr>
+                        <m:t>𝑓</m:t>
+                      </m:r>
+                      <m:r>
+                        <a:rPr lang="en-US" sz="1100" b="0" i="1" smtClean="0">
+                          <a:solidFill>
+                            <a:schemeClr val="tx1"/>
+                          </a:solidFill>
+                          <a:latin typeface="Cambria Math" panose="02040503050406030204" pitchFamily="18" charset="0"/>
+                          <a:cs typeface="Times New Roman" panose="02020603050405020304" pitchFamily="18" charset="0"/>
+                        </a:rPr>
+                        <m:t>(</m:t>
+                      </m:r>
+                      <m:r>
+                        <a:rPr lang="en-US" sz="1100" b="0" i="1" smtClean="0">
+                          <a:solidFill>
+                            <a:schemeClr val="tx1"/>
+                          </a:solidFill>
+                          <a:latin typeface="Cambria Math" panose="02040503050406030204" pitchFamily="18" charset="0"/>
+                          <a:cs typeface="Times New Roman" panose="02020603050405020304" pitchFamily="18" charset="0"/>
+                        </a:rPr>
+                        <m:t>𝐺</m:t>
+                      </m:r>
+                      <m:r>
+                        <a:rPr lang="en-US" sz="1100" b="0" i="1" smtClean="0">
+                          <a:solidFill>
+                            <a:schemeClr val="tx1"/>
+                          </a:solidFill>
+                          <a:latin typeface="Cambria Math" panose="02040503050406030204" pitchFamily="18" charset="0"/>
+                          <a:cs typeface="Times New Roman" panose="02020603050405020304" pitchFamily="18" charset="0"/>
+                        </a:rPr>
+                        <m:t>; </m:t>
+                      </m:r>
+                      <m:sSub>
+                        <m:sSubPr>
+                          <m:ctrlPr>
+                            <a:rPr lang="en-US" sz="1100" b="0" i="1" smtClean="0">
+                              <a:solidFill>
+                                <a:schemeClr val="tx1"/>
+                              </a:solidFill>
+                              <a:latin typeface="Cambria Math" panose="02040503050406030204" pitchFamily="18" charset="0"/>
+                              <a:cs typeface="Times New Roman" panose="02020603050405020304" pitchFamily="18" charset="0"/>
+                            </a:rPr>
+                          </m:ctrlPr>
+                        </m:sSubPr>
+                        <m:e>
+                          <m:r>
+                            <m:rPr>
+                              <m:sty m:val="p"/>
+                            </m:rPr>
+                            <a:rPr lang="el-GR" sz="1100" b="0" i="1" smtClean="0">
+                              <a:solidFill>
+                                <a:schemeClr val="tx1"/>
+                              </a:solidFill>
+                              <a:latin typeface="Cambria Math" panose="02040503050406030204" pitchFamily="18" charset="0"/>
+                              <a:ea typeface="Cambria Math" panose="02040503050406030204" pitchFamily="18" charset="0"/>
+                              <a:cs typeface="Times New Roman" panose="02020603050405020304" pitchFamily="18" charset="0"/>
+                            </a:rPr>
+                            <m:t>Ω</m:t>
+                          </m:r>
+                        </m:e>
+                        <m:sub>
+                          <m:r>
+                            <a:rPr lang="en-US" sz="1100" b="0" i="1" smtClean="0">
+                              <a:solidFill>
+                                <a:schemeClr val="tx1"/>
+                              </a:solidFill>
+                              <a:latin typeface="Cambria Math" panose="02040503050406030204" pitchFamily="18" charset="0"/>
+                              <a:cs typeface="Times New Roman" panose="02020603050405020304" pitchFamily="18" charset="0"/>
+                            </a:rPr>
+                            <m:t>𝑓</m:t>
+                          </m:r>
+                        </m:sub>
+                      </m:sSub>
+                      <m:r>
+                        <a:rPr lang="en-US" sz="1100" b="0" i="1" smtClean="0">
+                          <a:solidFill>
+                            <a:schemeClr val="tx1"/>
+                          </a:solidFill>
+                          <a:latin typeface="Cambria Math" panose="02040503050406030204" pitchFamily="18" charset="0"/>
+                          <a:cs typeface="Times New Roman" panose="02020603050405020304" pitchFamily="18" charset="0"/>
+                        </a:rPr>
+                        <m:t>)</m:t>
+                      </m:r>
+                    </m:oMath>
+                  </m:oMathPara>
+                </a14:m>
+                <a:endParaRPr lang="en-US" sz="1100" dirty="0">
+                  <a:solidFill>
+                    <a:schemeClr val="tx1"/>
+                  </a:solidFill>
+                  <a:latin typeface="Times New Roman" panose="02020603050405020304" pitchFamily="18" charset="0"/>
+                  <a:cs typeface="Times New Roman" panose="02020603050405020304" pitchFamily="18" charset="0"/>
+                </a:endParaRPr>
+              </a:p>
+            </p:txBody>
+          </p:sp>
+        </mc:Choice>
+        <mc:Fallback>
+          <p:sp>
+            <p:nvSpPr>
+              <p:cNvPr id="46" name="Rectangle 45">
+                <a:extLst>
+                  <a:ext uri="{FF2B5EF4-FFF2-40B4-BE49-F238E27FC236}">
+                    <a16:creationId xmlns:a16="http://schemas.microsoft.com/office/drawing/2014/main" id="{C5DE4984-3E3E-C931-D2C7-7726ADDFEA58}"/>
+                  </a:ext>
+                </a:extLst>
+              </p:cNvPr>
+              <p:cNvSpPr>
+                <a:spLocks noRot="1" noChangeAspect="1" noMove="1" noResize="1" noEditPoints="1" noAdjustHandles="1" noChangeArrowheads="1" noChangeShapeType="1" noTextEdit="1"/>
+              </p:cNvSpPr>
+              <p:nvPr/>
+            </p:nvSpPr>
+            <p:spPr>
+              <a:xfrm>
+                <a:off x="5686183" y="3092678"/>
+                <a:ext cx="974147" cy="726791"/>
+              </a:xfrm>
+              <a:prstGeom prst="rect">
+                <a:avLst/>
+              </a:prstGeom>
+              <a:blipFill>
+                <a:blip r:embed="rId16"/>
+                <a:stretch>
+                  <a:fillRect t="-2439" b="-2439"/>
+                </a:stretch>
+              </a:blipFill>
+            </p:spPr>
+            <p:txBody>
+              <a:bodyPr/>
+              <a:lstStyle/>
+              <a:p>
+                <a:r>
+                  <a:rPr lang="en-US">
+                    <a:noFill/>
+                  </a:rPr>
+                  <a:t> </a:t>
+                </a:r>
+              </a:p>
+            </p:txBody>
+          </p:sp>
+        </mc:Fallback>
+      </mc:AlternateContent>
+      <mc:AlternateContent xmlns:mc="http://schemas.openxmlformats.org/markup-compatibility/2006">
+        <mc:Choice xmlns:a14="http://schemas.microsoft.com/office/drawing/2010/main" Requires="a14">
+          <p:sp>
+            <p:nvSpPr>
+              <p:cNvPr id="49" name="Rectangle 48">
+                <a:extLst>
+                  <a:ext uri="{FF2B5EF4-FFF2-40B4-BE49-F238E27FC236}">
+                    <a16:creationId xmlns:a16="http://schemas.microsoft.com/office/drawing/2014/main" id="{5E769B8F-B4EC-B9C1-769A-D0D44F1D689A}"/>
+                  </a:ext>
+                </a:extLst>
+              </p:cNvPr>
+              <p:cNvSpPr/>
+              <p:nvPr/>
+            </p:nvSpPr>
+            <p:spPr>
+              <a:xfrm>
+                <a:off x="2217435" y="3092162"/>
+                <a:ext cx="974147" cy="731520"/>
+              </a:xfrm>
+              <a:prstGeom prst="rect">
+                <a:avLst/>
+              </a:prstGeom>
+            </p:spPr>
+            <p:style>
+              <a:lnRef idx="2">
+                <a:schemeClr val="accent2">
+                  <a:shade val="15000"/>
+                </a:schemeClr>
+              </a:lnRef>
+              <a:fillRef idx="1">
+                <a:schemeClr val="accent2"/>
+              </a:fillRef>
+              <a:effectRef idx="0">
+                <a:schemeClr val="accent2"/>
+              </a:effectRef>
+              <a:fontRef idx="minor">
+                <a:schemeClr val="lt1"/>
+              </a:fontRef>
+            </p:style>
+            <p:txBody>
+              <a:bodyPr rtlCol="0" anchor="ctr"/>
+              <a:lstStyle/>
+              <a:p>
+                <a:pPr algn="ctr"/>
+                <a:r>
+                  <a:rPr lang="en-US" sz="1100" dirty="0">
+                    <a:solidFill>
+                      <a:schemeClr val="tx1"/>
+                    </a:solidFill>
+                    <a:latin typeface="Times New Roman" panose="02020603050405020304" pitchFamily="18" charset="0"/>
+                    <a:cs typeface="Times New Roman" panose="02020603050405020304" pitchFamily="18" charset="0"/>
+                  </a:rPr>
+                  <a:t>Graph Masking Network</a:t>
+                </a:r>
+                <a14:m>
+                  <m:oMath xmlns:m="http://schemas.openxmlformats.org/officeDocument/2006/math">
+                    <m:r>
+                      <m:rPr>
+                        <m:sty m:val="p"/>
+                      </m:rPr>
+                      <a:rPr lang="en-US" sz="1100" b="0" i="0" smtClean="0">
+                        <a:solidFill>
+                          <a:schemeClr val="tx1"/>
+                        </a:solidFill>
+                        <a:latin typeface="Cambria Math" panose="02040503050406030204" pitchFamily="18" charset="0"/>
+                        <a:cs typeface="Times New Roman" panose="02020603050405020304" pitchFamily="18" charset="0"/>
+                      </a:rPr>
+                      <m:t>nn</m:t>
+                    </m:r>
+                    <m:r>
+                      <a:rPr lang="en-US" sz="1100" b="0" i="1" smtClean="0">
+                        <a:solidFill>
+                          <a:schemeClr val="tx1"/>
+                        </a:solidFill>
+                        <a:latin typeface="Cambria Math" panose="02040503050406030204" pitchFamily="18" charset="0"/>
+                        <a:cs typeface="Times New Roman" panose="02020603050405020304" pitchFamily="18" charset="0"/>
+                      </a:rPr>
+                      <m:t>(</m:t>
+                    </m:r>
+                    <m:r>
+                      <a:rPr lang="en-US" sz="1100" b="0" i="1" smtClean="0">
+                        <a:solidFill>
+                          <a:schemeClr val="tx1"/>
+                        </a:solidFill>
+                        <a:latin typeface="Cambria Math" panose="02040503050406030204" pitchFamily="18" charset="0"/>
+                        <a:cs typeface="Times New Roman" panose="02020603050405020304" pitchFamily="18" charset="0"/>
+                      </a:rPr>
+                      <m:t>𝐺</m:t>
+                    </m:r>
+                    <m:r>
+                      <a:rPr lang="en-US" sz="1100" b="0" i="1" smtClean="0">
+                        <a:solidFill>
+                          <a:schemeClr val="tx1"/>
+                        </a:solidFill>
+                        <a:latin typeface="Cambria Math" panose="02040503050406030204" pitchFamily="18" charset="0"/>
+                        <a:cs typeface="Times New Roman" panose="02020603050405020304" pitchFamily="18" charset="0"/>
+                      </a:rPr>
+                      <m:t>; </m:t>
+                    </m:r>
+                    <m:sSub>
+                      <m:sSubPr>
+                        <m:ctrlPr>
+                          <a:rPr lang="en-US" sz="1100" b="0" i="1" smtClean="0">
+                            <a:solidFill>
+                              <a:schemeClr val="tx1"/>
+                            </a:solidFill>
+                            <a:latin typeface="Cambria Math" panose="02040503050406030204" pitchFamily="18" charset="0"/>
+                            <a:cs typeface="Times New Roman" panose="02020603050405020304" pitchFamily="18" charset="0"/>
+                          </a:rPr>
+                        </m:ctrlPr>
+                      </m:sSubPr>
+                      <m:e>
+                        <m:r>
+                          <m:rPr>
+                            <m:sty m:val="p"/>
+                          </m:rPr>
+                          <a:rPr lang="el-GR" sz="1100" b="0" i="1" smtClean="0">
+                            <a:solidFill>
+                              <a:schemeClr val="tx1"/>
+                            </a:solidFill>
+                            <a:latin typeface="Cambria Math" panose="02040503050406030204" pitchFamily="18" charset="0"/>
+                            <a:ea typeface="Cambria Math" panose="02040503050406030204" pitchFamily="18" charset="0"/>
+                            <a:cs typeface="Times New Roman" panose="02020603050405020304" pitchFamily="18" charset="0"/>
+                          </a:rPr>
+                          <m:t>Ω</m:t>
+                        </m:r>
+                      </m:e>
+                      <m:sub>
+                        <m:r>
+                          <m:rPr>
+                            <m:nor/>
+                          </m:rPr>
+                          <a:rPr lang="en-US" sz="1100" b="0" i="0" smtClean="0">
+                            <a:solidFill>
+                              <a:schemeClr val="tx1"/>
+                            </a:solidFill>
+                            <a:latin typeface="Cambria Math" panose="02040503050406030204" pitchFamily="18" charset="0"/>
+                            <a:cs typeface="Times New Roman" panose="02020603050405020304" pitchFamily="18" charset="0"/>
+                          </a:rPr>
+                          <m:t>nn</m:t>
+                        </m:r>
+                      </m:sub>
+                    </m:sSub>
+                    <m:r>
+                      <a:rPr lang="en-US" sz="1100" b="0" i="1" smtClean="0">
+                        <a:solidFill>
+                          <a:schemeClr val="tx1"/>
+                        </a:solidFill>
+                        <a:latin typeface="Cambria Math" panose="02040503050406030204" pitchFamily="18" charset="0"/>
+                        <a:cs typeface="Times New Roman" panose="02020603050405020304" pitchFamily="18" charset="0"/>
+                      </a:rPr>
+                      <m:t>, </m:t>
+                    </m:r>
+                    <m:sSub>
+                      <m:sSubPr>
+                        <m:ctrlPr>
+                          <a:rPr lang="en-US" sz="1100" b="0" i="1" smtClean="0">
+                            <a:solidFill>
+                              <a:schemeClr val="tx1"/>
+                            </a:solidFill>
+                            <a:latin typeface="Cambria Math" panose="02040503050406030204" pitchFamily="18" charset="0"/>
+                            <a:cs typeface="Times New Roman" panose="02020603050405020304" pitchFamily="18" charset="0"/>
+                          </a:rPr>
+                        </m:ctrlPr>
+                      </m:sSubPr>
+                      <m:e>
+                        <m:r>
+                          <a:rPr lang="en-US" sz="1100" b="0" i="1" smtClean="0">
+                            <a:solidFill>
+                              <a:schemeClr val="tx1"/>
+                            </a:solidFill>
+                            <a:latin typeface="Cambria Math" panose="02040503050406030204" pitchFamily="18" charset="0"/>
+                            <a:cs typeface="Times New Roman" panose="02020603050405020304" pitchFamily="18" charset="0"/>
+                          </a:rPr>
+                          <m:t>𝑝</m:t>
+                        </m:r>
+                      </m:e>
+                      <m:sub>
+                        <m:r>
+                          <a:rPr lang="en-US" sz="1100" b="0" i="1" smtClean="0">
+                            <a:solidFill>
+                              <a:schemeClr val="tx1"/>
+                            </a:solidFill>
+                            <a:latin typeface="Cambria Math" panose="02040503050406030204" pitchFamily="18" charset="0"/>
+                            <a:cs typeface="Times New Roman" panose="02020603050405020304" pitchFamily="18" charset="0"/>
+                          </a:rPr>
+                          <m:t>𝑘</m:t>
+                        </m:r>
+                      </m:sub>
+                    </m:sSub>
+                    <m:r>
+                      <a:rPr lang="en-US" sz="1100" b="0" i="1" smtClean="0">
+                        <a:solidFill>
+                          <a:schemeClr val="tx1"/>
+                        </a:solidFill>
+                        <a:latin typeface="Cambria Math" panose="02040503050406030204" pitchFamily="18" charset="0"/>
+                        <a:cs typeface="Times New Roman" panose="02020603050405020304" pitchFamily="18" charset="0"/>
+                      </a:rPr>
+                      <m:t>)</m:t>
+                    </m:r>
+                  </m:oMath>
+                </a14:m>
+                <a:endParaRPr lang="en-US" sz="1100" dirty="0">
+                  <a:solidFill>
+                    <a:schemeClr val="tx1"/>
+                  </a:solidFill>
+                  <a:latin typeface="Times New Roman" panose="02020603050405020304" pitchFamily="18" charset="0"/>
+                  <a:cs typeface="Times New Roman" panose="02020603050405020304" pitchFamily="18" charset="0"/>
+                </a:endParaRPr>
+              </a:p>
+            </p:txBody>
+          </p:sp>
+        </mc:Choice>
+        <mc:Fallback>
+          <p:sp>
+            <p:nvSpPr>
+              <p:cNvPr id="49" name="Rectangle 48">
+                <a:extLst>
+                  <a:ext uri="{FF2B5EF4-FFF2-40B4-BE49-F238E27FC236}">
+                    <a16:creationId xmlns:a16="http://schemas.microsoft.com/office/drawing/2014/main" id="{5E769B8F-B4EC-B9C1-769A-D0D44F1D689A}"/>
+                  </a:ext>
+                </a:extLst>
+              </p:cNvPr>
+              <p:cNvSpPr>
+                <a:spLocks noRot="1" noChangeAspect="1" noMove="1" noResize="1" noEditPoints="1" noAdjustHandles="1" noChangeArrowheads="1" noChangeShapeType="1" noTextEdit="1"/>
+              </p:cNvSpPr>
+              <p:nvPr/>
+            </p:nvSpPr>
+            <p:spPr>
+              <a:xfrm>
+                <a:off x="2217435" y="3092162"/>
+                <a:ext cx="974147" cy="731520"/>
+              </a:xfrm>
+              <a:prstGeom prst="rect">
+                <a:avLst/>
+              </a:prstGeom>
+              <a:blipFill>
+                <a:blip r:embed="rId17"/>
+                <a:stretch>
+                  <a:fillRect t="-813" r="-1840" b="-3252"/>
+                </a:stretch>
+              </a:blipFill>
+            </p:spPr>
+            <p:txBody>
+              <a:bodyPr/>
+              <a:lstStyle/>
+              <a:p>
+                <a:r>
+                  <a:rPr lang="en-US">
+                    <a:noFill/>
+                  </a:rPr>
+                  <a:t> </a:t>
+                </a:r>
+              </a:p>
+            </p:txBody>
+          </p:sp>
+        </mc:Fallback>
+      </mc:AlternateContent>
+      <mc:AlternateContent xmlns:mc="http://schemas.openxmlformats.org/markup-compatibility/2006">
+        <mc:Choice xmlns:a14="http://schemas.microsoft.com/office/drawing/2010/main" Requires="a14">
+          <p:sp>
+            <p:nvSpPr>
+              <p:cNvPr id="123" name="Rectangle 122">
+                <a:extLst>
+                  <a:ext uri="{FF2B5EF4-FFF2-40B4-BE49-F238E27FC236}">
+                    <a16:creationId xmlns:a16="http://schemas.microsoft.com/office/drawing/2014/main" id="{88DE5C3E-3FD8-56B3-2757-D08A01F74C20}"/>
+                  </a:ext>
+                </a:extLst>
+              </p:cNvPr>
+              <p:cNvSpPr/>
+              <p:nvPr/>
+            </p:nvSpPr>
+            <p:spPr>
+              <a:xfrm>
+                <a:off x="1776311" y="4661749"/>
+                <a:ext cx="457200" cy="457200"/>
+              </a:xfrm>
+              <a:prstGeom prst="rect">
+                <a:avLst/>
+              </a:prstGeom>
+              <a:noFill/>
+            </p:spPr>
+            <p:style>
+              <a:lnRef idx="2">
+                <a:schemeClr val="dk1">
+                  <a:shade val="15000"/>
+                </a:schemeClr>
+              </a:lnRef>
+              <a:fillRef idx="1">
+                <a:schemeClr val="dk1"/>
+              </a:fillRef>
+              <a:effectRef idx="0">
+                <a:schemeClr val="dk1"/>
+              </a:effectRef>
+              <a:fontRef idx="minor">
+                <a:schemeClr val="lt1"/>
+              </a:fontRef>
+            </p:style>
+            <p:txBody>
+              <a:bodyPr rtlCol="0" anchor="ctr"/>
+              <a:lstStyle/>
+              <a:p>
+                <a:pPr algn="ctr"/>
+                <a14:m>
+                  <m:oMathPara xmlns:m="http://schemas.openxmlformats.org/officeDocument/2006/math">
+                    <m:oMathParaPr>
+                      <m:jc m:val="centerGroup"/>
+                    </m:oMathParaPr>
+                    <m:oMath xmlns:m="http://schemas.openxmlformats.org/officeDocument/2006/math">
+                      <m:r>
+                        <a:rPr lang="en-US" sz="1100" b="0" i="1" smtClean="0">
+                          <a:solidFill>
+                            <a:schemeClr val="tx1"/>
+                          </a:solidFill>
+                          <a:latin typeface="Cambria Math" panose="02040503050406030204" pitchFamily="18" charset="0"/>
+                          <a:cs typeface="Times New Roman" panose="02020603050405020304" pitchFamily="18" charset="0"/>
+                        </a:rPr>
+                        <m:t> </m:t>
+                      </m:r>
+                      <m:sSub>
+                        <m:sSubPr>
+                          <m:ctrlPr>
+                            <a:rPr lang="en-US" sz="1100" b="0" i="1" smtClean="0">
+                              <a:solidFill>
+                                <a:schemeClr val="tx1"/>
+                              </a:solidFill>
+                              <a:latin typeface="Cambria Math" panose="02040503050406030204" pitchFamily="18" charset="0"/>
+                            </a:rPr>
+                          </m:ctrlPr>
+                        </m:sSubPr>
+                        <m:e>
+                          <m:acc>
+                            <m:accPr>
+                              <m:chr m:val="̂"/>
+                              <m:ctrlPr>
+                                <a:rPr lang="en-US" sz="1100" b="0" i="1" smtClean="0">
+                                  <a:solidFill>
+                                    <a:schemeClr val="tx1"/>
+                                  </a:solidFill>
+                                  <a:latin typeface="Cambria Math" panose="02040503050406030204" pitchFamily="18" charset="0"/>
+                                </a:rPr>
+                              </m:ctrlPr>
+                            </m:accPr>
+                            <m:e>
+                              <m:r>
+                                <a:rPr lang="en-US" sz="1100" b="0" i="1" smtClean="0">
+                                  <a:solidFill>
+                                    <a:schemeClr val="tx1"/>
+                                  </a:solidFill>
+                                  <a:latin typeface="Cambria Math" panose="02040503050406030204" pitchFamily="18" charset="0"/>
+                                </a:rPr>
+                                <m:t>𝑝</m:t>
+                              </m:r>
+                            </m:e>
+                          </m:acc>
+                        </m:e>
+                        <m:sub>
+                          <m:r>
+                            <a:rPr lang="en-US" sz="1100" b="0" i="1" smtClean="0">
+                              <a:solidFill>
+                                <a:schemeClr val="tx1"/>
+                              </a:solidFill>
+                              <a:latin typeface="Cambria Math" panose="02040503050406030204" pitchFamily="18" charset="0"/>
+                            </a:rPr>
+                            <m:t>𝐺</m:t>
+                          </m:r>
+                        </m:sub>
+                      </m:sSub>
+                    </m:oMath>
+                  </m:oMathPara>
+                </a14:m>
+                <a:endParaRPr lang="en-US" sz="1100" dirty="0">
+                  <a:solidFill>
+                    <a:schemeClr val="tx1"/>
+                  </a:solidFill>
+                  <a:latin typeface="Times New Roman" panose="02020603050405020304" pitchFamily="18" charset="0"/>
+                  <a:cs typeface="Times New Roman" panose="02020603050405020304" pitchFamily="18" charset="0"/>
+                </a:endParaRPr>
+              </a:p>
+            </p:txBody>
+          </p:sp>
+        </mc:Choice>
+        <mc:Fallback>
+          <p:sp>
+            <p:nvSpPr>
+              <p:cNvPr id="123" name="Rectangle 122">
+                <a:extLst>
+                  <a:ext uri="{FF2B5EF4-FFF2-40B4-BE49-F238E27FC236}">
+                    <a16:creationId xmlns:a16="http://schemas.microsoft.com/office/drawing/2014/main" id="{88DE5C3E-3FD8-56B3-2757-D08A01F74C20}"/>
+                  </a:ext>
+                </a:extLst>
+              </p:cNvPr>
+              <p:cNvSpPr>
+                <a:spLocks noRot="1" noChangeAspect="1" noMove="1" noResize="1" noEditPoints="1" noAdjustHandles="1" noChangeArrowheads="1" noChangeShapeType="1" noTextEdit="1"/>
+              </p:cNvSpPr>
+              <p:nvPr/>
+            </p:nvSpPr>
+            <p:spPr>
+              <a:xfrm>
+                <a:off x="1776311" y="4661749"/>
+                <a:ext cx="457200" cy="457200"/>
+              </a:xfrm>
+              <a:prstGeom prst="rect">
+                <a:avLst/>
+              </a:prstGeom>
+              <a:blipFill>
+                <a:blip r:embed="rId18"/>
+                <a:stretch>
+                  <a:fillRect/>
+                </a:stretch>
+              </a:blipFill>
+            </p:spPr>
+            <p:txBody>
+              <a:bodyPr/>
+              <a:lstStyle/>
+              <a:p>
+                <a:r>
+                  <a:rPr lang="en-US">
+                    <a:noFill/>
+                  </a:rPr>
+                  <a:t> </a:t>
+                </a:r>
+              </a:p>
+            </p:txBody>
+          </p:sp>
+        </mc:Fallback>
+      </mc:AlternateContent>
+      <p:sp>
+        <p:nvSpPr>
+          <p:cNvPr id="128" name="Rectangle 127">
+            <a:extLst>
+              <a:ext uri="{FF2B5EF4-FFF2-40B4-BE49-F238E27FC236}">
+                <a16:creationId xmlns:a16="http://schemas.microsoft.com/office/drawing/2014/main" id="{8326E4AC-634A-A3D9-C849-9BEF55D356E9}"/>
+              </a:ext>
+            </a:extLst>
+          </p:cNvPr>
+          <p:cNvSpPr/>
+          <p:nvPr/>
+        </p:nvSpPr>
+        <p:spPr>
+          <a:xfrm rot="16200000">
+            <a:off x="3051743" y="4661749"/>
+            <a:ext cx="457200" cy="457200"/>
+          </a:xfrm>
+          <a:prstGeom prst="rect">
+            <a:avLst/>
+          </a:prstGeom>
+          <a:noFill/>
+          <a:ln>
+            <a:noFill/>
+          </a:ln>
+        </p:spPr>
+        <p:style>
+          <a:lnRef idx="2">
+            <a:schemeClr val="accent1">
+              <a:shade val="15000"/>
+            </a:schemeClr>
+          </a:lnRef>
+          <a:fillRef idx="1">
+            <a:schemeClr val="accent1"/>
+          </a:fillRef>
+          <a:effectRef idx="0">
+            <a:schemeClr val="accent1"/>
+          </a:effectRef>
+          <a:fontRef idx="minor">
+            <a:schemeClr val="lt1"/>
+          </a:fontRef>
+        </p:style>
+        <p:txBody>
+          <a:bodyPr rtlCol="0" anchor="ctr"/>
+          <a:lstStyle/>
+          <a:p>
+            <a:pPr algn="ctr"/>
+            <a:r>
+              <a:rPr lang="en-US" sz="1100" dirty="0">
+                <a:solidFill>
+                  <a:schemeClr val="tx1"/>
+                </a:solidFill>
+              </a:rPr>
+              <a:t>.</a:t>
+            </a:r>
+          </a:p>
+          <a:p>
+            <a:pPr algn="ctr"/>
+            <a:r>
+              <a:rPr lang="en-US" sz="1100" dirty="0">
+                <a:solidFill>
+                  <a:schemeClr val="tx1"/>
+                </a:solidFill>
+              </a:rPr>
+              <a:t>.</a:t>
+            </a:r>
+          </a:p>
+          <a:p>
+            <a:pPr algn="ctr"/>
+            <a:r>
+              <a:rPr lang="en-US" sz="1100" dirty="0">
+                <a:solidFill>
+                  <a:schemeClr val="tx1"/>
+                </a:solidFill>
+              </a:rPr>
+              <a:t>.</a:t>
+            </a:r>
+          </a:p>
+        </p:txBody>
+      </p:sp>
+      <mc:AlternateContent xmlns:mc="http://schemas.openxmlformats.org/markup-compatibility/2006">
+        <mc:Choice xmlns:a14="http://schemas.microsoft.com/office/drawing/2010/main" Requires="a14">
+          <p:sp>
+            <p:nvSpPr>
+              <p:cNvPr id="129" name="Rectangle 128">
+                <a:extLst>
+                  <a:ext uri="{FF2B5EF4-FFF2-40B4-BE49-F238E27FC236}">
+                    <a16:creationId xmlns:a16="http://schemas.microsoft.com/office/drawing/2014/main" id="{6AEEDD00-2AA4-AEE1-533A-871BEC47FD2E}"/>
+                  </a:ext>
+                </a:extLst>
+              </p:cNvPr>
+              <p:cNvSpPr/>
+              <p:nvPr/>
+            </p:nvSpPr>
+            <p:spPr>
+              <a:xfrm>
+                <a:off x="2414027" y="4661749"/>
+                <a:ext cx="457200" cy="457200"/>
+              </a:xfrm>
+              <a:prstGeom prst="rect">
+                <a:avLst/>
+              </a:prstGeom>
+              <a:noFill/>
+            </p:spPr>
+            <p:style>
+              <a:lnRef idx="2">
+                <a:schemeClr val="dk1">
+                  <a:shade val="15000"/>
+                </a:schemeClr>
+              </a:lnRef>
+              <a:fillRef idx="1">
+                <a:schemeClr val="dk1"/>
+              </a:fillRef>
+              <a:effectRef idx="0">
+                <a:schemeClr val="dk1"/>
+              </a:effectRef>
+              <a:fontRef idx="minor">
+                <a:schemeClr val="lt1"/>
+              </a:fontRef>
+            </p:style>
+            <p:txBody>
+              <a:bodyPr rtlCol="0" anchor="ctr"/>
+              <a:lstStyle/>
+              <a:p>
+                <a:pPr algn="ctr"/>
+                <a14:m>
+                  <m:oMathPara xmlns:m="http://schemas.openxmlformats.org/officeDocument/2006/math">
+                    <m:oMathParaPr>
+                      <m:jc m:val="centerGroup"/>
+                    </m:oMathParaPr>
+                    <m:oMath xmlns:m="http://schemas.openxmlformats.org/officeDocument/2006/math">
+                      <m:sSub>
+                        <m:sSubPr>
+                          <m:ctrlPr>
+                            <a:rPr lang="en-US" sz="1100" i="1" smtClean="0">
+                              <a:solidFill>
+                                <a:schemeClr val="tx1"/>
+                              </a:solidFill>
+                              <a:latin typeface="Cambria Math" panose="02040503050406030204" pitchFamily="18" charset="0"/>
+                              <a:cs typeface="Times New Roman" panose="02020603050405020304" pitchFamily="18" charset="0"/>
+                            </a:rPr>
+                          </m:ctrlPr>
+                        </m:sSubPr>
+                        <m:e>
+                          <m:acc>
+                            <m:accPr>
+                              <m:chr m:val="̂"/>
+                              <m:ctrlPr>
+                                <a:rPr lang="en-US" sz="1100" b="0" i="1" smtClean="0">
+                                  <a:solidFill>
+                                    <a:schemeClr val="tx1"/>
+                                  </a:solidFill>
+                                  <a:latin typeface="Cambria Math" panose="02040503050406030204" pitchFamily="18" charset="0"/>
+                                  <a:cs typeface="Times New Roman" panose="02020603050405020304" pitchFamily="18" charset="0"/>
+                                </a:rPr>
+                              </m:ctrlPr>
+                            </m:accPr>
+                            <m:e>
+                              <m:r>
+                                <a:rPr lang="en-US" sz="1100" b="0" i="1" smtClean="0">
+                                  <a:solidFill>
+                                    <a:schemeClr val="tx1"/>
+                                  </a:solidFill>
+                                  <a:latin typeface="Cambria Math" panose="02040503050406030204" pitchFamily="18" charset="0"/>
+                                  <a:cs typeface="Times New Roman" panose="02020603050405020304" pitchFamily="18" charset="0"/>
+                                </a:rPr>
+                                <m:t>𝑝</m:t>
+                              </m:r>
+                            </m:e>
+                          </m:acc>
+                        </m:e>
+                        <m:sub>
+                          <m:sSub>
+                            <m:sSubPr>
+                              <m:ctrlPr>
+                                <a:rPr lang="en-US" sz="1100" i="1" smtClean="0">
+                                  <a:solidFill>
+                                    <a:schemeClr val="tx1"/>
+                                  </a:solidFill>
+                                  <a:latin typeface="Cambria Math" panose="02040503050406030204" pitchFamily="18" charset="0"/>
+                                  <a:cs typeface="Times New Roman" panose="02020603050405020304" pitchFamily="18" charset="0"/>
+                                </a:rPr>
+                              </m:ctrlPr>
+                            </m:sSubPr>
+                            <m:e>
+                              <m:r>
+                                <a:rPr lang="en-US" sz="1100" b="0" i="1" smtClean="0">
+                                  <a:solidFill>
+                                    <a:schemeClr val="tx1"/>
+                                  </a:solidFill>
+                                  <a:latin typeface="Cambria Math" panose="02040503050406030204" pitchFamily="18" charset="0"/>
+                                  <a:cs typeface="Times New Roman" panose="02020603050405020304" pitchFamily="18" charset="0"/>
+                                </a:rPr>
+                                <m:t>𝐺</m:t>
+                              </m:r>
+                            </m:e>
+                            <m:sub>
+                              <m:r>
+                                <a:rPr lang="en-US" sz="1100" b="0" i="1" smtClean="0">
+                                  <a:solidFill>
+                                    <a:schemeClr val="tx1"/>
+                                  </a:solidFill>
+                                  <a:latin typeface="Cambria Math" panose="02040503050406030204" pitchFamily="18" charset="0"/>
+                                  <a:cs typeface="Times New Roman" panose="02020603050405020304" pitchFamily="18" charset="0"/>
+                                </a:rPr>
+                                <m:t>1</m:t>
+                              </m:r>
+                            </m:sub>
+                          </m:sSub>
+                        </m:sub>
+                      </m:sSub>
+                    </m:oMath>
+                  </m:oMathPara>
+                </a14:m>
+                <a:endParaRPr lang="en-US" sz="1100" dirty="0">
+                  <a:solidFill>
+                    <a:schemeClr val="tx1"/>
+                  </a:solidFill>
+                  <a:latin typeface="Times New Roman" panose="02020603050405020304" pitchFamily="18" charset="0"/>
+                  <a:cs typeface="Times New Roman" panose="02020603050405020304" pitchFamily="18" charset="0"/>
+                </a:endParaRPr>
+              </a:p>
+            </p:txBody>
+          </p:sp>
+        </mc:Choice>
+        <mc:Fallback>
+          <p:sp>
+            <p:nvSpPr>
+              <p:cNvPr id="129" name="Rectangle 128">
+                <a:extLst>
+                  <a:ext uri="{FF2B5EF4-FFF2-40B4-BE49-F238E27FC236}">
+                    <a16:creationId xmlns:a16="http://schemas.microsoft.com/office/drawing/2014/main" id="{6AEEDD00-2AA4-AEE1-533A-871BEC47FD2E}"/>
+                  </a:ext>
+                </a:extLst>
+              </p:cNvPr>
+              <p:cNvSpPr>
+                <a:spLocks noRot="1" noChangeAspect="1" noMove="1" noResize="1" noEditPoints="1" noAdjustHandles="1" noChangeArrowheads="1" noChangeShapeType="1" noTextEdit="1"/>
+              </p:cNvSpPr>
+              <p:nvPr/>
+            </p:nvSpPr>
+            <p:spPr>
+              <a:xfrm>
+                <a:off x="2414027" y="4661749"/>
+                <a:ext cx="457200" cy="457200"/>
+              </a:xfrm>
+              <a:prstGeom prst="rect">
+                <a:avLst/>
+              </a:prstGeom>
+              <a:blipFill>
+                <a:blip r:embed="rId4"/>
+                <a:stretch>
+                  <a:fillRect/>
+                </a:stretch>
+              </a:blipFill>
+            </p:spPr>
+            <p:txBody>
+              <a:bodyPr/>
+              <a:lstStyle/>
+              <a:p>
+                <a:r>
+                  <a:rPr lang="en-US">
+                    <a:noFill/>
+                  </a:rPr>
+                  <a:t> </a:t>
+                </a:r>
+              </a:p>
+            </p:txBody>
+          </p:sp>
+        </mc:Fallback>
+      </mc:AlternateContent>
+      <mc:AlternateContent xmlns:mc="http://schemas.openxmlformats.org/markup-compatibility/2006">
+        <mc:Choice xmlns:a14="http://schemas.microsoft.com/office/drawing/2010/main" Requires="a14">
+          <p:sp>
+            <p:nvSpPr>
+              <p:cNvPr id="130" name="Rectangle 129">
+                <a:extLst>
+                  <a:ext uri="{FF2B5EF4-FFF2-40B4-BE49-F238E27FC236}">
+                    <a16:creationId xmlns:a16="http://schemas.microsoft.com/office/drawing/2014/main" id="{E62D196C-0607-C2CE-9C81-E4ED7DFB2B63}"/>
+                  </a:ext>
+                </a:extLst>
+              </p:cNvPr>
+              <p:cNvSpPr/>
+              <p:nvPr/>
+            </p:nvSpPr>
+            <p:spPr>
+              <a:xfrm>
+                <a:off x="3689459" y="4661749"/>
+                <a:ext cx="457200" cy="457200"/>
+              </a:xfrm>
+              <a:prstGeom prst="rect">
+                <a:avLst/>
+              </a:prstGeom>
+              <a:noFill/>
+            </p:spPr>
+            <p:style>
+              <a:lnRef idx="2">
+                <a:schemeClr val="dk1">
+                  <a:shade val="15000"/>
+                </a:schemeClr>
+              </a:lnRef>
+              <a:fillRef idx="1">
+                <a:schemeClr val="dk1"/>
+              </a:fillRef>
+              <a:effectRef idx="0">
+                <a:schemeClr val="dk1"/>
+              </a:effectRef>
+              <a:fontRef idx="minor">
+                <a:schemeClr val="lt1"/>
+              </a:fontRef>
+            </p:style>
+            <p:txBody>
+              <a:bodyPr rtlCol="0" anchor="ctr"/>
+              <a:lstStyle/>
+              <a:p>
+                <a:pPr algn="ctr"/>
+                <a14:m>
+                  <m:oMathPara xmlns:m="http://schemas.openxmlformats.org/officeDocument/2006/math">
+                    <m:oMathParaPr>
+                      <m:jc m:val="centerGroup"/>
+                    </m:oMathParaPr>
+                    <m:oMath xmlns:m="http://schemas.openxmlformats.org/officeDocument/2006/math">
+                      <m:sSub>
+                        <m:sSubPr>
+                          <m:ctrlPr>
+                            <a:rPr lang="en-US" sz="1100" i="1" smtClean="0">
+                              <a:solidFill>
+                                <a:schemeClr val="tx1"/>
+                              </a:solidFill>
+                              <a:latin typeface="Cambria Math" panose="02040503050406030204" pitchFamily="18" charset="0"/>
+                              <a:cs typeface="Times New Roman" panose="02020603050405020304" pitchFamily="18" charset="0"/>
+                            </a:rPr>
+                          </m:ctrlPr>
+                        </m:sSubPr>
+                        <m:e>
+                          <m:acc>
+                            <m:accPr>
+                              <m:chr m:val="̂"/>
+                              <m:ctrlPr>
+                                <a:rPr lang="en-US" sz="1100" b="0" i="1" smtClean="0">
+                                  <a:solidFill>
+                                    <a:schemeClr val="tx1"/>
+                                  </a:solidFill>
+                                  <a:latin typeface="Cambria Math" panose="02040503050406030204" pitchFamily="18" charset="0"/>
+                                  <a:cs typeface="Times New Roman" panose="02020603050405020304" pitchFamily="18" charset="0"/>
+                                </a:rPr>
+                              </m:ctrlPr>
+                            </m:accPr>
+                            <m:e>
+                              <m:r>
+                                <a:rPr lang="en-US" sz="1100" b="0" i="1" smtClean="0">
+                                  <a:solidFill>
+                                    <a:schemeClr val="tx1"/>
+                                  </a:solidFill>
+                                  <a:latin typeface="Cambria Math" panose="02040503050406030204" pitchFamily="18" charset="0"/>
+                                  <a:cs typeface="Times New Roman" panose="02020603050405020304" pitchFamily="18" charset="0"/>
+                                </a:rPr>
+                                <m:t>𝑝</m:t>
+                              </m:r>
+                            </m:e>
+                          </m:acc>
+                        </m:e>
+                        <m:sub>
+                          <m:sSub>
+                            <m:sSubPr>
+                              <m:ctrlPr>
+                                <a:rPr lang="en-US" sz="1100" i="1" smtClean="0">
+                                  <a:solidFill>
+                                    <a:schemeClr val="tx1"/>
+                                  </a:solidFill>
+                                  <a:latin typeface="Cambria Math" panose="02040503050406030204" pitchFamily="18" charset="0"/>
+                                  <a:cs typeface="Times New Roman" panose="02020603050405020304" pitchFamily="18" charset="0"/>
+                                </a:rPr>
+                              </m:ctrlPr>
+                            </m:sSubPr>
+                            <m:e>
+                              <m:r>
+                                <a:rPr lang="en-US" sz="1100" b="0" i="1" smtClean="0">
+                                  <a:solidFill>
+                                    <a:schemeClr val="tx1"/>
+                                  </a:solidFill>
+                                  <a:latin typeface="Cambria Math" panose="02040503050406030204" pitchFamily="18" charset="0"/>
+                                  <a:cs typeface="Times New Roman" panose="02020603050405020304" pitchFamily="18" charset="0"/>
+                                </a:rPr>
+                                <m:t>𝐺</m:t>
+                              </m:r>
+                            </m:e>
+                            <m:sub>
+                              <m:r>
+                                <a:rPr lang="en-US" sz="1100" b="0" i="1" smtClean="0">
+                                  <a:solidFill>
+                                    <a:schemeClr val="tx1"/>
+                                  </a:solidFill>
+                                  <a:latin typeface="Cambria Math" panose="02040503050406030204" pitchFamily="18" charset="0"/>
+                                  <a:cs typeface="Times New Roman" panose="02020603050405020304" pitchFamily="18" charset="0"/>
+                                </a:rPr>
+                                <m:t>𝑚𝐶</m:t>
+                              </m:r>
+                            </m:sub>
+                          </m:sSub>
+                        </m:sub>
+                      </m:sSub>
+                    </m:oMath>
+                  </m:oMathPara>
+                </a14:m>
+                <a:endParaRPr lang="en-US" sz="1100" dirty="0">
+                  <a:solidFill>
+                    <a:schemeClr val="tx1"/>
+                  </a:solidFill>
+                  <a:latin typeface="Times New Roman" panose="02020603050405020304" pitchFamily="18" charset="0"/>
+                  <a:cs typeface="Times New Roman" panose="02020603050405020304" pitchFamily="18" charset="0"/>
+                </a:endParaRPr>
+              </a:p>
+            </p:txBody>
+          </p:sp>
+        </mc:Choice>
+        <mc:Fallback>
+          <p:sp>
+            <p:nvSpPr>
+              <p:cNvPr id="130" name="Rectangle 129">
+                <a:extLst>
+                  <a:ext uri="{FF2B5EF4-FFF2-40B4-BE49-F238E27FC236}">
+                    <a16:creationId xmlns:a16="http://schemas.microsoft.com/office/drawing/2014/main" id="{E62D196C-0607-C2CE-9C81-E4ED7DFB2B63}"/>
+                  </a:ext>
+                </a:extLst>
+              </p:cNvPr>
+              <p:cNvSpPr>
+                <a:spLocks noRot="1" noChangeAspect="1" noMove="1" noResize="1" noEditPoints="1" noAdjustHandles="1" noChangeArrowheads="1" noChangeShapeType="1" noTextEdit="1"/>
+              </p:cNvSpPr>
+              <p:nvPr/>
+            </p:nvSpPr>
+            <p:spPr>
+              <a:xfrm>
+                <a:off x="3689459" y="4661749"/>
+                <a:ext cx="457200" cy="457200"/>
+              </a:xfrm>
+              <a:prstGeom prst="rect">
+                <a:avLst/>
+              </a:prstGeom>
+              <a:blipFill>
+                <a:blip r:embed="rId19"/>
+                <a:stretch>
+                  <a:fillRect/>
+                </a:stretch>
+              </a:blipFill>
+            </p:spPr>
+            <p:txBody>
+              <a:bodyPr/>
+              <a:lstStyle/>
+              <a:p>
+                <a:r>
+                  <a:rPr lang="en-US">
+                    <a:noFill/>
+                  </a:rPr>
+                  <a:t> </a:t>
+                </a:r>
+              </a:p>
+            </p:txBody>
+          </p:sp>
+        </mc:Fallback>
+      </mc:AlternateContent>
+      <p:sp>
+        <p:nvSpPr>
+          <p:cNvPr id="131" name="Rectangle 130">
+            <a:extLst>
+              <a:ext uri="{FF2B5EF4-FFF2-40B4-BE49-F238E27FC236}">
+                <a16:creationId xmlns:a16="http://schemas.microsoft.com/office/drawing/2014/main" id="{58842B47-98D5-E21F-DAE6-794435B11E10}"/>
+              </a:ext>
+            </a:extLst>
+          </p:cNvPr>
+          <p:cNvSpPr/>
+          <p:nvPr/>
+        </p:nvSpPr>
+        <p:spPr>
+          <a:xfrm rot="16200000">
+            <a:off x="5602607" y="4661750"/>
+            <a:ext cx="457200" cy="457200"/>
+          </a:xfrm>
+          <a:prstGeom prst="rect">
+            <a:avLst/>
+          </a:prstGeom>
+          <a:noFill/>
+          <a:ln>
+            <a:noFill/>
+          </a:ln>
+        </p:spPr>
+        <p:style>
+          <a:lnRef idx="2">
+            <a:schemeClr val="accent1">
+              <a:shade val="15000"/>
+            </a:schemeClr>
+          </a:lnRef>
+          <a:fillRef idx="1">
+            <a:schemeClr val="accent1"/>
+          </a:fillRef>
+          <a:effectRef idx="0">
+            <a:schemeClr val="accent1"/>
+          </a:effectRef>
+          <a:fontRef idx="minor">
+            <a:schemeClr val="lt1"/>
+          </a:fontRef>
+        </p:style>
+        <p:txBody>
+          <a:bodyPr rtlCol="0" anchor="ctr"/>
+          <a:lstStyle/>
+          <a:p>
+            <a:pPr algn="ctr"/>
+            <a:r>
+              <a:rPr lang="en-US" sz="1100" dirty="0">
+                <a:solidFill>
+                  <a:schemeClr val="tx1"/>
+                </a:solidFill>
+              </a:rPr>
+              <a:t>.</a:t>
+            </a:r>
+          </a:p>
+          <a:p>
+            <a:pPr algn="ctr"/>
+            <a:r>
+              <a:rPr lang="en-US" sz="1100" dirty="0">
+                <a:solidFill>
+                  <a:schemeClr val="tx1"/>
+                </a:solidFill>
+              </a:rPr>
+              <a:t>.</a:t>
+            </a:r>
+          </a:p>
+          <a:p>
+            <a:pPr algn="ctr"/>
+            <a:r>
+              <a:rPr lang="en-US" sz="1100" dirty="0">
+                <a:solidFill>
+                  <a:schemeClr val="tx1"/>
+                </a:solidFill>
+              </a:rPr>
+              <a:t>.</a:t>
+            </a:r>
+          </a:p>
+        </p:txBody>
+      </p:sp>
+      <mc:AlternateContent xmlns:mc="http://schemas.openxmlformats.org/markup-compatibility/2006">
+        <mc:Choice xmlns:a14="http://schemas.microsoft.com/office/drawing/2010/main" Requires="a14">
+          <p:sp>
+            <p:nvSpPr>
+              <p:cNvPr id="132" name="Rectangle 131">
+                <a:extLst>
+                  <a:ext uri="{FF2B5EF4-FFF2-40B4-BE49-F238E27FC236}">
+                    <a16:creationId xmlns:a16="http://schemas.microsoft.com/office/drawing/2014/main" id="{D41E2D31-10C9-5BEB-3230-3E58668E7991}"/>
+                  </a:ext>
+                </a:extLst>
+              </p:cNvPr>
+              <p:cNvSpPr/>
+              <p:nvPr/>
+            </p:nvSpPr>
+            <p:spPr>
+              <a:xfrm>
+                <a:off x="4964891" y="4661749"/>
+                <a:ext cx="457200" cy="457200"/>
+              </a:xfrm>
+              <a:prstGeom prst="rect">
+                <a:avLst/>
+              </a:prstGeom>
+              <a:noFill/>
+            </p:spPr>
+            <p:style>
+              <a:lnRef idx="2">
+                <a:schemeClr val="dk1">
+                  <a:shade val="15000"/>
+                </a:schemeClr>
+              </a:lnRef>
+              <a:fillRef idx="1">
+                <a:schemeClr val="dk1"/>
+              </a:fillRef>
+              <a:effectRef idx="0">
+                <a:schemeClr val="dk1"/>
+              </a:effectRef>
+              <a:fontRef idx="minor">
+                <a:schemeClr val="lt1"/>
+              </a:fontRef>
+            </p:style>
+            <p:txBody>
+              <a:bodyPr rtlCol="0" anchor="ctr"/>
+              <a:lstStyle/>
+              <a:p>
+                <a:pPr algn="ctr"/>
+                <a14:m>
+                  <m:oMathPara xmlns:m="http://schemas.openxmlformats.org/officeDocument/2006/math">
+                    <m:oMathParaPr>
+                      <m:jc m:val="centerGroup"/>
+                    </m:oMathParaPr>
+                    <m:oMath xmlns:m="http://schemas.openxmlformats.org/officeDocument/2006/math">
+                      <m:sSub>
+                        <m:sSubPr>
+                          <m:ctrlPr>
+                            <a:rPr lang="en-US" sz="1100" i="1" smtClean="0">
+                              <a:solidFill>
+                                <a:schemeClr val="tx1"/>
+                              </a:solidFill>
+                              <a:latin typeface="Cambria Math" panose="02040503050406030204" pitchFamily="18" charset="0"/>
+                            </a:rPr>
+                          </m:ctrlPr>
+                        </m:sSubPr>
+                        <m:e>
+                          <m:r>
+                            <a:rPr lang="en-US" sz="1100" b="0" i="1" smtClean="0">
+                              <a:solidFill>
+                                <a:schemeClr val="tx1"/>
+                              </a:solidFill>
+                              <a:latin typeface="Cambria Math" panose="02040503050406030204" pitchFamily="18" charset="0"/>
+                            </a:rPr>
+                            <m:t>𝐺</m:t>
+                          </m:r>
+                        </m:e>
+                        <m:sub>
+                          <m:r>
+                            <a:rPr lang="en-US" sz="1100" b="0" i="1" smtClean="0">
+                              <a:solidFill>
+                                <a:schemeClr val="tx1"/>
+                              </a:solidFill>
+                              <a:latin typeface="Cambria Math" panose="02040503050406030204" pitchFamily="18" charset="0"/>
+                            </a:rPr>
+                            <m:t>1</m:t>
+                          </m:r>
+                        </m:sub>
+                      </m:sSub>
+                    </m:oMath>
+                  </m:oMathPara>
+                </a14:m>
+                <a:endParaRPr lang="en-US" sz="1100" dirty="0">
+                  <a:solidFill>
+                    <a:schemeClr val="tx1"/>
+                  </a:solidFill>
+                  <a:latin typeface="Times New Roman" panose="02020603050405020304" pitchFamily="18" charset="0"/>
+                  <a:cs typeface="Times New Roman" panose="02020603050405020304" pitchFamily="18" charset="0"/>
+                </a:endParaRPr>
+              </a:p>
+            </p:txBody>
+          </p:sp>
+        </mc:Choice>
+        <mc:Fallback>
+          <p:sp>
+            <p:nvSpPr>
+              <p:cNvPr id="132" name="Rectangle 131">
+                <a:extLst>
+                  <a:ext uri="{FF2B5EF4-FFF2-40B4-BE49-F238E27FC236}">
+                    <a16:creationId xmlns:a16="http://schemas.microsoft.com/office/drawing/2014/main" id="{D41E2D31-10C9-5BEB-3230-3E58668E7991}"/>
+                  </a:ext>
+                </a:extLst>
+              </p:cNvPr>
+              <p:cNvSpPr>
+                <a:spLocks noRot="1" noChangeAspect="1" noMove="1" noResize="1" noEditPoints="1" noAdjustHandles="1" noChangeArrowheads="1" noChangeShapeType="1" noTextEdit="1"/>
+              </p:cNvSpPr>
+              <p:nvPr/>
+            </p:nvSpPr>
+            <p:spPr>
+              <a:xfrm>
+                <a:off x="4964891" y="4661749"/>
+                <a:ext cx="457200" cy="457200"/>
+              </a:xfrm>
+              <a:prstGeom prst="rect">
+                <a:avLst/>
+              </a:prstGeom>
+              <a:blipFill>
+                <a:blip r:embed="rId20"/>
+                <a:stretch>
+                  <a:fillRect/>
+                </a:stretch>
+              </a:blipFill>
+            </p:spPr>
+            <p:txBody>
+              <a:bodyPr/>
+              <a:lstStyle/>
+              <a:p>
+                <a:r>
+                  <a:rPr lang="en-US">
+                    <a:noFill/>
+                  </a:rPr>
+                  <a:t> </a:t>
+                </a:r>
+              </a:p>
+            </p:txBody>
+          </p:sp>
+        </mc:Fallback>
+      </mc:AlternateContent>
+      <mc:AlternateContent xmlns:mc="http://schemas.openxmlformats.org/markup-compatibility/2006">
+        <mc:Choice xmlns:a14="http://schemas.microsoft.com/office/drawing/2010/main" Requires="a14">
+          <p:sp>
+            <p:nvSpPr>
+              <p:cNvPr id="133" name="Rectangle 132">
+                <a:extLst>
+                  <a:ext uri="{FF2B5EF4-FFF2-40B4-BE49-F238E27FC236}">
+                    <a16:creationId xmlns:a16="http://schemas.microsoft.com/office/drawing/2014/main" id="{10768213-090E-9ECB-131F-A07E2679D743}"/>
+                  </a:ext>
+                </a:extLst>
+              </p:cNvPr>
+              <p:cNvSpPr/>
+              <p:nvPr/>
+            </p:nvSpPr>
+            <p:spPr>
+              <a:xfrm>
+                <a:off x="6240326" y="4661749"/>
+                <a:ext cx="457200" cy="457200"/>
+              </a:xfrm>
+              <a:prstGeom prst="rect">
+                <a:avLst/>
+              </a:prstGeom>
+              <a:noFill/>
+            </p:spPr>
+            <p:style>
+              <a:lnRef idx="2">
+                <a:schemeClr val="dk1">
+                  <a:shade val="15000"/>
+                </a:schemeClr>
+              </a:lnRef>
+              <a:fillRef idx="1">
+                <a:schemeClr val="dk1"/>
+              </a:fillRef>
+              <a:effectRef idx="0">
+                <a:schemeClr val="dk1"/>
+              </a:effectRef>
+              <a:fontRef idx="minor">
+                <a:schemeClr val="lt1"/>
+              </a:fontRef>
+            </p:style>
+            <p:txBody>
+              <a:bodyPr rtlCol="0" anchor="ctr"/>
+              <a:lstStyle/>
+              <a:p>
+                <a:pPr algn="ctr"/>
+                <a14:m>
+                  <m:oMathPara xmlns:m="http://schemas.openxmlformats.org/officeDocument/2006/math">
+                    <m:oMathParaPr>
+                      <m:jc m:val="centerGroup"/>
+                    </m:oMathParaPr>
+                    <m:oMath xmlns:m="http://schemas.openxmlformats.org/officeDocument/2006/math">
+                      <m:sSub>
+                        <m:sSubPr>
+                          <m:ctrlPr>
+                            <a:rPr lang="en-US" sz="1100" i="1" smtClean="0">
+                              <a:solidFill>
+                                <a:schemeClr val="tx1"/>
+                              </a:solidFill>
+                              <a:latin typeface="Cambria Math" panose="02040503050406030204" pitchFamily="18" charset="0"/>
+                            </a:rPr>
+                          </m:ctrlPr>
+                        </m:sSubPr>
+                        <m:e>
+                          <m:r>
+                            <a:rPr lang="en-US" sz="1100" b="0" i="1" smtClean="0">
+                              <a:solidFill>
+                                <a:schemeClr val="tx1"/>
+                              </a:solidFill>
+                              <a:latin typeface="Cambria Math" panose="02040503050406030204" pitchFamily="18" charset="0"/>
+                            </a:rPr>
+                            <m:t>𝐺</m:t>
+                          </m:r>
+                        </m:e>
+                        <m:sub>
+                          <m:r>
+                            <a:rPr lang="en-US" sz="1100" b="0" i="1" smtClean="0">
+                              <a:solidFill>
+                                <a:schemeClr val="tx1"/>
+                              </a:solidFill>
+                              <a:latin typeface="Cambria Math" panose="02040503050406030204" pitchFamily="18" charset="0"/>
+                            </a:rPr>
+                            <m:t>𝑚𝐶</m:t>
+                          </m:r>
+                        </m:sub>
+                      </m:sSub>
+                    </m:oMath>
+                  </m:oMathPara>
+                </a14:m>
+                <a:endParaRPr lang="en-US" sz="1100" dirty="0">
+                  <a:solidFill>
+                    <a:schemeClr val="tx1"/>
+                  </a:solidFill>
+                  <a:latin typeface="Times New Roman" panose="02020603050405020304" pitchFamily="18" charset="0"/>
+                  <a:cs typeface="Times New Roman" panose="02020603050405020304" pitchFamily="18" charset="0"/>
+                </a:endParaRPr>
+              </a:p>
+            </p:txBody>
+          </p:sp>
+        </mc:Choice>
+        <mc:Fallback>
+          <p:sp>
+            <p:nvSpPr>
+              <p:cNvPr id="133" name="Rectangle 132">
+                <a:extLst>
+                  <a:ext uri="{FF2B5EF4-FFF2-40B4-BE49-F238E27FC236}">
+                    <a16:creationId xmlns:a16="http://schemas.microsoft.com/office/drawing/2014/main" id="{10768213-090E-9ECB-131F-A07E2679D743}"/>
+                  </a:ext>
+                </a:extLst>
+              </p:cNvPr>
+              <p:cNvSpPr>
+                <a:spLocks noRot="1" noChangeAspect="1" noMove="1" noResize="1" noEditPoints="1" noAdjustHandles="1" noChangeArrowheads="1" noChangeShapeType="1" noTextEdit="1"/>
+              </p:cNvSpPr>
+              <p:nvPr/>
+            </p:nvSpPr>
+            <p:spPr>
+              <a:xfrm>
+                <a:off x="6240326" y="4661749"/>
+                <a:ext cx="457200" cy="457200"/>
+              </a:xfrm>
+              <a:prstGeom prst="rect">
+                <a:avLst/>
+              </a:prstGeom>
+              <a:blipFill>
+                <a:blip r:embed="rId21"/>
+                <a:stretch>
+                  <a:fillRect/>
+                </a:stretch>
+              </a:blipFill>
+            </p:spPr>
+            <p:txBody>
+              <a:bodyPr/>
+              <a:lstStyle/>
+              <a:p>
+                <a:r>
+                  <a:rPr lang="en-US">
+                    <a:noFill/>
+                  </a:rPr>
+                  <a:t> </a:t>
+                </a:r>
+              </a:p>
+            </p:txBody>
+          </p:sp>
+        </mc:Fallback>
+      </mc:AlternateContent>
+      <mc:AlternateContent xmlns:mc="http://schemas.openxmlformats.org/markup-compatibility/2006">
+        <mc:Choice xmlns:a14="http://schemas.microsoft.com/office/drawing/2010/main" Requires="a14">
+          <p:sp>
+            <p:nvSpPr>
+              <p:cNvPr id="134" name="Rectangle 133">
+                <a:extLst>
+                  <a:ext uri="{FF2B5EF4-FFF2-40B4-BE49-F238E27FC236}">
+                    <a16:creationId xmlns:a16="http://schemas.microsoft.com/office/drawing/2014/main" id="{265F9001-8245-F0F0-EBB5-537ABE8F7792}"/>
+                  </a:ext>
+                </a:extLst>
+              </p:cNvPr>
+              <p:cNvSpPr/>
+              <p:nvPr/>
+            </p:nvSpPr>
+            <p:spPr>
+              <a:xfrm>
+                <a:off x="2374186" y="5803258"/>
+                <a:ext cx="457200" cy="457200"/>
+              </a:xfrm>
+              <a:prstGeom prst="rect">
+                <a:avLst/>
+              </a:prstGeom>
+              <a:noFill/>
+            </p:spPr>
+            <p:style>
+              <a:lnRef idx="2">
+                <a:schemeClr val="dk1">
+                  <a:shade val="15000"/>
+                </a:schemeClr>
+              </a:lnRef>
+              <a:fillRef idx="1">
+                <a:schemeClr val="dk1"/>
+              </a:fillRef>
+              <a:effectRef idx="0">
+                <a:schemeClr val="dk1"/>
+              </a:effectRef>
+              <a:fontRef idx="minor">
+                <a:schemeClr val="lt1"/>
+              </a:fontRef>
+            </p:style>
+            <p:txBody>
+              <a:bodyPr rtlCol="0" anchor="ctr"/>
+              <a:lstStyle/>
+              <a:p>
+                <a:pPr algn="ctr"/>
+                <a14:m>
+                  <m:oMathPara xmlns:m="http://schemas.openxmlformats.org/officeDocument/2006/math">
+                    <m:oMathParaPr>
+                      <m:jc m:val="centerGroup"/>
+                    </m:oMathParaPr>
+                    <m:oMath xmlns:m="http://schemas.openxmlformats.org/officeDocument/2006/math">
+                      <m:sSub>
+                        <m:sSubPr>
+                          <m:ctrlPr>
+                            <a:rPr lang="en-US" sz="1100" i="1" smtClean="0">
+                              <a:solidFill>
+                                <a:schemeClr val="tx1"/>
+                              </a:solidFill>
+                              <a:latin typeface="Cambria Math" panose="02040503050406030204" pitchFamily="18" charset="0"/>
+                              <a:cs typeface="Times New Roman" panose="02020603050405020304" pitchFamily="18" charset="0"/>
+                            </a:rPr>
+                          </m:ctrlPr>
+                        </m:sSubPr>
+                        <m:e>
+                          <m:r>
+                            <a:rPr lang="en-US" sz="1100" b="0" i="1" smtClean="0">
+                              <a:solidFill>
+                                <a:schemeClr val="tx1"/>
+                              </a:solidFill>
+                              <a:latin typeface="Cambria Math" panose="02040503050406030204" pitchFamily="18" charset="0"/>
+                              <a:cs typeface="Times New Roman" panose="02020603050405020304" pitchFamily="18" charset="0"/>
+                            </a:rPr>
+                            <m:t>𝑝</m:t>
+                          </m:r>
+                        </m:e>
+                        <m:sub>
+                          <m:r>
+                            <a:rPr lang="en-US" sz="1100" b="0" i="1" smtClean="0">
+                              <a:solidFill>
+                                <a:schemeClr val="tx1"/>
+                              </a:solidFill>
+                              <a:latin typeface="Cambria Math" panose="02040503050406030204" pitchFamily="18" charset="0"/>
+                              <a:cs typeface="Times New Roman" panose="02020603050405020304" pitchFamily="18" charset="0"/>
+                            </a:rPr>
+                            <m:t>1</m:t>
+                          </m:r>
+                        </m:sub>
+                      </m:sSub>
+                    </m:oMath>
+                  </m:oMathPara>
+                </a14:m>
+                <a:endParaRPr lang="en-US" sz="1100" dirty="0">
+                  <a:solidFill>
+                    <a:schemeClr val="tx1"/>
+                  </a:solidFill>
+                  <a:latin typeface="Times New Roman" panose="02020603050405020304" pitchFamily="18" charset="0"/>
+                  <a:cs typeface="Times New Roman" panose="02020603050405020304" pitchFamily="18" charset="0"/>
+                </a:endParaRPr>
+              </a:p>
+            </p:txBody>
+          </p:sp>
+        </mc:Choice>
+        <mc:Fallback>
+          <p:sp>
+            <p:nvSpPr>
+              <p:cNvPr id="134" name="Rectangle 133">
+                <a:extLst>
+                  <a:ext uri="{FF2B5EF4-FFF2-40B4-BE49-F238E27FC236}">
+                    <a16:creationId xmlns:a16="http://schemas.microsoft.com/office/drawing/2014/main" id="{265F9001-8245-F0F0-EBB5-537ABE8F7792}"/>
+                  </a:ext>
+                </a:extLst>
+              </p:cNvPr>
+              <p:cNvSpPr>
+                <a:spLocks noRot="1" noChangeAspect="1" noMove="1" noResize="1" noEditPoints="1" noAdjustHandles="1" noChangeArrowheads="1" noChangeShapeType="1" noTextEdit="1"/>
+              </p:cNvSpPr>
+              <p:nvPr/>
+            </p:nvSpPr>
+            <p:spPr>
+              <a:xfrm>
+                <a:off x="2374186" y="5803258"/>
+                <a:ext cx="457200" cy="457200"/>
+              </a:xfrm>
+              <a:prstGeom prst="rect">
+                <a:avLst/>
+              </a:prstGeom>
+              <a:blipFill>
+                <a:blip r:embed="rId22"/>
+                <a:stretch>
+                  <a:fillRect/>
+                </a:stretch>
+              </a:blipFill>
+            </p:spPr>
+            <p:txBody>
+              <a:bodyPr/>
+              <a:lstStyle/>
+              <a:p>
+                <a:r>
+                  <a:rPr lang="en-US">
+                    <a:noFill/>
+                  </a:rPr>
+                  <a:t> </a:t>
+                </a:r>
+              </a:p>
+            </p:txBody>
+          </p:sp>
+        </mc:Fallback>
+      </mc:AlternateContent>
+      <mc:AlternateContent xmlns:mc="http://schemas.openxmlformats.org/markup-compatibility/2006">
+        <mc:Choice xmlns:a14="http://schemas.microsoft.com/office/drawing/2010/main" Requires="a14">
+          <p:sp>
+            <p:nvSpPr>
+              <p:cNvPr id="135" name="Rectangle 134">
+                <a:extLst>
+                  <a:ext uri="{FF2B5EF4-FFF2-40B4-BE49-F238E27FC236}">
+                    <a16:creationId xmlns:a16="http://schemas.microsoft.com/office/drawing/2014/main" id="{4038D300-4EA9-B3F6-E88F-01D641802E02}"/>
+                  </a:ext>
+                </a:extLst>
+              </p:cNvPr>
+              <p:cNvSpPr/>
+              <p:nvPr/>
+            </p:nvSpPr>
+            <p:spPr>
+              <a:xfrm>
+                <a:off x="4327175" y="4661749"/>
+                <a:ext cx="457200" cy="457200"/>
+              </a:xfrm>
+              <a:prstGeom prst="rect">
+                <a:avLst/>
+              </a:prstGeom>
+              <a:noFill/>
+            </p:spPr>
+            <p:style>
+              <a:lnRef idx="2">
+                <a:schemeClr val="dk1">
+                  <a:shade val="15000"/>
+                </a:schemeClr>
+              </a:lnRef>
+              <a:fillRef idx="1">
+                <a:schemeClr val="dk1"/>
+              </a:fillRef>
+              <a:effectRef idx="0">
+                <a:schemeClr val="dk1"/>
+              </a:effectRef>
+              <a:fontRef idx="minor">
+                <a:schemeClr val="lt1"/>
+              </a:fontRef>
+            </p:style>
+            <p:txBody>
+              <a:bodyPr rtlCol="0" anchor="ctr"/>
+              <a:lstStyle/>
+              <a:p>
+                <a:pPr algn="ctr"/>
+                <a14:m>
+                  <m:oMathPara xmlns:m="http://schemas.openxmlformats.org/officeDocument/2006/math">
+                    <m:oMathParaPr>
+                      <m:jc m:val="centerGroup"/>
+                    </m:oMathParaPr>
+                    <m:oMath xmlns:m="http://schemas.openxmlformats.org/officeDocument/2006/math">
+                      <m:r>
+                        <a:rPr lang="en-US" sz="1100" b="0" i="1" smtClean="0">
+                          <a:solidFill>
+                            <a:schemeClr val="tx1"/>
+                          </a:solidFill>
+                          <a:latin typeface="Cambria Math" panose="02040503050406030204" pitchFamily="18" charset="0"/>
+                        </a:rPr>
+                        <m:t>𝐺</m:t>
+                      </m:r>
+                    </m:oMath>
+                  </m:oMathPara>
+                </a14:m>
+                <a:endParaRPr lang="en-US" sz="1100" dirty="0">
+                  <a:solidFill>
+                    <a:schemeClr val="tx1"/>
+                  </a:solidFill>
+                </a:endParaRPr>
+              </a:p>
+            </p:txBody>
+          </p:sp>
+        </mc:Choice>
+        <mc:Fallback>
+          <p:sp>
+            <p:nvSpPr>
+              <p:cNvPr id="135" name="Rectangle 134">
+                <a:extLst>
+                  <a:ext uri="{FF2B5EF4-FFF2-40B4-BE49-F238E27FC236}">
+                    <a16:creationId xmlns:a16="http://schemas.microsoft.com/office/drawing/2014/main" id="{4038D300-4EA9-B3F6-E88F-01D641802E02}"/>
+                  </a:ext>
+                </a:extLst>
+              </p:cNvPr>
+              <p:cNvSpPr>
+                <a:spLocks noRot="1" noChangeAspect="1" noMove="1" noResize="1" noEditPoints="1" noAdjustHandles="1" noChangeArrowheads="1" noChangeShapeType="1" noTextEdit="1"/>
+              </p:cNvSpPr>
+              <p:nvPr/>
+            </p:nvSpPr>
+            <p:spPr>
+              <a:xfrm>
+                <a:off x="4327175" y="4661749"/>
+                <a:ext cx="457200" cy="457200"/>
+              </a:xfrm>
+              <a:prstGeom prst="rect">
+                <a:avLst/>
+              </a:prstGeom>
+              <a:blipFill>
+                <a:blip r:embed="rId23"/>
+                <a:stretch>
+                  <a:fillRect/>
+                </a:stretch>
+              </a:blipFill>
+            </p:spPr>
+            <p:txBody>
+              <a:bodyPr/>
+              <a:lstStyle/>
+              <a:p>
+                <a:r>
+                  <a:rPr lang="en-US">
+                    <a:noFill/>
+                  </a:rPr>
+                  <a:t> </a:t>
+                </a:r>
+              </a:p>
+            </p:txBody>
+          </p:sp>
+        </mc:Fallback>
+      </mc:AlternateContent>
+      <p:sp>
+        <p:nvSpPr>
+          <p:cNvPr id="136" name="Rectangle 135">
+            <a:extLst>
+              <a:ext uri="{FF2B5EF4-FFF2-40B4-BE49-F238E27FC236}">
+                <a16:creationId xmlns:a16="http://schemas.microsoft.com/office/drawing/2014/main" id="{425430F0-1EDF-3615-8C3B-78EB931A906C}"/>
+              </a:ext>
+            </a:extLst>
+          </p:cNvPr>
+          <p:cNvSpPr/>
+          <p:nvPr/>
+        </p:nvSpPr>
+        <p:spPr>
+          <a:xfrm rot="16200000">
+            <a:off x="2971268" y="5823836"/>
+            <a:ext cx="457200" cy="457200"/>
+          </a:xfrm>
+          <a:prstGeom prst="rect">
+            <a:avLst/>
+          </a:prstGeom>
+          <a:noFill/>
+          <a:ln>
+            <a:noFill/>
+          </a:ln>
+        </p:spPr>
+        <p:style>
+          <a:lnRef idx="2">
+            <a:schemeClr val="accent1">
+              <a:shade val="15000"/>
+            </a:schemeClr>
+          </a:lnRef>
+          <a:fillRef idx="1">
+            <a:schemeClr val="accent1"/>
+          </a:fillRef>
+          <a:effectRef idx="0">
+            <a:schemeClr val="accent1"/>
+          </a:effectRef>
+          <a:fontRef idx="minor">
+            <a:schemeClr val="lt1"/>
+          </a:fontRef>
+        </p:style>
+        <p:txBody>
+          <a:bodyPr rtlCol="0" anchor="ctr"/>
+          <a:lstStyle/>
+          <a:p>
+            <a:pPr algn="ctr"/>
+            <a:r>
+              <a:rPr lang="en-US" sz="1100" dirty="0">
+                <a:solidFill>
+                  <a:schemeClr val="tx1"/>
+                </a:solidFill>
+              </a:rPr>
+              <a:t>.</a:t>
+            </a:r>
+          </a:p>
+          <a:p>
+            <a:pPr algn="ctr"/>
+            <a:r>
+              <a:rPr lang="en-US" sz="1100" dirty="0">
+                <a:solidFill>
+                  <a:schemeClr val="tx1"/>
+                </a:solidFill>
+              </a:rPr>
+              <a:t>.</a:t>
+            </a:r>
+          </a:p>
+          <a:p>
+            <a:pPr algn="ctr"/>
+            <a:r>
+              <a:rPr lang="en-US" sz="1100" dirty="0">
+                <a:solidFill>
+                  <a:schemeClr val="tx1"/>
+                </a:solidFill>
+              </a:rPr>
+              <a:t>.</a:t>
+            </a:r>
+          </a:p>
+        </p:txBody>
+      </p:sp>
+      <mc:AlternateContent xmlns:mc="http://schemas.openxmlformats.org/markup-compatibility/2006">
+        <mc:Choice xmlns:a14="http://schemas.microsoft.com/office/drawing/2010/main" Requires="a14">
+          <p:sp>
+            <p:nvSpPr>
+              <p:cNvPr id="137" name="Rectangle 136">
+                <a:extLst>
+                  <a:ext uri="{FF2B5EF4-FFF2-40B4-BE49-F238E27FC236}">
+                    <a16:creationId xmlns:a16="http://schemas.microsoft.com/office/drawing/2014/main" id="{664C61CD-79E4-9926-3022-2993FBFFAE02}"/>
+                  </a:ext>
+                </a:extLst>
+              </p:cNvPr>
+              <p:cNvSpPr/>
+              <p:nvPr/>
+            </p:nvSpPr>
+            <p:spPr>
+              <a:xfrm>
+                <a:off x="3647772" y="5803258"/>
+                <a:ext cx="457200" cy="457200"/>
+              </a:xfrm>
+              <a:prstGeom prst="rect">
+                <a:avLst/>
+              </a:prstGeom>
+              <a:noFill/>
+            </p:spPr>
+            <p:style>
+              <a:lnRef idx="2">
+                <a:schemeClr val="dk1">
+                  <a:shade val="15000"/>
+                </a:schemeClr>
+              </a:lnRef>
+              <a:fillRef idx="1">
+                <a:schemeClr val="dk1"/>
+              </a:fillRef>
+              <a:effectRef idx="0">
+                <a:schemeClr val="dk1"/>
+              </a:effectRef>
+              <a:fontRef idx="minor">
+                <a:schemeClr val="lt1"/>
+              </a:fontRef>
+            </p:style>
+            <p:txBody>
+              <a:bodyPr rtlCol="0" anchor="ctr"/>
+              <a:lstStyle/>
+              <a:p>
+                <a:pPr algn="ctr"/>
+                <a14:m>
+                  <m:oMathPara xmlns:m="http://schemas.openxmlformats.org/officeDocument/2006/math">
+                    <m:oMathParaPr>
+                      <m:jc m:val="centerGroup"/>
+                    </m:oMathParaPr>
+                    <m:oMath xmlns:m="http://schemas.openxmlformats.org/officeDocument/2006/math">
+                      <m:sSub>
+                        <m:sSubPr>
+                          <m:ctrlPr>
+                            <a:rPr lang="en-US" sz="1100" i="1" smtClean="0">
+                              <a:solidFill>
+                                <a:schemeClr val="tx1"/>
+                              </a:solidFill>
+                              <a:latin typeface="Cambria Math" panose="02040503050406030204" pitchFamily="18" charset="0"/>
+                              <a:cs typeface="Times New Roman" panose="02020603050405020304" pitchFamily="18" charset="0"/>
+                            </a:rPr>
+                          </m:ctrlPr>
+                        </m:sSubPr>
+                        <m:e>
+                          <m:r>
+                            <a:rPr lang="en-US" sz="1100" b="0" i="1" smtClean="0">
+                              <a:solidFill>
+                                <a:schemeClr val="tx1"/>
+                              </a:solidFill>
+                              <a:latin typeface="Cambria Math" panose="02040503050406030204" pitchFamily="18" charset="0"/>
+                              <a:cs typeface="Times New Roman" panose="02020603050405020304" pitchFamily="18" charset="0"/>
+                            </a:rPr>
+                            <m:t>𝑝</m:t>
+                          </m:r>
+                        </m:e>
+                        <m:sub>
+                          <m:r>
+                            <a:rPr lang="en-US" sz="1100" b="0" i="1" smtClean="0">
+                              <a:solidFill>
+                                <a:schemeClr val="tx1"/>
+                              </a:solidFill>
+                              <a:latin typeface="Cambria Math" panose="02040503050406030204" pitchFamily="18" charset="0"/>
+                              <a:cs typeface="Times New Roman" panose="02020603050405020304" pitchFamily="18" charset="0"/>
+                            </a:rPr>
+                            <m:t>𝑚𝐶</m:t>
+                          </m:r>
+                        </m:sub>
+                      </m:sSub>
+                    </m:oMath>
+                  </m:oMathPara>
+                </a14:m>
+                <a:endParaRPr lang="en-US" sz="1100" dirty="0">
+                  <a:solidFill>
+                    <a:schemeClr val="tx1"/>
+                  </a:solidFill>
+                  <a:latin typeface="Times New Roman" panose="02020603050405020304" pitchFamily="18" charset="0"/>
+                  <a:cs typeface="Times New Roman" panose="02020603050405020304" pitchFamily="18" charset="0"/>
+                </a:endParaRPr>
+              </a:p>
+            </p:txBody>
+          </p:sp>
+        </mc:Choice>
+        <mc:Fallback>
+          <p:sp>
+            <p:nvSpPr>
+              <p:cNvPr id="137" name="Rectangle 136">
+                <a:extLst>
+                  <a:ext uri="{FF2B5EF4-FFF2-40B4-BE49-F238E27FC236}">
+                    <a16:creationId xmlns:a16="http://schemas.microsoft.com/office/drawing/2014/main" id="{664C61CD-79E4-9926-3022-2993FBFFAE02}"/>
+                  </a:ext>
+                </a:extLst>
+              </p:cNvPr>
+              <p:cNvSpPr>
+                <a:spLocks noRot="1" noChangeAspect="1" noMove="1" noResize="1" noEditPoints="1" noAdjustHandles="1" noChangeArrowheads="1" noChangeShapeType="1" noTextEdit="1"/>
+              </p:cNvSpPr>
+              <p:nvPr/>
+            </p:nvSpPr>
+            <p:spPr>
+              <a:xfrm>
+                <a:off x="3647772" y="5803258"/>
+                <a:ext cx="457200" cy="457200"/>
+              </a:xfrm>
+              <a:prstGeom prst="rect">
+                <a:avLst/>
+              </a:prstGeom>
+              <a:blipFill>
+                <a:blip r:embed="rId24"/>
+                <a:stretch>
+                  <a:fillRect/>
+                </a:stretch>
+              </a:blipFill>
+            </p:spPr>
+            <p:txBody>
+              <a:bodyPr/>
+              <a:lstStyle/>
+              <a:p>
+                <a:r>
+                  <a:rPr lang="en-US">
+                    <a:noFill/>
+                  </a:rPr>
+                  <a:t> </a:t>
+                </a:r>
+              </a:p>
+            </p:txBody>
+          </p:sp>
+        </mc:Fallback>
+      </mc:AlternateContent>
+      <mc:AlternateContent xmlns:mc="http://schemas.openxmlformats.org/markup-compatibility/2006">
+        <mc:Choice xmlns:a14="http://schemas.microsoft.com/office/drawing/2010/main" Requires="a14">
+          <p:sp>
+            <p:nvSpPr>
+              <p:cNvPr id="138" name="Rectangle 137">
+                <a:extLst>
+                  <a:ext uri="{FF2B5EF4-FFF2-40B4-BE49-F238E27FC236}">
+                    <a16:creationId xmlns:a16="http://schemas.microsoft.com/office/drawing/2014/main" id="{C774D46D-54E0-CD03-2116-E03B80B37F98}"/>
+                  </a:ext>
+                </a:extLst>
+              </p:cNvPr>
+              <p:cNvSpPr/>
+              <p:nvPr/>
+            </p:nvSpPr>
+            <p:spPr>
+              <a:xfrm>
+                <a:off x="4929019" y="5803258"/>
+                <a:ext cx="457200" cy="457200"/>
+              </a:xfrm>
+              <a:prstGeom prst="rect">
+                <a:avLst/>
+              </a:prstGeom>
+              <a:noFill/>
+            </p:spPr>
+            <p:style>
+              <a:lnRef idx="2">
+                <a:schemeClr val="dk1">
+                  <a:shade val="15000"/>
+                </a:schemeClr>
+              </a:lnRef>
+              <a:fillRef idx="1">
+                <a:schemeClr val="dk1"/>
+              </a:fillRef>
+              <a:effectRef idx="0">
+                <a:schemeClr val="dk1"/>
+              </a:effectRef>
+              <a:fontRef idx="minor">
+                <a:schemeClr val="lt1"/>
+              </a:fontRef>
+            </p:style>
+            <p:txBody>
+              <a:bodyPr rtlCol="0" anchor="ctr"/>
+              <a:lstStyle/>
+              <a:p>
+                <a:pPr algn="ctr"/>
+                <a14:m>
+                  <m:oMathPara xmlns:m="http://schemas.openxmlformats.org/officeDocument/2006/math">
+                    <m:oMathParaPr>
+                      <m:jc m:val="centerGroup"/>
+                    </m:oMathParaPr>
+                    <m:oMath xmlns:m="http://schemas.openxmlformats.org/officeDocument/2006/math">
+                      <m:acc>
+                        <m:accPr>
+                          <m:chr m:val="̃"/>
+                          <m:ctrlPr>
+                            <a:rPr lang="en-US" sz="1100" i="1" smtClean="0">
+                              <a:solidFill>
+                                <a:schemeClr val="tx1"/>
+                              </a:solidFill>
+                              <a:latin typeface="Cambria Math" panose="02040503050406030204" pitchFamily="18" charset="0"/>
+                            </a:rPr>
+                          </m:ctrlPr>
+                        </m:accPr>
+                        <m:e>
+                          <m:sSub>
+                            <m:sSubPr>
+                              <m:ctrlPr>
+                                <a:rPr lang="en-US" sz="1100" i="1" smtClean="0">
+                                  <a:solidFill>
+                                    <a:schemeClr val="tx1"/>
+                                  </a:solidFill>
+                                  <a:latin typeface="Cambria Math" panose="02040503050406030204" pitchFamily="18" charset="0"/>
+                                </a:rPr>
+                              </m:ctrlPr>
+                            </m:sSubPr>
+                            <m:e>
+                              <m:r>
+                                <a:rPr lang="en-US" sz="1100" b="0" i="1" smtClean="0">
+                                  <a:solidFill>
+                                    <a:schemeClr val="tx1"/>
+                                  </a:solidFill>
+                                  <a:latin typeface="Cambria Math" panose="02040503050406030204" pitchFamily="18" charset="0"/>
+                                </a:rPr>
+                                <m:t>𝐺</m:t>
+                              </m:r>
+                            </m:e>
+                            <m:sub>
+                              <m:r>
+                                <a:rPr lang="en-US" sz="1100" b="0" i="1" smtClean="0">
+                                  <a:solidFill>
+                                    <a:schemeClr val="tx1"/>
+                                  </a:solidFill>
+                                  <a:latin typeface="Cambria Math" panose="02040503050406030204" pitchFamily="18" charset="0"/>
+                                </a:rPr>
+                                <m:t>1</m:t>
+                              </m:r>
+                            </m:sub>
+                          </m:sSub>
+                        </m:e>
+                      </m:acc>
+                    </m:oMath>
+                  </m:oMathPara>
+                </a14:m>
+                <a:endParaRPr lang="en-US" sz="1100" dirty="0">
+                  <a:solidFill>
+                    <a:schemeClr val="tx1"/>
+                  </a:solidFill>
+                </a:endParaRPr>
+              </a:p>
+            </p:txBody>
+          </p:sp>
+        </mc:Choice>
+        <mc:Fallback>
+          <p:sp>
+            <p:nvSpPr>
+              <p:cNvPr id="138" name="Rectangle 137">
+                <a:extLst>
+                  <a:ext uri="{FF2B5EF4-FFF2-40B4-BE49-F238E27FC236}">
+                    <a16:creationId xmlns:a16="http://schemas.microsoft.com/office/drawing/2014/main" id="{C774D46D-54E0-CD03-2116-E03B80B37F98}"/>
+                  </a:ext>
+                </a:extLst>
+              </p:cNvPr>
+              <p:cNvSpPr>
+                <a:spLocks noRot="1" noChangeAspect="1" noMove="1" noResize="1" noEditPoints="1" noAdjustHandles="1" noChangeArrowheads="1" noChangeShapeType="1" noTextEdit="1"/>
+              </p:cNvSpPr>
+              <p:nvPr/>
+            </p:nvSpPr>
+            <p:spPr>
+              <a:xfrm>
+                <a:off x="4929019" y="5803258"/>
+                <a:ext cx="457200" cy="457200"/>
+              </a:xfrm>
+              <a:prstGeom prst="rect">
+                <a:avLst/>
+              </a:prstGeom>
+              <a:blipFill>
+                <a:blip r:embed="rId25"/>
+                <a:stretch>
+                  <a:fillRect/>
+                </a:stretch>
+              </a:blipFill>
+            </p:spPr>
+            <p:txBody>
+              <a:bodyPr/>
+              <a:lstStyle/>
+              <a:p>
+                <a:r>
+                  <a:rPr lang="en-US">
+                    <a:noFill/>
+                  </a:rPr>
+                  <a:t> </a:t>
+                </a:r>
+              </a:p>
+            </p:txBody>
+          </p:sp>
+        </mc:Fallback>
+      </mc:AlternateContent>
+      <mc:AlternateContent xmlns:mc="http://schemas.openxmlformats.org/markup-compatibility/2006">
+        <mc:Choice xmlns:a14="http://schemas.microsoft.com/office/drawing/2010/main" Requires="a14">
+          <p:sp>
+            <p:nvSpPr>
+              <p:cNvPr id="143" name="Rectangle 142">
+                <a:extLst>
+                  <a:ext uri="{FF2B5EF4-FFF2-40B4-BE49-F238E27FC236}">
+                    <a16:creationId xmlns:a16="http://schemas.microsoft.com/office/drawing/2014/main" id="{777B85E5-1703-0A24-1098-FE7AF903B832}"/>
+                  </a:ext>
+                </a:extLst>
+              </p:cNvPr>
+              <p:cNvSpPr/>
+              <p:nvPr/>
+            </p:nvSpPr>
+            <p:spPr>
+              <a:xfrm>
+                <a:off x="6202854" y="5803258"/>
+                <a:ext cx="457200" cy="457200"/>
+              </a:xfrm>
+              <a:prstGeom prst="rect">
+                <a:avLst/>
+              </a:prstGeom>
+              <a:noFill/>
+            </p:spPr>
+            <p:style>
+              <a:lnRef idx="2">
+                <a:schemeClr val="dk1">
+                  <a:shade val="15000"/>
+                </a:schemeClr>
+              </a:lnRef>
+              <a:fillRef idx="1">
+                <a:schemeClr val="dk1"/>
+              </a:fillRef>
+              <a:effectRef idx="0">
+                <a:schemeClr val="dk1"/>
+              </a:effectRef>
+              <a:fontRef idx="minor">
+                <a:schemeClr val="lt1"/>
+              </a:fontRef>
+            </p:style>
+            <p:txBody>
+              <a:bodyPr rtlCol="0" anchor="ctr"/>
+              <a:lstStyle/>
+              <a:p>
+                <a:pPr algn="ctr"/>
+                <a14:m>
+                  <m:oMathPara xmlns:m="http://schemas.openxmlformats.org/officeDocument/2006/math">
+                    <m:oMathParaPr>
+                      <m:jc m:val="centerGroup"/>
+                    </m:oMathParaPr>
+                    <m:oMath xmlns:m="http://schemas.openxmlformats.org/officeDocument/2006/math">
+                      <m:sSub>
+                        <m:sSubPr>
+                          <m:ctrlPr>
+                            <a:rPr lang="en-US" sz="1100" i="1" smtClean="0">
+                              <a:solidFill>
+                                <a:schemeClr val="tx1"/>
+                              </a:solidFill>
+                              <a:latin typeface="Cambria Math" panose="02040503050406030204" pitchFamily="18" charset="0"/>
+                            </a:rPr>
+                          </m:ctrlPr>
+                        </m:sSubPr>
+                        <m:e>
+                          <m:acc>
+                            <m:accPr>
+                              <m:chr m:val="̃"/>
+                              <m:ctrlPr>
+                                <a:rPr lang="en-US" sz="1100" i="1" smtClean="0">
+                                  <a:solidFill>
+                                    <a:schemeClr val="tx1"/>
+                                  </a:solidFill>
+                                  <a:latin typeface="Cambria Math" panose="02040503050406030204" pitchFamily="18" charset="0"/>
+                                </a:rPr>
+                              </m:ctrlPr>
+                            </m:accPr>
+                            <m:e>
+                              <m:r>
+                                <a:rPr lang="en-US" sz="1100" b="0" i="1" smtClean="0">
+                                  <a:solidFill>
+                                    <a:schemeClr val="tx1"/>
+                                  </a:solidFill>
+                                  <a:latin typeface="Cambria Math" panose="02040503050406030204" pitchFamily="18" charset="0"/>
+                                </a:rPr>
+                                <m:t>𝐺</m:t>
+                              </m:r>
+                            </m:e>
+                          </m:acc>
+                        </m:e>
+                        <m:sub>
+                          <m:r>
+                            <a:rPr lang="en-US" sz="1100" b="0" i="1" smtClean="0">
+                              <a:solidFill>
+                                <a:schemeClr val="tx1"/>
+                              </a:solidFill>
+                              <a:latin typeface="Cambria Math" panose="02040503050406030204" pitchFamily="18" charset="0"/>
+                            </a:rPr>
+                            <m:t>𝑚𝐶</m:t>
+                          </m:r>
+                        </m:sub>
+                      </m:sSub>
+                    </m:oMath>
+                  </m:oMathPara>
+                </a14:m>
+                <a:endParaRPr lang="en-US" sz="1100" dirty="0">
+                  <a:solidFill>
+                    <a:schemeClr val="tx1"/>
+                  </a:solidFill>
+                  <a:latin typeface="Times New Roman" panose="02020603050405020304" pitchFamily="18" charset="0"/>
+                  <a:cs typeface="Times New Roman" panose="02020603050405020304" pitchFamily="18" charset="0"/>
+                </a:endParaRPr>
+              </a:p>
+            </p:txBody>
+          </p:sp>
+        </mc:Choice>
+        <mc:Fallback>
+          <p:sp>
+            <p:nvSpPr>
+              <p:cNvPr id="143" name="Rectangle 142">
+                <a:extLst>
+                  <a:ext uri="{FF2B5EF4-FFF2-40B4-BE49-F238E27FC236}">
+                    <a16:creationId xmlns:a16="http://schemas.microsoft.com/office/drawing/2014/main" id="{777B85E5-1703-0A24-1098-FE7AF903B832}"/>
+                  </a:ext>
+                </a:extLst>
+              </p:cNvPr>
+              <p:cNvSpPr>
+                <a:spLocks noRot="1" noChangeAspect="1" noMove="1" noResize="1" noEditPoints="1" noAdjustHandles="1" noChangeArrowheads="1" noChangeShapeType="1" noTextEdit="1"/>
+              </p:cNvSpPr>
+              <p:nvPr/>
+            </p:nvSpPr>
+            <p:spPr>
+              <a:xfrm>
+                <a:off x="6202854" y="5803258"/>
+                <a:ext cx="457200" cy="457200"/>
+              </a:xfrm>
+              <a:prstGeom prst="rect">
+                <a:avLst/>
+              </a:prstGeom>
+              <a:blipFill>
+                <a:blip r:embed="rId26"/>
+                <a:stretch>
+                  <a:fillRect/>
+                </a:stretch>
+              </a:blipFill>
+            </p:spPr>
+            <p:txBody>
+              <a:bodyPr/>
+              <a:lstStyle/>
+              <a:p>
+                <a:r>
+                  <a:rPr lang="en-US">
+                    <a:noFill/>
+                  </a:rPr>
+                  <a:t> </a:t>
+                </a:r>
+              </a:p>
+            </p:txBody>
+          </p:sp>
+        </mc:Fallback>
+      </mc:AlternateContent>
+      <p:cxnSp>
+        <p:nvCxnSpPr>
+          <p:cNvPr id="148" name="Straight Arrow Connector 147">
+            <a:extLst>
+              <a:ext uri="{FF2B5EF4-FFF2-40B4-BE49-F238E27FC236}">
+                <a16:creationId xmlns:a16="http://schemas.microsoft.com/office/drawing/2014/main" id="{64FF8978-5B97-7486-887F-55B13B7D5740}"/>
+              </a:ext>
+            </a:extLst>
+          </p:cNvPr>
+          <p:cNvCxnSpPr>
+            <a:stCxn id="123" idx="2"/>
+            <a:endCxn id="134" idx="0"/>
+          </p:cNvCxnSpPr>
+          <p:nvPr/>
+        </p:nvCxnSpPr>
+        <p:spPr>
+          <a:xfrm>
+            <a:off x="2004911" y="5118949"/>
+            <a:ext cx="597875" cy="684309"/>
+          </a:xfrm>
+          <a:prstGeom prst="straightConnector1">
+            <a:avLst/>
+          </a:prstGeom>
+          <a:ln>
+            <a:headEnd type="triangle"/>
+            <a:tailEnd type="triangle"/>
+          </a:ln>
+        </p:spPr>
+        <p:style>
+          <a:lnRef idx="2">
+            <a:schemeClr val="dk1"/>
+          </a:lnRef>
+          <a:fillRef idx="0">
+            <a:schemeClr val="dk1"/>
+          </a:fillRef>
+          <a:effectRef idx="1">
+            <a:schemeClr val="dk1"/>
+          </a:effectRef>
+          <a:fontRef idx="minor">
+            <a:schemeClr val="tx1"/>
+          </a:fontRef>
+        </p:style>
+      </p:cxnSp>
+      <p:cxnSp>
+        <p:nvCxnSpPr>
+          <p:cNvPr id="149" name="Straight Arrow Connector 148">
+            <a:extLst>
+              <a:ext uri="{FF2B5EF4-FFF2-40B4-BE49-F238E27FC236}">
+                <a16:creationId xmlns:a16="http://schemas.microsoft.com/office/drawing/2014/main" id="{33FAEF50-5532-232D-FC85-4F33B59F36F5}"/>
+              </a:ext>
+            </a:extLst>
+          </p:cNvPr>
+          <p:cNvCxnSpPr>
+            <a:cxnSpLocks/>
+            <a:stCxn id="123" idx="2"/>
+            <a:endCxn id="137" idx="0"/>
+          </p:cNvCxnSpPr>
+          <p:nvPr/>
+        </p:nvCxnSpPr>
+        <p:spPr>
+          <a:xfrm>
+            <a:off x="2004911" y="5118949"/>
+            <a:ext cx="1871461" cy="684309"/>
+          </a:xfrm>
+          <a:prstGeom prst="straightConnector1">
+            <a:avLst/>
+          </a:prstGeom>
+          <a:ln>
+            <a:headEnd type="triangle"/>
+            <a:tailEnd type="triangle"/>
+          </a:ln>
+        </p:spPr>
+        <p:style>
+          <a:lnRef idx="2">
+            <a:schemeClr val="dk1"/>
+          </a:lnRef>
+          <a:fillRef idx="0">
+            <a:schemeClr val="dk1"/>
+          </a:fillRef>
+          <a:effectRef idx="1">
+            <a:schemeClr val="dk1"/>
+          </a:effectRef>
+          <a:fontRef idx="minor">
+            <a:schemeClr val="tx1"/>
+          </a:fontRef>
+        </p:style>
+      </p:cxnSp>
+      <p:cxnSp>
+        <p:nvCxnSpPr>
+          <p:cNvPr id="152" name="Straight Arrow Connector 151">
+            <a:extLst>
+              <a:ext uri="{FF2B5EF4-FFF2-40B4-BE49-F238E27FC236}">
+                <a16:creationId xmlns:a16="http://schemas.microsoft.com/office/drawing/2014/main" id="{F02324E6-244E-085F-9FD2-0C80E0FCA52E}"/>
+              </a:ext>
+            </a:extLst>
+          </p:cNvPr>
+          <p:cNvCxnSpPr>
+            <a:cxnSpLocks/>
+            <a:stCxn id="129" idx="2"/>
+            <a:endCxn id="134" idx="0"/>
+          </p:cNvCxnSpPr>
+          <p:nvPr/>
+        </p:nvCxnSpPr>
+        <p:spPr>
+          <a:xfrm flipH="1">
+            <a:off x="2602786" y="5118949"/>
+            <a:ext cx="39841" cy="684309"/>
+          </a:xfrm>
+          <a:prstGeom prst="straightConnector1">
+            <a:avLst/>
+          </a:prstGeom>
+          <a:ln>
+            <a:headEnd type="triangle"/>
+            <a:tailEnd type="triangle"/>
+          </a:ln>
+        </p:spPr>
+        <p:style>
+          <a:lnRef idx="2">
+            <a:schemeClr val="dk1"/>
+          </a:lnRef>
+          <a:fillRef idx="0">
+            <a:schemeClr val="dk1"/>
+          </a:fillRef>
+          <a:effectRef idx="1">
+            <a:schemeClr val="dk1"/>
+          </a:effectRef>
+          <a:fontRef idx="minor">
+            <a:schemeClr val="tx1"/>
+          </a:fontRef>
+        </p:style>
+      </p:cxnSp>
+      <p:cxnSp>
+        <p:nvCxnSpPr>
+          <p:cNvPr id="155" name="Straight Arrow Connector 154">
+            <a:extLst>
+              <a:ext uri="{FF2B5EF4-FFF2-40B4-BE49-F238E27FC236}">
+                <a16:creationId xmlns:a16="http://schemas.microsoft.com/office/drawing/2014/main" id="{DF528AEA-8273-8D82-3D89-3AC01C01B402}"/>
+              </a:ext>
+            </a:extLst>
+          </p:cNvPr>
+          <p:cNvCxnSpPr>
+            <a:cxnSpLocks/>
+            <a:stCxn id="130" idx="2"/>
+            <a:endCxn id="137" idx="0"/>
+          </p:cNvCxnSpPr>
+          <p:nvPr/>
+        </p:nvCxnSpPr>
+        <p:spPr>
+          <a:xfrm flipH="1">
+            <a:off x="3876372" y="5118949"/>
+            <a:ext cx="41687" cy="684309"/>
+          </a:xfrm>
+          <a:prstGeom prst="straightConnector1">
+            <a:avLst/>
+          </a:prstGeom>
+          <a:ln>
+            <a:headEnd type="triangle"/>
+            <a:tailEnd type="triangle"/>
+          </a:ln>
+        </p:spPr>
+        <p:style>
+          <a:lnRef idx="2">
+            <a:schemeClr val="dk1"/>
+          </a:lnRef>
+          <a:fillRef idx="0">
+            <a:schemeClr val="dk1"/>
+          </a:fillRef>
+          <a:effectRef idx="1">
+            <a:schemeClr val="dk1"/>
+          </a:effectRef>
+          <a:fontRef idx="minor">
+            <a:schemeClr val="tx1"/>
+          </a:fontRef>
+        </p:style>
+      </p:cxnSp>
+      <p:cxnSp>
+        <p:nvCxnSpPr>
+          <p:cNvPr id="159" name="Straight Arrow Connector 158">
+            <a:extLst>
+              <a:ext uri="{FF2B5EF4-FFF2-40B4-BE49-F238E27FC236}">
+                <a16:creationId xmlns:a16="http://schemas.microsoft.com/office/drawing/2014/main" id="{4DCE8FF0-C9DC-668A-EF9F-A7805D2F23A5}"/>
+              </a:ext>
+            </a:extLst>
+          </p:cNvPr>
+          <p:cNvCxnSpPr>
+            <a:stCxn id="135" idx="2"/>
+            <a:endCxn id="138" idx="0"/>
+          </p:cNvCxnSpPr>
+          <p:nvPr/>
+        </p:nvCxnSpPr>
+        <p:spPr>
+          <a:xfrm>
+            <a:off x="4555775" y="5118949"/>
+            <a:ext cx="601844" cy="684309"/>
+          </a:xfrm>
+          <a:prstGeom prst="straightConnector1">
+            <a:avLst/>
+          </a:prstGeom>
+          <a:ln>
+            <a:headEnd type="triangle"/>
+            <a:tailEnd type="triangle"/>
+          </a:ln>
+        </p:spPr>
+        <p:style>
+          <a:lnRef idx="2">
+            <a:schemeClr val="dk1"/>
+          </a:lnRef>
+          <a:fillRef idx="0">
+            <a:schemeClr val="dk1"/>
+          </a:fillRef>
+          <a:effectRef idx="1">
+            <a:schemeClr val="dk1"/>
+          </a:effectRef>
+          <a:fontRef idx="minor">
+            <a:schemeClr val="tx1"/>
+          </a:fontRef>
+        </p:style>
+      </p:cxnSp>
+      <p:cxnSp>
+        <p:nvCxnSpPr>
+          <p:cNvPr id="160" name="Straight Arrow Connector 159">
+            <a:extLst>
+              <a:ext uri="{FF2B5EF4-FFF2-40B4-BE49-F238E27FC236}">
+                <a16:creationId xmlns:a16="http://schemas.microsoft.com/office/drawing/2014/main" id="{F21609CA-BD33-3AE1-A889-38AF4766BCDA}"/>
+              </a:ext>
+            </a:extLst>
+          </p:cNvPr>
+          <p:cNvCxnSpPr>
+            <a:cxnSpLocks/>
+            <a:stCxn id="135" idx="2"/>
+            <a:endCxn id="143" idx="0"/>
+          </p:cNvCxnSpPr>
+          <p:nvPr/>
+        </p:nvCxnSpPr>
+        <p:spPr>
+          <a:xfrm>
+            <a:off x="4555775" y="5118949"/>
+            <a:ext cx="1875679" cy="684309"/>
+          </a:xfrm>
+          <a:prstGeom prst="straightConnector1">
+            <a:avLst/>
+          </a:prstGeom>
+          <a:ln>
+            <a:headEnd type="triangle"/>
+            <a:tailEnd type="triangle"/>
+          </a:ln>
+        </p:spPr>
+        <p:style>
+          <a:lnRef idx="2">
+            <a:schemeClr val="dk1"/>
+          </a:lnRef>
+          <a:fillRef idx="0">
+            <a:schemeClr val="dk1"/>
+          </a:fillRef>
+          <a:effectRef idx="1">
+            <a:schemeClr val="dk1"/>
+          </a:effectRef>
+          <a:fontRef idx="minor">
+            <a:schemeClr val="tx1"/>
+          </a:fontRef>
+        </p:style>
+      </p:cxnSp>
+      <p:cxnSp>
+        <p:nvCxnSpPr>
+          <p:cNvPr id="163" name="Straight Arrow Connector 162">
+            <a:extLst>
+              <a:ext uri="{FF2B5EF4-FFF2-40B4-BE49-F238E27FC236}">
+                <a16:creationId xmlns:a16="http://schemas.microsoft.com/office/drawing/2014/main" id="{58A55B74-7FB1-066B-0955-90CE8989314A}"/>
+              </a:ext>
+            </a:extLst>
+          </p:cNvPr>
+          <p:cNvCxnSpPr>
+            <a:cxnSpLocks/>
+            <a:stCxn id="132" idx="2"/>
+            <a:endCxn id="138" idx="0"/>
+          </p:cNvCxnSpPr>
+          <p:nvPr/>
+        </p:nvCxnSpPr>
+        <p:spPr>
+          <a:xfrm flipH="1">
+            <a:off x="5157619" y="5118949"/>
+            <a:ext cx="35872" cy="684309"/>
+          </a:xfrm>
+          <a:prstGeom prst="straightConnector1">
+            <a:avLst/>
+          </a:prstGeom>
+          <a:ln>
+            <a:headEnd type="triangle"/>
+            <a:tailEnd type="triangle"/>
+          </a:ln>
+        </p:spPr>
+        <p:style>
+          <a:lnRef idx="2">
+            <a:schemeClr val="dk1"/>
+          </a:lnRef>
+          <a:fillRef idx="0">
+            <a:schemeClr val="dk1"/>
+          </a:fillRef>
+          <a:effectRef idx="1">
+            <a:schemeClr val="dk1"/>
+          </a:effectRef>
+          <a:fontRef idx="minor">
+            <a:schemeClr val="tx1"/>
+          </a:fontRef>
+        </p:style>
+      </p:cxnSp>
+      <p:cxnSp>
+        <p:nvCxnSpPr>
+          <p:cNvPr id="166" name="Straight Arrow Connector 165">
+            <a:extLst>
+              <a:ext uri="{FF2B5EF4-FFF2-40B4-BE49-F238E27FC236}">
+                <a16:creationId xmlns:a16="http://schemas.microsoft.com/office/drawing/2014/main" id="{E329D428-1C6D-6E3A-9A07-31FBA10B7ADB}"/>
+              </a:ext>
+            </a:extLst>
+          </p:cNvPr>
+          <p:cNvCxnSpPr>
+            <a:cxnSpLocks/>
+            <a:stCxn id="133" idx="2"/>
+            <a:endCxn id="143" idx="0"/>
+          </p:cNvCxnSpPr>
+          <p:nvPr/>
+        </p:nvCxnSpPr>
+        <p:spPr>
+          <a:xfrm flipH="1">
+            <a:off x="6431454" y="5118949"/>
+            <a:ext cx="37472" cy="684309"/>
+          </a:xfrm>
+          <a:prstGeom prst="straightConnector1">
+            <a:avLst/>
+          </a:prstGeom>
+          <a:ln>
+            <a:headEnd type="triangle"/>
+            <a:tailEnd type="triangle"/>
+          </a:ln>
+        </p:spPr>
+        <p:style>
+          <a:lnRef idx="2">
+            <a:schemeClr val="dk1"/>
+          </a:lnRef>
+          <a:fillRef idx="0">
+            <a:schemeClr val="dk1"/>
+          </a:fillRef>
+          <a:effectRef idx="1">
+            <a:schemeClr val="dk1"/>
+          </a:effectRef>
+          <a:fontRef idx="minor">
+            <a:schemeClr val="tx1"/>
+          </a:fontRef>
+        </p:style>
+      </p:cxnSp>
+      <p:sp>
+        <p:nvSpPr>
+          <p:cNvPr id="169" name="Arrow: Right 168">
+            <a:extLst>
+              <a:ext uri="{FF2B5EF4-FFF2-40B4-BE49-F238E27FC236}">
+                <a16:creationId xmlns:a16="http://schemas.microsoft.com/office/drawing/2014/main" id="{9C4F2DA7-5D26-14B7-30DF-1AA1E019BA28}"/>
+              </a:ext>
+            </a:extLst>
+          </p:cNvPr>
+          <p:cNvSpPr/>
+          <p:nvPr/>
+        </p:nvSpPr>
+        <p:spPr>
+          <a:xfrm>
+            <a:off x="7010851" y="5346804"/>
+            <a:ext cx="228600" cy="228600"/>
+          </a:xfrm>
+          <a:prstGeom prst="rightArrow">
+            <a:avLst/>
+          </a:prstGeom>
+        </p:spPr>
+        <p:style>
+          <a:lnRef idx="2">
+            <a:schemeClr val="dk1"/>
+          </a:lnRef>
+          <a:fillRef idx="1">
+            <a:schemeClr val="lt1"/>
+          </a:fillRef>
+          <a:effectRef idx="0">
+            <a:schemeClr val="dk1"/>
+          </a:effectRef>
+          <a:fontRef idx="minor">
+            <a:schemeClr val="dk1"/>
+          </a:fontRef>
+        </p:style>
+        <p:txBody>
+          <a:bodyPr rtlCol="0" anchor="ctr"/>
+          <a:lstStyle/>
+          <a:p>
+            <a:pPr algn="ctr"/>
+            <a:endParaRPr lang="en-US"/>
+          </a:p>
+        </p:txBody>
+      </p:sp>
+      <p:sp>
+        <p:nvSpPr>
+          <p:cNvPr id="170" name="Rectangle 169">
+            <a:extLst>
+              <a:ext uri="{FF2B5EF4-FFF2-40B4-BE49-F238E27FC236}">
+                <a16:creationId xmlns:a16="http://schemas.microsoft.com/office/drawing/2014/main" id="{BB4183E5-E948-A054-1B8D-03672A7E4661}"/>
+              </a:ext>
+            </a:extLst>
+          </p:cNvPr>
+          <p:cNvSpPr/>
+          <p:nvPr/>
+        </p:nvSpPr>
+        <p:spPr>
+          <a:xfrm>
+            <a:off x="7432870" y="5324689"/>
+            <a:ext cx="1371600" cy="274320"/>
+          </a:xfrm>
+          <a:prstGeom prst="rect">
+            <a:avLst/>
+          </a:prstGeom>
+        </p:spPr>
+        <p:style>
+          <a:lnRef idx="2">
+            <a:schemeClr val="dk1"/>
+          </a:lnRef>
+          <a:fillRef idx="1">
+            <a:schemeClr val="lt1"/>
+          </a:fillRef>
+          <a:effectRef idx="0">
+            <a:schemeClr val="dk1"/>
+          </a:effectRef>
+          <a:fontRef idx="minor">
+            <a:schemeClr val="dk1"/>
+          </a:fontRef>
+        </p:style>
+        <p:txBody>
+          <a:bodyPr rtlCol="0" anchor="ctr"/>
+          <a:lstStyle/>
+          <a:p>
+            <a:pPr algn="ctr"/>
+            <a:r>
+              <a:rPr lang="en-US" sz="1100" dirty="0">
+                <a:latin typeface="Times New Roman" panose="02020603050405020304" pitchFamily="18" charset="0"/>
+                <a:cs typeface="Times New Roman" panose="02020603050405020304" pitchFamily="18" charset="0"/>
+              </a:rPr>
+              <a:t>Similarity Scores</a:t>
+            </a:r>
+          </a:p>
+        </p:txBody>
+      </p:sp>
+      <p:sp>
+        <p:nvSpPr>
+          <p:cNvPr id="171" name="Arrow: Right 170">
+            <a:extLst>
+              <a:ext uri="{FF2B5EF4-FFF2-40B4-BE49-F238E27FC236}">
+                <a16:creationId xmlns:a16="http://schemas.microsoft.com/office/drawing/2014/main" id="{8CF349EA-ADF3-6FA8-0351-3848C247B37E}"/>
+              </a:ext>
+            </a:extLst>
+          </p:cNvPr>
+          <p:cNvSpPr/>
+          <p:nvPr/>
+        </p:nvSpPr>
+        <p:spPr>
+          <a:xfrm>
+            <a:off x="9128545" y="5347549"/>
+            <a:ext cx="228600" cy="228600"/>
+          </a:xfrm>
+          <a:prstGeom prst="rightArrow">
+            <a:avLst/>
+          </a:prstGeom>
+        </p:spPr>
+        <p:style>
+          <a:lnRef idx="2">
+            <a:schemeClr val="dk1"/>
+          </a:lnRef>
+          <a:fillRef idx="1">
+            <a:schemeClr val="lt1"/>
+          </a:fillRef>
+          <a:effectRef idx="0">
+            <a:schemeClr val="dk1"/>
+          </a:effectRef>
+          <a:fontRef idx="minor">
+            <a:schemeClr val="dk1"/>
+          </a:fontRef>
+        </p:style>
+        <p:txBody>
+          <a:bodyPr rtlCol="0" anchor="ctr"/>
+          <a:lstStyle/>
+          <a:p>
+            <a:pPr algn="ctr"/>
+            <a:endParaRPr lang="en-US"/>
+          </a:p>
+        </p:txBody>
+      </p:sp>
+      <mc:AlternateContent xmlns:mc="http://schemas.openxmlformats.org/markup-compatibility/2006">
+        <mc:Choice xmlns:a14="http://schemas.microsoft.com/office/drawing/2010/main" Requires="a14">
+          <p:sp>
+            <p:nvSpPr>
+              <p:cNvPr id="172" name="Rectangle 171">
+                <a:extLst>
+                  <a:ext uri="{FF2B5EF4-FFF2-40B4-BE49-F238E27FC236}">
+                    <a16:creationId xmlns:a16="http://schemas.microsoft.com/office/drawing/2014/main" id="{CAB9A0BB-7DFE-684A-35F7-75087DF1DF04}"/>
+                  </a:ext>
+                </a:extLst>
+              </p:cNvPr>
+              <p:cNvSpPr/>
+              <p:nvPr/>
+            </p:nvSpPr>
+            <p:spPr>
+              <a:xfrm>
+                <a:off x="9572257" y="5118949"/>
+                <a:ext cx="1371600" cy="685800"/>
+              </a:xfrm>
+              <a:prstGeom prst="rect">
+                <a:avLst/>
+              </a:prstGeom>
+            </p:spPr>
+            <p:style>
+              <a:lnRef idx="2">
+                <a:schemeClr val="dk1"/>
+              </a:lnRef>
+              <a:fillRef idx="1">
+                <a:schemeClr val="lt1"/>
+              </a:fillRef>
+              <a:effectRef idx="0">
+                <a:schemeClr val="dk1"/>
+              </a:effectRef>
+              <a:fontRef idx="minor">
+                <a:schemeClr val="dk1"/>
+              </a:fontRef>
+            </p:style>
+            <p:txBody>
+              <a:bodyPr rtlCol="0" anchor="t"/>
+              <a:lstStyle/>
+              <a:p>
+                <a:pPr algn="ctr"/>
+                <a:r>
+                  <a:rPr lang="en-US" sz="1100" dirty="0">
+                    <a:latin typeface="Times New Roman" panose="02020603050405020304" pitchFamily="18" charset="0"/>
+                    <a:cs typeface="Times New Roman" panose="02020603050405020304" pitchFamily="18" charset="0"/>
+                  </a:rPr>
+                  <a:t>Simple Prediction Network</a:t>
+                </a:r>
+                <a:endParaRPr lang="en-US" sz="1100" i="1" dirty="0">
+                  <a:latin typeface="Cambria Math" panose="02040503050406030204" pitchFamily="18" charset="0"/>
+                  <a:ea typeface="Cambria Math" panose="02040503050406030204" pitchFamily="18" charset="0"/>
+                  <a:cs typeface="Times New Roman" panose="02020603050405020304" pitchFamily="18" charset="0"/>
+                </a:endParaRPr>
+              </a:p>
+              <a:p>
+                <a:pPr algn="ctr"/>
+                <a14:m>
+                  <m:oMathPara xmlns:m="http://schemas.openxmlformats.org/officeDocument/2006/math">
+                    <m:oMathParaPr>
+                      <m:jc m:val="centerGroup"/>
+                    </m:oMathParaPr>
+                    <m:oMath xmlns:m="http://schemas.openxmlformats.org/officeDocument/2006/math">
+                      <m:r>
+                        <a:rPr lang="en-US" sz="1100" i="1" smtClean="0">
+                          <a:latin typeface="Cambria Math" panose="02040503050406030204" pitchFamily="18" charset="0"/>
+                          <a:ea typeface="Cambria Math" panose="02040503050406030204" pitchFamily="18" charset="0"/>
+                          <a:cs typeface="Times New Roman" panose="02020603050405020304" pitchFamily="18" charset="0"/>
+                        </a:rPr>
+                        <m:t>𝜓</m:t>
+                      </m:r>
+                      <m:r>
+                        <a:rPr lang="en-US" sz="1100" b="0" i="1" smtClean="0">
+                          <a:latin typeface="Cambria Math" panose="02040503050406030204" pitchFamily="18" charset="0"/>
+                          <a:ea typeface="Cambria Math" panose="02040503050406030204" pitchFamily="18" charset="0"/>
+                          <a:cs typeface="Times New Roman" panose="02020603050405020304" pitchFamily="18" charset="0"/>
+                        </a:rPr>
+                        <m:t>(. ; </m:t>
+                      </m:r>
+                      <m:sSub>
+                        <m:sSubPr>
+                          <m:ctrlPr>
+                            <a:rPr lang="en-US" sz="1100" b="0" i="1" smtClean="0">
+                              <a:latin typeface="Cambria Math" panose="02040503050406030204" pitchFamily="18" charset="0"/>
+                              <a:ea typeface="Cambria Math" panose="02040503050406030204" pitchFamily="18" charset="0"/>
+                              <a:cs typeface="Times New Roman" panose="02020603050405020304" pitchFamily="18" charset="0"/>
+                            </a:rPr>
+                          </m:ctrlPr>
+                        </m:sSubPr>
+                        <m:e>
+                          <m:r>
+                            <m:rPr>
+                              <m:sty m:val="p"/>
+                            </m:rPr>
+                            <a:rPr lang="el-GR" sz="1100" b="0" i="1" smtClean="0">
+                              <a:latin typeface="Cambria Math" panose="02040503050406030204" pitchFamily="18" charset="0"/>
+                              <a:ea typeface="Cambria Math" panose="02040503050406030204" pitchFamily="18" charset="0"/>
+                              <a:cs typeface="Times New Roman" panose="02020603050405020304" pitchFamily="18" charset="0"/>
+                            </a:rPr>
+                            <m:t>Ω</m:t>
+                          </m:r>
+                        </m:e>
+                        <m:sub>
+                          <m:r>
+                            <a:rPr lang="en-US" sz="1100" b="0" i="1" smtClean="0">
+                              <a:latin typeface="Cambria Math" panose="02040503050406030204" pitchFamily="18" charset="0"/>
+                              <a:ea typeface="Cambria Math" panose="02040503050406030204" pitchFamily="18" charset="0"/>
+                              <a:cs typeface="Times New Roman" panose="02020603050405020304" pitchFamily="18" charset="0"/>
+                            </a:rPr>
+                            <m:t>𝜓</m:t>
+                          </m:r>
+                        </m:sub>
+                      </m:sSub>
+                      <m:r>
+                        <a:rPr lang="en-US" sz="1100" b="0" i="1" smtClean="0">
+                          <a:latin typeface="Cambria Math" panose="02040503050406030204" pitchFamily="18" charset="0"/>
+                          <a:ea typeface="Cambria Math" panose="02040503050406030204" pitchFamily="18" charset="0"/>
+                          <a:cs typeface="Times New Roman" panose="02020603050405020304" pitchFamily="18" charset="0"/>
+                        </a:rPr>
+                        <m:t>)</m:t>
+                      </m:r>
+                    </m:oMath>
+                  </m:oMathPara>
+                </a14:m>
+                <a:endParaRPr lang="en-US" sz="1100" dirty="0">
+                  <a:latin typeface="Times New Roman" panose="02020603050405020304" pitchFamily="18" charset="0"/>
+                  <a:cs typeface="Times New Roman" panose="02020603050405020304" pitchFamily="18" charset="0"/>
+                </a:endParaRPr>
+              </a:p>
+              <a:p>
+                <a:pPr algn="ctr"/>
+                <a:endParaRPr lang="en-US" sz="1100" dirty="0">
+                  <a:latin typeface="Times New Roman" panose="02020603050405020304" pitchFamily="18" charset="0"/>
+                  <a:cs typeface="Times New Roman" panose="02020603050405020304" pitchFamily="18" charset="0"/>
+                </a:endParaRPr>
+              </a:p>
+            </p:txBody>
+          </p:sp>
+        </mc:Choice>
+        <mc:Fallback>
+          <p:sp>
+            <p:nvSpPr>
+              <p:cNvPr id="172" name="Rectangle 171">
+                <a:extLst>
+                  <a:ext uri="{FF2B5EF4-FFF2-40B4-BE49-F238E27FC236}">
+                    <a16:creationId xmlns:a16="http://schemas.microsoft.com/office/drawing/2014/main" id="{CAB9A0BB-7DFE-684A-35F7-75087DF1DF04}"/>
+                  </a:ext>
+                </a:extLst>
+              </p:cNvPr>
+              <p:cNvSpPr>
+                <a:spLocks noRot="1" noChangeAspect="1" noMove="1" noResize="1" noEditPoints="1" noAdjustHandles="1" noChangeArrowheads="1" noChangeShapeType="1" noTextEdit="1"/>
+              </p:cNvSpPr>
+              <p:nvPr/>
+            </p:nvSpPr>
+            <p:spPr>
+              <a:xfrm>
+                <a:off x="9572257" y="5118949"/>
+                <a:ext cx="1371600" cy="685800"/>
+              </a:xfrm>
+              <a:prstGeom prst="rect">
+                <a:avLst/>
+              </a:prstGeom>
+              <a:blipFill>
+                <a:blip r:embed="rId27"/>
+                <a:stretch>
+                  <a:fillRect/>
+                </a:stretch>
+              </a:blipFill>
+            </p:spPr>
+            <p:txBody>
+              <a:bodyPr/>
+              <a:lstStyle/>
+              <a:p>
+                <a:r>
+                  <a:rPr lang="en-US">
+                    <a:noFill/>
+                  </a:rPr>
+                  <a:t> </a:t>
+                </a:r>
+              </a:p>
+            </p:txBody>
+          </p:sp>
+        </mc:Fallback>
+      </mc:AlternateContent>
+    </p:spTree>
+    <p:extLst>
+      <p:ext uri="{BB962C8B-B14F-4D97-AF65-F5344CB8AC3E}">
+        <p14:creationId xmlns:p14="http://schemas.microsoft.com/office/powerpoint/2010/main" val="85415158"/>
+      </p:ext>
+    </p:extLst>
+  </p:cSld>
+  <p:clrMapOvr>
+    <a:masterClrMapping/>
+  </p:clrMapOvr>
+</p:sld>
+</file>
+
+<file path=ppt/slides/slide3.xml><?xml version="1.0" encoding="utf-8"?>
 <p:sld xmlns:a="http://schemas.openxmlformats.org/drawingml/2006/main" xmlns:r="http://schemas.openxmlformats.org/officeDocument/2006/relationships" xmlns:p="http://schemas.openxmlformats.org/presentationml/2006/main">
   <p:cSld>
     <p:spTree>
